--- a/@artifact/sirius_diagram.pptx
+++ b/@artifact/sirius_diagram.pptx
@@ -12,6 +12,8 @@
     <p:sldId id="257" r:id="rId6"/>
     <p:sldId id="258" r:id="rId7"/>
     <p:sldId id="259" r:id="rId8"/>
+    <p:sldId id="263" r:id="rId9"/>
+    <p:sldId id="264" r:id="rId10"/>
   </p:sldIdLst>
   <p:sldSz cx="9144000" cy="6858000" type="screen4x3"/>
   <p:notesSz cx="6858000" cy="9144000"/>
@@ -295,7 +297,7 @@
             <a:fld id="{514A86D4-6CB4-4B01-9FF2-5F8C796C776F}" type="datetimeFigureOut">
               <a:rPr lang="ko-KR" altLang="en-US" smtClean="0"/>
               <a:pPr/>
-              <a:t>2017-10-10</a:t>
+              <a:t>2017-11-15</a:t>
             </a:fld>
             <a:endParaRPr lang="ko-KR" altLang="en-US"/>
           </a:p>
@@ -462,7 +464,7 @@
             <a:fld id="{514A86D4-6CB4-4B01-9FF2-5F8C796C776F}" type="datetimeFigureOut">
               <a:rPr lang="ko-KR" altLang="en-US" smtClean="0"/>
               <a:pPr/>
-              <a:t>2017-10-10</a:t>
+              <a:t>2017-11-15</a:t>
             </a:fld>
             <a:endParaRPr lang="ko-KR" altLang="en-US"/>
           </a:p>
@@ -639,7 +641,7 @@
             <a:fld id="{514A86D4-6CB4-4B01-9FF2-5F8C796C776F}" type="datetimeFigureOut">
               <a:rPr lang="ko-KR" altLang="en-US" smtClean="0"/>
               <a:pPr/>
-              <a:t>2017-10-10</a:t>
+              <a:t>2017-11-15</a:t>
             </a:fld>
             <a:endParaRPr lang="ko-KR" altLang="en-US"/>
           </a:p>
@@ -806,7 +808,7 @@
             <a:fld id="{514A86D4-6CB4-4B01-9FF2-5F8C796C776F}" type="datetimeFigureOut">
               <a:rPr lang="ko-KR" altLang="en-US" smtClean="0"/>
               <a:pPr/>
-              <a:t>2017-10-10</a:t>
+              <a:t>2017-11-15</a:t>
             </a:fld>
             <a:endParaRPr lang="ko-KR" altLang="en-US"/>
           </a:p>
@@ -1049,7 +1051,7 @@
             <a:fld id="{514A86D4-6CB4-4B01-9FF2-5F8C796C776F}" type="datetimeFigureOut">
               <a:rPr lang="ko-KR" altLang="en-US" smtClean="0"/>
               <a:pPr/>
-              <a:t>2017-10-10</a:t>
+              <a:t>2017-11-15</a:t>
             </a:fld>
             <a:endParaRPr lang="ko-KR" altLang="en-US"/>
           </a:p>
@@ -1334,7 +1336,7 @@
             <a:fld id="{514A86D4-6CB4-4B01-9FF2-5F8C796C776F}" type="datetimeFigureOut">
               <a:rPr lang="ko-KR" altLang="en-US" smtClean="0"/>
               <a:pPr/>
-              <a:t>2017-10-10</a:t>
+              <a:t>2017-11-15</a:t>
             </a:fld>
             <a:endParaRPr lang="ko-KR" altLang="en-US"/>
           </a:p>
@@ -1753,7 +1755,7 @@
             <a:fld id="{514A86D4-6CB4-4B01-9FF2-5F8C796C776F}" type="datetimeFigureOut">
               <a:rPr lang="ko-KR" altLang="en-US" smtClean="0"/>
               <a:pPr/>
-              <a:t>2017-10-10</a:t>
+              <a:t>2017-11-15</a:t>
             </a:fld>
             <a:endParaRPr lang="ko-KR" altLang="en-US"/>
           </a:p>
@@ -1868,7 +1870,7 @@
             <a:fld id="{514A86D4-6CB4-4B01-9FF2-5F8C796C776F}" type="datetimeFigureOut">
               <a:rPr lang="ko-KR" altLang="en-US" smtClean="0"/>
               <a:pPr/>
-              <a:t>2017-10-10</a:t>
+              <a:t>2017-11-15</a:t>
             </a:fld>
             <a:endParaRPr lang="ko-KR" altLang="en-US"/>
           </a:p>
@@ -1960,7 +1962,7 @@
             <a:fld id="{514A86D4-6CB4-4B01-9FF2-5F8C796C776F}" type="datetimeFigureOut">
               <a:rPr lang="ko-KR" altLang="en-US" smtClean="0"/>
               <a:pPr/>
-              <a:t>2017-10-10</a:t>
+              <a:t>2017-11-15</a:t>
             </a:fld>
             <a:endParaRPr lang="ko-KR" altLang="en-US"/>
           </a:p>
@@ -2234,7 +2236,7 @@
             <a:fld id="{514A86D4-6CB4-4B01-9FF2-5F8C796C776F}" type="datetimeFigureOut">
               <a:rPr lang="ko-KR" altLang="en-US" smtClean="0"/>
               <a:pPr/>
-              <a:t>2017-10-10</a:t>
+              <a:t>2017-11-15</a:t>
             </a:fld>
             <a:endParaRPr lang="ko-KR" altLang="en-US"/>
           </a:p>
@@ -2484,7 +2486,7 @@
             <a:fld id="{514A86D4-6CB4-4B01-9FF2-5F8C796C776F}" type="datetimeFigureOut">
               <a:rPr lang="ko-KR" altLang="en-US" smtClean="0"/>
               <a:pPr/>
-              <a:t>2017-10-10</a:t>
+              <a:t>2017-11-15</a:t>
             </a:fld>
             <a:endParaRPr lang="ko-KR" altLang="en-US"/>
           </a:p>
@@ -2694,7 +2696,7 @@
             <a:fld id="{514A86D4-6CB4-4B01-9FF2-5F8C796C776F}" type="datetimeFigureOut">
               <a:rPr lang="ko-KR" altLang="en-US" smtClean="0"/>
               <a:pPr/>
-              <a:t>2017-10-10</a:t>
+              <a:t>2017-11-15</a:t>
             </a:fld>
             <a:endParaRPr lang="ko-KR" altLang="en-US"/>
           </a:p>
@@ -3487,22 +3489,7 @@
                   </a:outerShdw>
                 </a:effectLst>
               </a:rPr>
-              <a:t>Sirius </a:t>
-            </a:r>
-            <a:r>
-              <a:rPr lang="en-US" altLang="ko-KR" b="1" dirty="0" smtClean="0">
-                <a:solidFill>
-                  <a:schemeClr val="bg1"/>
-                </a:solidFill>
-                <a:effectLst>
-                  <a:outerShdw blurRad="38100" dist="38100" dir="2700000" algn="tl">
-                    <a:srgbClr val="000000">
-                      <a:alpha val="43137"/>
-                    </a:srgbClr>
-                  </a:outerShdw>
-                </a:effectLst>
-              </a:rPr>
-              <a:t>Backend System</a:t>
+              <a:t>Sirius Backend System</a:t>
             </a:r>
           </a:p>
           <a:p>
@@ -3606,22 +3593,7 @@
                   </a:outerShdw>
                 </a:effectLst>
               </a:rPr>
-              <a:t>Sirius </a:t>
-            </a:r>
-            <a:r>
-              <a:rPr lang="en-US" altLang="ko-KR" b="1" dirty="0" smtClean="0">
-                <a:solidFill>
-                  <a:schemeClr val="bg1"/>
-                </a:solidFill>
-                <a:effectLst>
-                  <a:outerShdw blurRad="38100" dist="38100" dir="2700000" algn="tl">
-                    <a:srgbClr val="000000">
-                      <a:alpha val="43137"/>
-                    </a:srgbClr>
-                  </a:outerShdw>
-                </a:effectLst>
-              </a:rPr>
-              <a:t>Server Farm</a:t>
+              <a:t>Sirius Server Farm</a:t>
             </a:r>
           </a:p>
           <a:p>
@@ -4186,22 +4158,7 @@
                   </a:outerShdw>
                 </a:effectLst>
               </a:rPr>
-              <a:t>Sirius </a:t>
-            </a:r>
-            <a:r>
-              <a:rPr lang="en-US" altLang="ko-KR" sz="1400" b="1" dirty="0" smtClean="0">
-                <a:solidFill>
-                  <a:srgbClr val="FF0000"/>
-                </a:solidFill>
-                <a:effectLst>
-                  <a:outerShdw blurRad="38100" dist="38100" dir="2700000" algn="tl">
-                    <a:srgbClr val="000000">
-                      <a:alpha val="43137"/>
-                    </a:srgbClr>
-                  </a:outerShdw>
-                </a:effectLst>
-              </a:rPr>
-              <a:t>Platform</a:t>
+              <a:t>Sirius Platform</a:t>
             </a:r>
           </a:p>
           <a:p>
@@ -4310,22 +4267,7 @@
                   </a:outerShdw>
                 </a:effectLst>
               </a:rPr>
-              <a:t>Sirius </a:t>
-            </a:r>
-            <a:r>
-              <a:rPr lang="en-US" altLang="ko-KR" sz="1400" b="1" dirty="0" smtClean="0">
-                <a:solidFill>
-                  <a:srgbClr val="FF0000"/>
-                </a:solidFill>
-                <a:effectLst>
-                  <a:outerShdw blurRad="38100" dist="38100" dir="2700000" algn="tl">
-                    <a:srgbClr val="000000">
-                      <a:alpha val="43137"/>
-                    </a:srgbClr>
-                  </a:outerShdw>
-                </a:effectLst>
-              </a:rPr>
-              <a:t>Platform</a:t>
+              <a:t>Sirius Platform</a:t>
             </a:r>
           </a:p>
           <a:p>
@@ -4396,22 +4338,7 @@
                   </a:outerShdw>
                 </a:effectLst>
               </a:rPr>
-              <a:t>Sirius </a:t>
-            </a:r>
-            <a:r>
-              <a:rPr lang="en-US" altLang="ko-KR" sz="1400" b="1" dirty="0" smtClean="0">
-                <a:solidFill>
-                  <a:srgbClr val="FF0000"/>
-                </a:solidFill>
-                <a:effectLst>
-                  <a:outerShdw blurRad="38100" dist="38100" dir="2700000" algn="tl">
-                    <a:srgbClr val="000000">
-                      <a:alpha val="43137"/>
-                    </a:srgbClr>
-                  </a:outerShdw>
-                </a:effectLst>
-              </a:rPr>
-              <a:t>Server URI</a:t>
+              <a:t>Sirius Server URI</a:t>
             </a:r>
             <a:endParaRPr lang="ko-KR" altLang="en-US" sz="1400" b="1" dirty="0">
               <a:solidFill>
@@ -4502,22 +4429,7 @@
                   </a:outerShdw>
                 </a:effectLst>
               </a:rPr>
-              <a:t>Sirius </a:t>
-            </a:r>
-            <a:r>
-              <a:rPr lang="en-US" altLang="ko-KR" sz="1400" b="1" dirty="0" smtClean="0">
-                <a:solidFill>
-                  <a:srgbClr val="FF0000"/>
-                </a:solidFill>
-                <a:effectLst>
-                  <a:outerShdw blurRad="38100" dist="38100" dir="2700000" algn="tl">
-                    <a:srgbClr val="000000">
-                      <a:alpha val="43137"/>
-                    </a:srgbClr>
-                  </a:outerShdw>
-                </a:effectLst>
-              </a:rPr>
-              <a:t>Service</a:t>
+              <a:t>Sirius Service</a:t>
             </a:r>
             <a:endParaRPr lang="ko-KR" altLang="en-US" sz="1400" b="1" dirty="0">
               <a:solidFill>
@@ -4606,19 +4518,7 @@
                   </a:outerShdw>
                 </a:effectLst>
               </a:rPr>
-              <a:t>Sirius </a:t>
-            </a:r>
-            <a:r>
-              <a:rPr lang="en-US" altLang="ko-KR" b="1" dirty="0" smtClean="0">
-                <a:effectLst>
-                  <a:outerShdw blurRad="38100" dist="38100" dir="2700000" algn="tl">
-                    <a:srgbClr val="000000">
-                      <a:alpha val="43137"/>
-                    </a:srgbClr>
-                  </a:outerShdw>
-                </a:effectLst>
-              </a:rPr>
-              <a:t>Platform On Server H/W</a:t>
+              <a:t>Sirius Platform On Server H/W</a:t>
             </a:r>
           </a:p>
           <a:p>
@@ -4815,11 +4715,7 @@
             <a:p>
               <a:r>
                 <a:rPr lang="en-US" altLang="ko-KR" sz="1600" b="1" dirty="0" smtClean="0"/>
-                <a:t>Sirius </a:t>
-              </a:r>
-              <a:r>
-                <a:rPr lang="en-US" altLang="ko-KR" sz="1600" b="1" dirty="0" smtClean="0"/>
-                <a:t>Attendant</a:t>
+                <a:t>Sirius Attendant</a:t>
               </a:r>
             </a:p>
             <a:p>
@@ -5625,11 +5521,7 @@
             <a:p>
               <a:r>
                 <a:rPr lang="en-US" altLang="ko-KR" sz="1600" b="1" dirty="0" smtClean="0"/>
-                <a:t>Sirius </a:t>
-              </a:r>
-              <a:r>
-                <a:rPr lang="en-US" altLang="ko-KR" sz="1600" b="1" dirty="0" smtClean="0"/>
-                <a:t>Attendant</a:t>
+                <a:t>Sirius Attendant</a:t>
               </a:r>
             </a:p>
             <a:p>
@@ -6446,22 +6338,7 @@
                     </a:outerShdw>
                   </a:effectLst>
                 </a:rPr>
-                <a:t>Sirius </a:t>
-              </a:r>
-              <a:r>
-                <a:rPr lang="en-US" altLang="ko-KR" sz="1600" b="1" dirty="0" smtClean="0">
-                  <a:solidFill>
-                    <a:schemeClr val="bg1"/>
-                  </a:solidFill>
-                  <a:effectLst>
-                    <a:outerShdw blurRad="38100" dist="38100" dir="2700000" algn="tl">
-                      <a:srgbClr val="000000">
-                        <a:alpha val="43137"/>
-                      </a:srgbClr>
-                    </a:outerShdw>
-                  </a:effectLst>
-                </a:rPr>
-                <a:t>Attendant</a:t>
+                <a:t>Sirius Attendant</a:t>
               </a:r>
             </a:p>
             <a:p>
@@ -6769,15 +6646,7 @@
                       <a:schemeClr val="accent2"/>
                     </a:solidFill>
                   </a:rPr>
-                  <a:t>PNG </a:t>
-                </a:r>
-                <a:r>
-                  <a:rPr lang="en-US" altLang="ko-KR" sz="700" b="1" i="1" dirty="0" smtClean="0">
-                    <a:solidFill>
-                      <a:schemeClr val="accent2"/>
-                    </a:solidFill>
-                  </a:rPr>
-                  <a:t>Encoder</a:t>
+                  <a:t>PNG Encoder</a:t>
                 </a:r>
                 <a:endParaRPr lang="ko-KR" altLang="en-US" sz="700" b="1" i="1" dirty="0">
                   <a:solidFill>
@@ -6836,15 +6705,7 @@
                       <a:schemeClr val="accent2"/>
                     </a:solidFill>
                   </a:rPr>
-                  <a:t>JPEG </a:t>
-                </a:r>
-                <a:r>
-                  <a:rPr lang="en-US" altLang="ko-KR" sz="700" b="1" i="1" dirty="0" smtClean="0">
-                    <a:solidFill>
-                      <a:schemeClr val="accent2"/>
-                    </a:solidFill>
-                  </a:rPr>
-                  <a:t>Encoder</a:t>
+                  <a:t>JPEG Encoder</a:t>
                 </a:r>
                 <a:endParaRPr lang="ko-KR" altLang="en-US" sz="700" b="1" i="1" dirty="0">
                   <a:solidFill>
@@ -7108,11 +6969,7 @@
                 <a:pPr algn="ctr"/>
                 <a:r>
                   <a:rPr lang="en-US" altLang="ko-KR" sz="800" b="1" dirty="0" smtClean="0"/>
-                  <a:t>SICP </a:t>
-                </a:r>
-                <a:r>
-                  <a:rPr lang="en-US" altLang="ko-KR" sz="800" b="1" dirty="0" smtClean="0"/>
-                  <a:t>Client(Control)</a:t>
+                  <a:t>SICP Client(Control)</a:t>
                 </a:r>
                 <a:endParaRPr lang="ko-KR" altLang="en-US" sz="800" b="1" dirty="0"/>
               </a:p>
@@ -7167,15 +7024,7 @@
                       <a:schemeClr val="accent2"/>
                     </a:solidFill>
                   </a:rPr>
-                  <a:t>SCSP </a:t>
-                </a:r>
-                <a:r>
-                  <a:rPr lang="en-US" altLang="ko-KR" sz="700" b="1" i="1" dirty="0" smtClean="0">
-                    <a:solidFill>
-                      <a:schemeClr val="accent2"/>
-                    </a:solidFill>
-                  </a:rPr>
-                  <a:t>Server(Streamer)</a:t>
+                  <a:t>SCSP Server(Streamer)</a:t>
                 </a:r>
                 <a:endParaRPr lang="ko-KR" altLang="en-US" sz="700" b="1" i="1" dirty="0">
                   <a:solidFill>
@@ -7262,15 +7111,6 @@
                 </a:rPr>
                 <a:t>Sirius Arbitrator</a:t>
               </a:r>
-              <a:endParaRPr lang="en-US" altLang="ko-KR" sz="1600" b="1" dirty="0" smtClean="0">
-                <a:effectLst>
-                  <a:outerShdw blurRad="38100" dist="38100" dir="2700000" algn="tl">
-                    <a:srgbClr val="000000">
-                      <a:alpha val="43137"/>
-                    </a:srgbClr>
-                  </a:outerShdw>
-                </a:effectLst>
-              </a:endParaRPr>
             </a:p>
             <a:p>
               <a:pPr algn="ctr"/>
@@ -7530,19 +7370,7 @@
                     </a:outerShdw>
                   </a:effectLst>
                 </a:rPr>
-                <a:t>Sirius Arbitrator </a:t>
-              </a:r>
-              <a:r>
-                <a:rPr lang="en-US" altLang="ko-KR" sz="1050" b="1" dirty="0" smtClean="0">
-                  <a:effectLst>
-                    <a:outerShdw blurRad="38100" dist="38100" dir="2700000" algn="tl">
-                      <a:srgbClr val="000000">
-                        <a:alpha val="43137"/>
-                      </a:srgbClr>
-                    </a:outerShdw>
-                  </a:effectLst>
-                </a:rPr>
-                <a:t>Proxy</a:t>
+                <a:t>Sirius Arbitrator Proxy</a:t>
               </a:r>
             </a:p>
             <a:p>
@@ -7813,11 +7641,7 @@
               <a:pPr algn="ctr"/>
               <a:r>
                 <a:rPr lang="en-US" altLang="ko-KR" sz="800" b="1" dirty="0" smtClean="0"/>
-                <a:t>SICP </a:t>
-              </a:r>
-              <a:r>
-                <a:rPr lang="en-US" altLang="ko-KR" sz="800" b="1" dirty="0" smtClean="0"/>
-                <a:t>Server(Control)</a:t>
+                <a:t>SICP Server(Control)</a:t>
               </a:r>
               <a:endParaRPr lang="ko-KR" altLang="en-US" sz="800" b="1" dirty="0"/>
             </a:p>
@@ -8327,19 +8151,7 @@
                   </a:outerShdw>
                 </a:effectLst>
               </a:rPr>
-              <a:t>Sirius </a:t>
-            </a:r>
-            <a:r>
-              <a:rPr lang="en-US" altLang="ko-KR" sz="1600" b="1" dirty="0" smtClean="0">
-                <a:effectLst>
-                  <a:outerShdw blurRad="38100" dist="38100" dir="2700000" algn="tl">
-                    <a:srgbClr val="000000">
-                      <a:alpha val="43137"/>
-                    </a:srgbClr>
-                  </a:outerShdw>
-                </a:effectLst>
-              </a:rPr>
-              <a:t>Watchdog</a:t>
+              <a:t>Sirius Watchdog</a:t>
             </a:r>
             <a:endParaRPr lang="ko-KR" altLang="en-US" sz="1600" b="1" dirty="0">
               <a:effectLst>
@@ -8925,22 +8737,7 @@
                   </a:outerShdw>
                 </a:effectLst>
               </a:rPr>
-              <a:t>Sirius </a:t>
-            </a:r>
-            <a:r>
-              <a:rPr lang="en-US" altLang="ko-KR" sz="1400" b="1" dirty="0" smtClean="0">
-                <a:solidFill>
-                  <a:schemeClr val="bg1"/>
-                </a:solidFill>
-                <a:effectLst>
-                  <a:outerShdw blurRad="38100" dist="38100" dir="2700000" algn="tl">
-                    <a:srgbClr val="000000">
-                      <a:alpha val="43137"/>
-                    </a:srgbClr>
-                  </a:outerShdw>
-                </a:effectLst>
-              </a:rPr>
-              <a:t>Arbitrator</a:t>
+              <a:t>Sirius Arbitrator</a:t>
             </a:r>
             <a:endParaRPr lang="ko-KR" altLang="en-US" sz="1100" b="1" dirty="0">
               <a:solidFill>
@@ -9387,19 +9184,7 @@
                   </a:outerShdw>
                 </a:effectLst>
               </a:rPr>
-              <a:t>Sirius </a:t>
-            </a:r>
-            <a:r>
-              <a:rPr lang="en-US" altLang="ko-KR" sz="1400" b="1" dirty="0" smtClean="0">
-                <a:effectLst>
-                  <a:outerShdw blurRad="38100" dist="38100" dir="2700000" algn="tl">
-                    <a:srgbClr val="000000">
-                      <a:alpha val="43137"/>
-                    </a:srgbClr>
-                  </a:outerShdw>
-                </a:effectLst>
-              </a:rPr>
-              <a:t>Platform</a:t>
+              <a:t>Sirius Platform</a:t>
             </a:r>
             <a:endParaRPr lang="ko-KR" altLang="en-US" sz="1400" b="1" dirty="0">
               <a:effectLst>
@@ -10521,15 +10306,7 @@
                   <a:srgbClr val="C00000"/>
                 </a:solidFill>
               </a:rPr>
-              <a:t>Image </a:t>
-            </a:r>
-            <a:r>
-              <a:rPr lang="en-US" altLang="ko-KR" sz="900" b="1" dirty="0" smtClean="0">
-                <a:solidFill>
-                  <a:srgbClr val="C00000"/>
-                </a:solidFill>
-              </a:rPr>
-              <a:t>Stream</a:t>
+              <a:t>Image Stream</a:t>
             </a:r>
             <a:endParaRPr lang="ko-KR" altLang="en-US" sz="900" b="1" dirty="0">
               <a:solidFill>
@@ -11486,22 +11263,7 @@
                   </a:outerShdw>
                 </a:effectLst>
               </a:rPr>
-              <a:t>Sirius </a:t>
-            </a:r>
-            <a:r>
-              <a:rPr lang="en-US" altLang="ko-KR" sz="1400" b="1" dirty="0" smtClean="0">
-                <a:solidFill>
-                  <a:schemeClr val="bg1"/>
-                </a:solidFill>
-                <a:effectLst>
-                  <a:outerShdw blurRad="38100" dist="38100" dir="2700000" algn="tl">
-                    <a:srgbClr val="000000">
-                      <a:alpha val="43137"/>
-                    </a:srgbClr>
-                  </a:outerShdw>
-                </a:effectLst>
-              </a:rPr>
-              <a:t>Arbitrator</a:t>
+              <a:t>Sirius Arbitrator</a:t>
             </a:r>
             <a:endParaRPr lang="ko-KR" altLang="en-US" sz="1100" b="1" dirty="0">
               <a:solidFill>
@@ -11744,19 +11506,7 @@
                   </a:outerShdw>
                 </a:effectLst>
               </a:rPr>
-              <a:t>Sirius </a:t>
-            </a:r>
-            <a:r>
-              <a:rPr lang="en-US" altLang="ko-KR" sz="1400" b="1" dirty="0" smtClean="0">
-                <a:effectLst>
-                  <a:outerShdw blurRad="38100" dist="38100" dir="2700000" algn="tl">
-                    <a:srgbClr val="000000">
-                      <a:alpha val="43137"/>
-                    </a:srgbClr>
-                  </a:outerShdw>
-                </a:effectLst>
-              </a:rPr>
-              <a:t>Platform</a:t>
+              <a:t>Sirius Platform</a:t>
             </a:r>
             <a:endParaRPr lang="ko-KR" altLang="en-US" sz="1400" b="1" dirty="0">
               <a:effectLst>
@@ -12634,22 +12384,7 @@
                   </a:outerShdw>
                 </a:effectLst>
               </a:rPr>
-              <a:t>Sirius </a:t>
-            </a:r>
-            <a:r>
-              <a:rPr lang="en-US" altLang="ko-KR" sz="1400" b="1" dirty="0" smtClean="0">
-                <a:solidFill>
-                  <a:schemeClr val="bg1"/>
-                </a:solidFill>
-                <a:effectLst>
-                  <a:outerShdw blurRad="38100" dist="38100" dir="2700000" algn="tl">
-                    <a:srgbClr val="000000">
-                      <a:alpha val="43137"/>
-                    </a:srgbClr>
-                  </a:outerShdw>
-                </a:effectLst>
-              </a:rPr>
-              <a:t>Arbitrator</a:t>
+              <a:t>Sirius Arbitrator</a:t>
             </a:r>
             <a:endParaRPr lang="ko-KR" altLang="en-US" sz="1100" b="1" dirty="0">
               <a:solidFill>
@@ -12956,19 +12691,7 @@
                   </a:outerShdw>
                 </a:effectLst>
               </a:rPr>
-              <a:t>Sirius </a:t>
-            </a:r>
-            <a:r>
-              <a:rPr lang="en-US" altLang="ko-KR" sz="1400" b="1" dirty="0" smtClean="0">
-                <a:effectLst>
-                  <a:outerShdw blurRad="38100" dist="38100" dir="2700000" algn="tl">
-                    <a:srgbClr val="000000">
-                      <a:alpha val="43137"/>
-                    </a:srgbClr>
-                  </a:outerShdw>
-                </a:effectLst>
-              </a:rPr>
-              <a:t>Platform</a:t>
+              <a:t>Sirius Platform</a:t>
             </a:r>
             <a:endParaRPr lang="ko-KR" altLang="en-US" sz="1400" b="1" dirty="0">
               <a:effectLst>
@@ -14476,22 +14199,7 @@
                   </a:outerShdw>
                 </a:effectLst>
               </a:rPr>
-              <a:t>Sirius </a:t>
-            </a:r>
-            <a:r>
-              <a:rPr lang="en-US" altLang="ko-KR" sz="1400" b="1" dirty="0" smtClean="0">
-                <a:solidFill>
-                  <a:schemeClr val="bg1"/>
-                </a:solidFill>
-                <a:effectLst>
-                  <a:outerShdw blurRad="38100" dist="38100" dir="2700000" algn="tl">
-                    <a:srgbClr val="000000">
-                      <a:alpha val="43137"/>
-                    </a:srgbClr>
-                  </a:outerShdw>
-                </a:effectLst>
-              </a:rPr>
-              <a:t>Arbitrator</a:t>
+              <a:t>Sirius Arbitrator</a:t>
             </a:r>
             <a:endParaRPr lang="ko-KR" altLang="en-US" sz="1100" b="1" dirty="0">
               <a:solidFill>
@@ -14798,19 +14506,7 @@
                   </a:outerShdw>
                 </a:effectLst>
               </a:rPr>
-              <a:t>Sirius </a:t>
-            </a:r>
-            <a:r>
-              <a:rPr lang="en-US" altLang="ko-KR" sz="1400" b="1" dirty="0" smtClean="0">
-                <a:effectLst>
-                  <a:outerShdw blurRad="38100" dist="38100" dir="2700000" algn="tl">
-                    <a:srgbClr val="000000">
-                      <a:alpha val="43137"/>
-                    </a:srgbClr>
-                  </a:outerShdw>
-                </a:effectLst>
-              </a:rPr>
-              <a:t>Platform</a:t>
+              <a:t>Sirius Platform</a:t>
             </a:r>
             <a:endParaRPr lang="ko-KR" altLang="en-US" sz="1400" b="1" dirty="0">
               <a:effectLst>
@@ -15923,22 +15619,7 @@
                   </a:outerShdw>
                 </a:effectLst>
               </a:rPr>
-              <a:t>Sirius </a:t>
-            </a:r>
-            <a:r>
-              <a:rPr lang="en-US" altLang="ko-KR" sz="1400" b="1" dirty="0" smtClean="0">
-                <a:solidFill>
-                  <a:schemeClr val="bg1"/>
-                </a:solidFill>
-                <a:effectLst>
-                  <a:outerShdw blurRad="38100" dist="38100" dir="2700000" algn="tl">
-                    <a:srgbClr val="000000">
-                      <a:alpha val="43137"/>
-                    </a:srgbClr>
-                  </a:outerShdw>
-                </a:effectLst>
-              </a:rPr>
-              <a:t>Arbitrator</a:t>
+              <a:t>Sirius Arbitrator</a:t>
             </a:r>
             <a:endParaRPr lang="ko-KR" altLang="en-US" sz="1100" b="1" dirty="0">
               <a:solidFill>
@@ -16181,19 +15862,7 @@
                   </a:outerShdw>
                 </a:effectLst>
               </a:rPr>
-              <a:t>Sirius </a:t>
-            </a:r>
-            <a:r>
-              <a:rPr lang="en-US" altLang="ko-KR" sz="1400" b="1" dirty="0" smtClean="0">
-                <a:effectLst>
-                  <a:outerShdw blurRad="38100" dist="38100" dir="2700000" algn="tl">
-                    <a:srgbClr val="000000">
-                      <a:alpha val="43137"/>
-                    </a:srgbClr>
-                  </a:outerShdw>
-                </a:effectLst>
-              </a:rPr>
-              <a:t>Platform</a:t>
+              <a:t>Sirius Platform</a:t>
             </a:r>
             <a:endParaRPr lang="ko-KR" altLang="en-US" sz="1400" b="1" dirty="0">
               <a:effectLst>
@@ -16896,6 +16565,6156 @@
                 </a:outerShdw>
               </a:effectLst>
             </a:endParaRPr>
+          </a:p>
+        </p:txBody>
+      </p:sp>
+    </p:spTree>
+  </p:cSld>
+  <p:clrMapOvr>
+    <a:masterClrMapping/>
+  </p:clrMapOvr>
+</p:sld>
+</file>
+
+<file path=ppt/slides/slide8.xml><?xml version="1.0" encoding="utf-8"?>
+<p:sld xmlns:a="http://schemas.openxmlformats.org/drawingml/2006/main" xmlns:r="http://schemas.openxmlformats.org/officeDocument/2006/relationships" xmlns:p="http://schemas.openxmlformats.org/presentationml/2006/main">
+  <p:cSld>
+    <p:spTree>
+      <p:nvGrpSpPr>
+        <p:cNvPr id="1" name=""/>
+        <p:cNvGrpSpPr/>
+        <p:nvPr/>
+      </p:nvGrpSpPr>
+      <p:grpSpPr>
+        <a:xfrm>
+          <a:off x="0" y="0"/>
+          <a:ext cx="0" cy="0"/>
+          <a:chOff x="0" y="0"/>
+          <a:chExt cx="0" cy="0"/>
+        </a:xfrm>
+      </p:grpSpPr>
+      <p:sp>
+        <p:nvSpPr>
+          <p:cNvPr id="4" name="Rectangle 3"/>
+          <p:cNvSpPr/>
+          <p:nvPr/>
+        </p:nvSpPr>
+        <p:spPr>
+          <a:xfrm>
+            <a:off x="214282" y="571480"/>
+            <a:ext cx="7929618" cy="5715040"/>
+          </a:xfrm>
+          <a:prstGeom prst="rect">
+            <a:avLst/>
+          </a:prstGeom>
+        </p:spPr>
+        <p:style>
+          <a:lnRef idx="1">
+            <a:schemeClr val="accent6"/>
+          </a:lnRef>
+          <a:fillRef idx="2">
+            <a:schemeClr val="accent6"/>
+          </a:fillRef>
+          <a:effectRef idx="1">
+            <a:schemeClr val="accent6"/>
+          </a:effectRef>
+          <a:fontRef idx="minor">
+            <a:schemeClr val="dk1"/>
+          </a:fontRef>
+        </p:style>
+        <p:txBody>
+          <a:bodyPr rtlCol="0" anchor="ctr"/>
+          <a:lstStyle/>
+          <a:p>
+            <a:pPr algn="ctr"/>
+            <a:endParaRPr lang="ko-KR" altLang="en-US" dirty="0"/>
+          </a:p>
+        </p:txBody>
+      </p:sp>
+      <p:cxnSp>
+        <p:nvCxnSpPr>
+          <p:cNvPr id="6" name="Straight Arrow Connector 5"/>
+          <p:cNvCxnSpPr/>
+          <p:nvPr/>
+        </p:nvCxnSpPr>
+        <p:spPr>
+          <a:xfrm>
+            <a:off x="214282" y="416462"/>
+            <a:ext cx="7929618" cy="12142"/>
+          </a:xfrm>
+          <a:prstGeom prst="straightConnector1">
+            <a:avLst/>
+          </a:prstGeom>
+          <a:ln>
+            <a:headEnd type="arrow"/>
+            <a:tailEnd type="arrow"/>
+          </a:ln>
+        </p:spPr>
+        <p:style>
+          <a:lnRef idx="1">
+            <a:schemeClr val="accent1"/>
+          </a:lnRef>
+          <a:fillRef idx="0">
+            <a:schemeClr val="accent1"/>
+          </a:fillRef>
+          <a:effectRef idx="0">
+            <a:schemeClr val="accent1"/>
+          </a:effectRef>
+          <a:fontRef idx="minor">
+            <a:schemeClr val="tx1"/>
+          </a:fontRef>
+        </p:style>
+      </p:cxnSp>
+      <p:sp>
+        <p:nvSpPr>
+          <p:cNvPr id="7" name="TextBox 6"/>
+          <p:cNvSpPr txBox="1"/>
+          <p:nvPr/>
+        </p:nvSpPr>
+        <p:spPr>
+          <a:xfrm>
+            <a:off x="3523595" y="71414"/>
+            <a:ext cx="691215" cy="369332"/>
+          </a:xfrm>
+          <a:prstGeom prst="rect">
+            <a:avLst/>
+          </a:prstGeom>
+          <a:noFill/>
+        </p:spPr>
+        <p:txBody>
+          <a:bodyPr wrap="none" rtlCol="0">
+            <a:spAutoFit/>
+          </a:bodyPr>
+          <a:lstStyle/>
+          <a:p>
+            <a:r>
+              <a:rPr lang="en-US" altLang="ko-KR" dirty="0" smtClean="0"/>
+              <a:t>1280</a:t>
+            </a:r>
+            <a:endParaRPr lang="ko-KR" altLang="en-US" dirty="0"/>
+          </a:p>
+        </p:txBody>
+      </p:sp>
+      <p:cxnSp>
+        <p:nvCxnSpPr>
+          <p:cNvPr id="10" name="Straight Arrow Connector 9"/>
+          <p:cNvCxnSpPr/>
+          <p:nvPr/>
+        </p:nvCxnSpPr>
+        <p:spPr>
+          <a:xfrm rot="5400000">
+            <a:off x="5500694" y="3429000"/>
+            <a:ext cx="5715040" cy="1588"/>
+          </a:xfrm>
+          <a:prstGeom prst="straightConnector1">
+            <a:avLst/>
+          </a:prstGeom>
+          <a:ln>
+            <a:headEnd type="arrow"/>
+            <a:tailEnd type="arrow"/>
+          </a:ln>
+        </p:spPr>
+        <p:style>
+          <a:lnRef idx="1">
+            <a:schemeClr val="accent1"/>
+          </a:lnRef>
+          <a:fillRef idx="0">
+            <a:schemeClr val="accent1"/>
+          </a:fillRef>
+          <a:effectRef idx="0">
+            <a:schemeClr val="accent1"/>
+          </a:effectRef>
+          <a:fontRef idx="minor">
+            <a:schemeClr val="tx1"/>
+          </a:fontRef>
+        </p:style>
+      </p:cxnSp>
+      <p:sp>
+        <p:nvSpPr>
+          <p:cNvPr id="11" name="TextBox 10"/>
+          <p:cNvSpPr txBox="1"/>
+          <p:nvPr/>
+        </p:nvSpPr>
+        <p:spPr>
+          <a:xfrm>
+            <a:off x="8286776" y="3214686"/>
+            <a:ext cx="564578" cy="369332"/>
+          </a:xfrm>
+          <a:prstGeom prst="rect">
+            <a:avLst/>
+          </a:prstGeom>
+          <a:noFill/>
+        </p:spPr>
+        <p:txBody>
+          <a:bodyPr wrap="none" rtlCol="0">
+            <a:spAutoFit/>
+          </a:bodyPr>
+          <a:lstStyle/>
+          <a:p>
+            <a:r>
+              <a:rPr lang="en-US" altLang="ko-KR" dirty="0" smtClean="0"/>
+              <a:t>720</a:t>
+            </a:r>
+            <a:endParaRPr lang="ko-KR" altLang="en-US" dirty="0"/>
+          </a:p>
+        </p:txBody>
+      </p:sp>
+      <p:grpSp>
+        <p:nvGrpSpPr>
+          <p:cNvPr id="22" name="Group 21"/>
+          <p:cNvGrpSpPr/>
+          <p:nvPr/>
+        </p:nvGrpSpPr>
+        <p:grpSpPr>
+          <a:xfrm>
+            <a:off x="285720" y="571268"/>
+            <a:ext cx="1283278" cy="858262"/>
+            <a:chOff x="285720" y="571268"/>
+            <a:chExt cx="1283278" cy="858262"/>
+          </a:xfrm>
+        </p:grpSpPr>
+        <p:sp>
+          <p:nvSpPr>
+            <p:cNvPr id="12" name="Rectangle 11"/>
+            <p:cNvSpPr/>
+            <p:nvPr/>
+          </p:nvSpPr>
+          <p:spPr>
+            <a:xfrm>
+              <a:off x="285720" y="785794"/>
+              <a:ext cx="928694" cy="642942"/>
+            </a:xfrm>
+            <a:prstGeom prst="rect">
+              <a:avLst/>
+            </a:prstGeom>
+          </p:spPr>
+          <p:style>
+            <a:lnRef idx="1">
+              <a:schemeClr val="accent4"/>
+            </a:lnRef>
+            <a:fillRef idx="2">
+              <a:schemeClr val="accent4"/>
+            </a:fillRef>
+            <a:effectRef idx="1">
+              <a:schemeClr val="accent4"/>
+            </a:effectRef>
+            <a:fontRef idx="minor">
+              <a:schemeClr val="dk1"/>
+            </a:fontRef>
+          </p:style>
+          <p:txBody>
+            <a:bodyPr rtlCol="0" anchor="ctr"/>
+            <a:lstStyle/>
+            <a:p>
+              <a:pPr algn="ctr"/>
+              <a:r>
+                <a:rPr lang="en-US" altLang="ko-KR" sz="1200" b="1" dirty="0" smtClean="0"/>
+                <a:t>Index=0</a:t>
+              </a:r>
+              <a:endParaRPr lang="ko-KR" altLang="en-US" sz="1200" b="1" dirty="0"/>
+            </a:p>
+          </p:txBody>
+        </p:sp>
+        <p:cxnSp>
+          <p:nvCxnSpPr>
+            <p:cNvPr id="13" name="Straight Arrow Connector 12"/>
+            <p:cNvCxnSpPr/>
+            <p:nvPr/>
+          </p:nvCxnSpPr>
+          <p:spPr>
+            <a:xfrm>
+              <a:off x="285720" y="714356"/>
+              <a:ext cx="928694" cy="1588"/>
+            </a:xfrm>
+            <a:prstGeom prst="straightConnector1">
+              <a:avLst/>
+            </a:prstGeom>
+            <a:ln>
+              <a:headEnd type="arrow"/>
+              <a:tailEnd type="arrow"/>
+            </a:ln>
+          </p:spPr>
+          <p:style>
+            <a:lnRef idx="1">
+              <a:schemeClr val="accent1"/>
+            </a:lnRef>
+            <a:fillRef idx="0">
+              <a:schemeClr val="accent1"/>
+            </a:fillRef>
+            <a:effectRef idx="0">
+              <a:schemeClr val="accent1"/>
+            </a:effectRef>
+            <a:fontRef idx="minor">
+              <a:schemeClr val="tx1"/>
+            </a:fontRef>
+          </p:style>
+        </p:cxnSp>
+        <p:sp>
+          <p:nvSpPr>
+            <p:cNvPr id="15" name="TextBox 14"/>
+            <p:cNvSpPr txBox="1"/>
+            <p:nvPr/>
+          </p:nvSpPr>
+          <p:spPr>
+            <a:xfrm>
+              <a:off x="517964" y="571268"/>
+              <a:ext cx="439544" cy="276999"/>
+            </a:xfrm>
+            <a:prstGeom prst="rect">
+              <a:avLst/>
+            </a:prstGeom>
+            <a:noFill/>
+          </p:spPr>
+          <p:txBody>
+            <a:bodyPr wrap="none" rtlCol="0">
+              <a:spAutoFit/>
+            </a:bodyPr>
+            <a:lstStyle/>
+            <a:p>
+              <a:r>
+                <a:rPr lang="en-US" altLang="ko-KR" sz="1200" dirty="0" smtClean="0"/>
+                <a:t>128</a:t>
+              </a:r>
+              <a:endParaRPr lang="ko-KR" altLang="en-US" sz="1200" dirty="0"/>
+            </a:p>
+          </p:txBody>
+        </p:sp>
+        <p:cxnSp>
+          <p:nvCxnSpPr>
+            <p:cNvPr id="20" name="Straight Arrow Connector 19"/>
+            <p:cNvCxnSpPr/>
+            <p:nvPr/>
+          </p:nvCxnSpPr>
+          <p:spPr>
+            <a:xfrm rot="5400000">
+              <a:off x="965175" y="1107265"/>
+              <a:ext cx="642942" cy="1588"/>
+            </a:xfrm>
+            <a:prstGeom prst="straightConnector1">
+              <a:avLst/>
+            </a:prstGeom>
+            <a:ln>
+              <a:headEnd type="arrow"/>
+              <a:tailEnd type="arrow"/>
+            </a:ln>
+          </p:spPr>
+          <p:style>
+            <a:lnRef idx="1">
+              <a:schemeClr val="accent1"/>
+            </a:lnRef>
+            <a:fillRef idx="0">
+              <a:schemeClr val="accent1"/>
+            </a:fillRef>
+            <a:effectRef idx="0">
+              <a:schemeClr val="accent1"/>
+            </a:effectRef>
+            <a:fontRef idx="minor">
+              <a:schemeClr val="tx1"/>
+            </a:fontRef>
+          </p:style>
+        </p:cxnSp>
+        <p:sp>
+          <p:nvSpPr>
+            <p:cNvPr id="21" name="TextBox 20"/>
+            <p:cNvSpPr txBox="1"/>
+            <p:nvPr/>
+          </p:nvSpPr>
+          <p:spPr>
+            <a:xfrm>
+              <a:off x="1214414" y="937423"/>
+              <a:ext cx="354584" cy="276999"/>
+            </a:xfrm>
+            <a:prstGeom prst="rect">
+              <a:avLst/>
+            </a:prstGeom>
+            <a:noFill/>
+          </p:spPr>
+          <p:txBody>
+            <a:bodyPr wrap="none" rtlCol="0">
+              <a:spAutoFit/>
+            </a:bodyPr>
+            <a:lstStyle/>
+            <a:p>
+              <a:r>
+                <a:rPr lang="en-US" altLang="ko-KR" sz="1200" dirty="0" smtClean="0"/>
+                <a:t>72</a:t>
+              </a:r>
+              <a:endParaRPr lang="ko-KR" altLang="en-US" sz="1200" dirty="0"/>
+            </a:p>
+          </p:txBody>
+        </p:sp>
+      </p:grpSp>
+      <p:grpSp>
+        <p:nvGrpSpPr>
+          <p:cNvPr id="23" name="Group 22"/>
+          <p:cNvGrpSpPr/>
+          <p:nvPr/>
+        </p:nvGrpSpPr>
+        <p:grpSpPr>
+          <a:xfrm>
+            <a:off x="1500166" y="571480"/>
+            <a:ext cx="1283278" cy="858262"/>
+            <a:chOff x="285720" y="571268"/>
+            <a:chExt cx="1283278" cy="858262"/>
+          </a:xfrm>
+        </p:grpSpPr>
+        <p:sp>
+          <p:nvSpPr>
+            <p:cNvPr id="24" name="Rectangle 23"/>
+            <p:cNvSpPr/>
+            <p:nvPr/>
+          </p:nvSpPr>
+          <p:spPr>
+            <a:xfrm>
+              <a:off x="285720" y="785794"/>
+              <a:ext cx="928694" cy="642942"/>
+            </a:xfrm>
+            <a:prstGeom prst="rect">
+              <a:avLst/>
+            </a:prstGeom>
+          </p:spPr>
+          <p:style>
+            <a:lnRef idx="1">
+              <a:schemeClr val="accent4"/>
+            </a:lnRef>
+            <a:fillRef idx="2">
+              <a:schemeClr val="accent4"/>
+            </a:fillRef>
+            <a:effectRef idx="1">
+              <a:schemeClr val="accent4"/>
+            </a:effectRef>
+            <a:fontRef idx="minor">
+              <a:schemeClr val="dk1"/>
+            </a:fontRef>
+          </p:style>
+          <p:txBody>
+            <a:bodyPr rtlCol="0" anchor="ctr"/>
+            <a:lstStyle/>
+            <a:p>
+              <a:pPr algn="ctr"/>
+              <a:r>
+                <a:rPr lang="en-US" altLang="ko-KR" sz="1200" b="1" dirty="0" smtClean="0"/>
+                <a:t>Index=1</a:t>
+              </a:r>
+              <a:endParaRPr lang="ko-KR" altLang="en-US" sz="1200" b="1" dirty="0"/>
+            </a:p>
+          </p:txBody>
+        </p:sp>
+        <p:cxnSp>
+          <p:nvCxnSpPr>
+            <p:cNvPr id="25" name="Straight Arrow Connector 24"/>
+            <p:cNvCxnSpPr/>
+            <p:nvPr/>
+          </p:nvCxnSpPr>
+          <p:spPr>
+            <a:xfrm>
+              <a:off x="285720" y="714356"/>
+              <a:ext cx="928694" cy="1588"/>
+            </a:xfrm>
+            <a:prstGeom prst="straightConnector1">
+              <a:avLst/>
+            </a:prstGeom>
+            <a:ln>
+              <a:headEnd type="arrow"/>
+              <a:tailEnd type="arrow"/>
+            </a:ln>
+          </p:spPr>
+          <p:style>
+            <a:lnRef idx="1">
+              <a:schemeClr val="accent1"/>
+            </a:lnRef>
+            <a:fillRef idx="0">
+              <a:schemeClr val="accent1"/>
+            </a:fillRef>
+            <a:effectRef idx="0">
+              <a:schemeClr val="accent1"/>
+            </a:effectRef>
+            <a:fontRef idx="minor">
+              <a:schemeClr val="tx1"/>
+            </a:fontRef>
+          </p:style>
+        </p:cxnSp>
+        <p:sp>
+          <p:nvSpPr>
+            <p:cNvPr id="26" name="TextBox 25"/>
+            <p:cNvSpPr txBox="1"/>
+            <p:nvPr/>
+          </p:nvSpPr>
+          <p:spPr>
+            <a:xfrm>
+              <a:off x="517964" y="571268"/>
+              <a:ext cx="439544" cy="276999"/>
+            </a:xfrm>
+            <a:prstGeom prst="rect">
+              <a:avLst/>
+            </a:prstGeom>
+            <a:noFill/>
+          </p:spPr>
+          <p:txBody>
+            <a:bodyPr wrap="none" rtlCol="0">
+              <a:spAutoFit/>
+            </a:bodyPr>
+            <a:lstStyle/>
+            <a:p>
+              <a:r>
+                <a:rPr lang="en-US" altLang="ko-KR" sz="1200" dirty="0" smtClean="0"/>
+                <a:t>128</a:t>
+              </a:r>
+              <a:endParaRPr lang="ko-KR" altLang="en-US" sz="1200" dirty="0"/>
+            </a:p>
+          </p:txBody>
+        </p:sp>
+        <p:cxnSp>
+          <p:nvCxnSpPr>
+            <p:cNvPr id="27" name="Straight Arrow Connector 26"/>
+            <p:cNvCxnSpPr/>
+            <p:nvPr/>
+          </p:nvCxnSpPr>
+          <p:spPr>
+            <a:xfrm rot="5400000">
+              <a:off x="965175" y="1107265"/>
+              <a:ext cx="642942" cy="1588"/>
+            </a:xfrm>
+            <a:prstGeom prst="straightConnector1">
+              <a:avLst/>
+            </a:prstGeom>
+            <a:ln>
+              <a:headEnd type="arrow"/>
+              <a:tailEnd type="arrow"/>
+            </a:ln>
+          </p:spPr>
+          <p:style>
+            <a:lnRef idx="1">
+              <a:schemeClr val="accent1"/>
+            </a:lnRef>
+            <a:fillRef idx="0">
+              <a:schemeClr val="accent1"/>
+            </a:fillRef>
+            <a:effectRef idx="0">
+              <a:schemeClr val="accent1"/>
+            </a:effectRef>
+            <a:fontRef idx="minor">
+              <a:schemeClr val="tx1"/>
+            </a:fontRef>
+          </p:style>
+        </p:cxnSp>
+        <p:sp>
+          <p:nvSpPr>
+            <p:cNvPr id="28" name="TextBox 27"/>
+            <p:cNvSpPr txBox="1"/>
+            <p:nvPr/>
+          </p:nvSpPr>
+          <p:spPr>
+            <a:xfrm>
+              <a:off x="1214414" y="937423"/>
+              <a:ext cx="354584" cy="276999"/>
+            </a:xfrm>
+            <a:prstGeom prst="rect">
+              <a:avLst/>
+            </a:prstGeom>
+            <a:noFill/>
+          </p:spPr>
+          <p:txBody>
+            <a:bodyPr wrap="none" rtlCol="0">
+              <a:spAutoFit/>
+            </a:bodyPr>
+            <a:lstStyle/>
+            <a:p>
+              <a:r>
+                <a:rPr lang="en-US" altLang="ko-KR" sz="1200" dirty="0" smtClean="0"/>
+                <a:t>72</a:t>
+              </a:r>
+              <a:endParaRPr lang="ko-KR" altLang="en-US" sz="1200" dirty="0"/>
+            </a:p>
+          </p:txBody>
+        </p:sp>
+      </p:grpSp>
+      <p:grpSp>
+        <p:nvGrpSpPr>
+          <p:cNvPr id="29" name="Group 28"/>
+          <p:cNvGrpSpPr/>
+          <p:nvPr/>
+        </p:nvGrpSpPr>
+        <p:grpSpPr>
+          <a:xfrm>
+            <a:off x="2786050" y="571480"/>
+            <a:ext cx="1283278" cy="858262"/>
+            <a:chOff x="285720" y="571268"/>
+            <a:chExt cx="1283278" cy="858262"/>
+          </a:xfrm>
+        </p:grpSpPr>
+        <p:sp>
+          <p:nvSpPr>
+            <p:cNvPr id="30" name="Rectangle 29"/>
+            <p:cNvSpPr/>
+            <p:nvPr/>
+          </p:nvSpPr>
+          <p:spPr>
+            <a:xfrm>
+              <a:off x="285720" y="785794"/>
+              <a:ext cx="928694" cy="642942"/>
+            </a:xfrm>
+            <a:prstGeom prst="rect">
+              <a:avLst/>
+            </a:prstGeom>
+          </p:spPr>
+          <p:style>
+            <a:lnRef idx="1">
+              <a:schemeClr val="accent4"/>
+            </a:lnRef>
+            <a:fillRef idx="2">
+              <a:schemeClr val="accent4"/>
+            </a:fillRef>
+            <a:effectRef idx="1">
+              <a:schemeClr val="accent4"/>
+            </a:effectRef>
+            <a:fontRef idx="minor">
+              <a:schemeClr val="dk1"/>
+            </a:fontRef>
+          </p:style>
+          <p:txBody>
+            <a:bodyPr rtlCol="0" anchor="ctr"/>
+            <a:lstStyle/>
+            <a:p>
+              <a:pPr algn="ctr"/>
+              <a:r>
+                <a:rPr lang="en-US" altLang="ko-KR" sz="1200" b="1" dirty="0" smtClean="0"/>
+                <a:t>Index=2</a:t>
+              </a:r>
+              <a:endParaRPr lang="ko-KR" altLang="en-US" sz="1200" b="1" dirty="0"/>
+            </a:p>
+          </p:txBody>
+        </p:sp>
+        <p:cxnSp>
+          <p:nvCxnSpPr>
+            <p:cNvPr id="31" name="Straight Arrow Connector 30"/>
+            <p:cNvCxnSpPr/>
+            <p:nvPr/>
+          </p:nvCxnSpPr>
+          <p:spPr>
+            <a:xfrm>
+              <a:off x="285720" y="714356"/>
+              <a:ext cx="928694" cy="1588"/>
+            </a:xfrm>
+            <a:prstGeom prst="straightConnector1">
+              <a:avLst/>
+            </a:prstGeom>
+            <a:ln>
+              <a:headEnd type="arrow"/>
+              <a:tailEnd type="arrow"/>
+            </a:ln>
+          </p:spPr>
+          <p:style>
+            <a:lnRef idx="1">
+              <a:schemeClr val="accent1"/>
+            </a:lnRef>
+            <a:fillRef idx="0">
+              <a:schemeClr val="accent1"/>
+            </a:fillRef>
+            <a:effectRef idx="0">
+              <a:schemeClr val="accent1"/>
+            </a:effectRef>
+            <a:fontRef idx="minor">
+              <a:schemeClr val="tx1"/>
+            </a:fontRef>
+          </p:style>
+        </p:cxnSp>
+        <p:sp>
+          <p:nvSpPr>
+            <p:cNvPr id="32" name="TextBox 31"/>
+            <p:cNvSpPr txBox="1"/>
+            <p:nvPr/>
+          </p:nvSpPr>
+          <p:spPr>
+            <a:xfrm>
+              <a:off x="517964" y="571268"/>
+              <a:ext cx="439544" cy="276999"/>
+            </a:xfrm>
+            <a:prstGeom prst="rect">
+              <a:avLst/>
+            </a:prstGeom>
+            <a:noFill/>
+          </p:spPr>
+          <p:txBody>
+            <a:bodyPr wrap="none" rtlCol="0">
+              <a:spAutoFit/>
+            </a:bodyPr>
+            <a:lstStyle/>
+            <a:p>
+              <a:r>
+                <a:rPr lang="en-US" altLang="ko-KR" sz="1200" dirty="0" smtClean="0"/>
+                <a:t>128</a:t>
+              </a:r>
+              <a:endParaRPr lang="ko-KR" altLang="en-US" sz="1200" dirty="0"/>
+            </a:p>
+          </p:txBody>
+        </p:sp>
+        <p:cxnSp>
+          <p:nvCxnSpPr>
+            <p:cNvPr id="33" name="Straight Arrow Connector 32"/>
+            <p:cNvCxnSpPr/>
+            <p:nvPr/>
+          </p:nvCxnSpPr>
+          <p:spPr>
+            <a:xfrm rot="5400000">
+              <a:off x="965175" y="1107265"/>
+              <a:ext cx="642942" cy="1588"/>
+            </a:xfrm>
+            <a:prstGeom prst="straightConnector1">
+              <a:avLst/>
+            </a:prstGeom>
+            <a:ln>
+              <a:headEnd type="arrow"/>
+              <a:tailEnd type="arrow"/>
+            </a:ln>
+          </p:spPr>
+          <p:style>
+            <a:lnRef idx="1">
+              <a:schemeClr val="accent1"/>
+            </a:lnRef>
+            <a:fillRef idx="0">
+              <a:schemeClr val="accent1"/>
+            </a:fillRef>
+            <a:effectRef idx="0">
+              <a:schemeClr val="accent1"/>
+            </a:effectRef>
+            <a:fontRef idx="minor">
+              <a:schemeClr val="tx1"/>
+            </a:fontRef>
+          </p:style>
+        </p:cxnSp>
+        <p:sp>
+          <p:nvSpPr>
+            <p:cNvPr id="34" name="TextBox 33"/>
+            <p:cNvSpPr txBox="1"/>
+            <p:nvPr/>
+          </p:nvSpPr>
+          <p:spPr>
+            <a:xfrm>
+              <a:off x="1214414" y="937423"/>
+              <a:ext cx="354584" cy="276999"/>
+            </a:xfrm>
+            <a:prstGeom prst="rect">
+              <a:avLst/>
+            </a:prstGeom>
+            <a:noFill/>
+          </p:spPr>
+          <p:txBody>
+            <a:bodyPr wrap="none" rtlCol="0">
+              <a:spAutoFit/>
+            </a:bodyPr>
+            <a:lstStyle/>
+            <a:p>
+              <a:r>
+                <a:rPr lang="en-US" altLang="ko-KR" sz="1200" dirty="0" smtClean="0"/>
+                <a:t>72</a:t>
+              </a:r>
+              <a:endParaRPr lang="ko-KR" altLang="en-US" sz="1200" dirty="0"/>
+            </a:p>
+          </p:txBody>
+        </p:sp>
+      </p:grpSp>
+      <p:grpSp>
+        <p:nvGrpSpPr>
+          <p:cNvPr id="35" name="Group 34"/>
+          <p:cNvGrpSpPr/>
+          <p:nvPr/>
+        </p:nvGrpSpPr>
+        <p:grpSpPr>
+          <a:xfrm>
+            <a:off x="285720" y="1500174"/>
+            <a:ext cx="1283278" cy="858262"/>
+            <a:chOff x="285720" y="571268"/>
+            <a:chExt cx="1283278" cy="858262"/>
+          </a:xfrm>
+        </p:grpSpPr>
+        <p:sp>
+          <p:nvSpPr>
+            <p:cNvPr id="36" name="Rectangle 35"/>
+            <p:cNvSpPr/>
+            <p:nvPr/>
+          </p:nvSpPr>
+          <p:spPr>
+            <a:xfrm>
+              <a:off x="285720" y="785794"/>
+              <a:ext cx="928694" cy="642942"/>
+            </a:xfrm>
+            <a:prstGeom prst="rect">
+              <a:avLst/>
+            </a:prstGeom>
+          </p:spPr>
+          <p:style>
+            <a:lnRef idx="1">
+              <a:schemeClr val="accent4"/>
+            </a:lnRef>
+            <a:fillRef idx="2">
+              <a:schemeClr val="accent4"/>
+            </a:fillRef>
+            <a:effectRef idx="1">
+              <a:schemeClr val="accent4"/>
+            </a:effectRef>
+            <a:fontRef idx="minor">
+              <a:schemeClr val="dk1"/>
+            </a:fontRef>
+          </p:style>
+          <p:txBody>
+            <a:bodyPr rtlCol="0" anchor="ctr"/>
+            <a:lstStyle/>
+            <a:p>
+              <a:pPr algn="ctr"/>
+              <a:r>
+                <a:rPr lang="en-US" altLang="ko-KR" sz="1200" b="1" dirty="0" smtClean="0"/>
+                <a:t>Index=11</a:t>
+              </a:r>
+              <a:endParaRPr lang="ko-KR" altLang="en-US" sz="1200" b="1" dirty="0"/>
+            </a:p>
+          </p:txBody>
+        </p:sp>
+        <p:cxnSp>
+          <p:nvCxnSpPr>
+            <p:cNvPr id="37" name="Straight Arrow Connector 36"/>
+            <p:cNvCxnSpPr/>
+            <p:nvPr/>
+          </p:nvCxnSpPr>
+          <p:spPr>
+            <a:xfrm>
+              <a:off x="285720" y="714356"/>
+              <a:ext cx="928694" cy="1588"/>
+            </a:xfrm>
+            <a:prstGeom prst="straightConnector1">
+              <a:avLst/>
+            </a:prstGeom>
+            <a:ln>
+              <a:headEnd type="arrow"/>
+              <a:tailEnd type="arrow"/>
+            </a:ln>
+          </p:spPr>
+          <p:style>
+            <a:lnRef idx="1">
+              <a:schemeClr val="accent1"/>
+            </a:lnRef>
+            <a:fillRef idx="0">
+              <a:schemeClr val="accent1"/>
+            </a:fillRef>
+            <a:effectRef idx="0">
+              <a:schemeClr val="accent1"/>
+            </a:effectRef>
+            <a:fontRef idx="minor">
+              <a:schemeClr val="tx1"/>
+            </a:fontRef>
+          </p:style>
+        </p:cxnSp>
+        <p:sp>
+          <p:nvSpPr>
+            <p:cNvPr id="38" name="TextBox 37"/>
+            <p:cNvSpPr txBox="1"/>
+            <p:nvPr/>
+          </p:nvSpPr>
+          <p:spPr>
+            <a:xfrm>
+              <a:off x="517964" y="571268"/>
+              <a:ext cx="439544" cy="276999"/>
+            </a:xfrm>
+            <a:prstGeom prst="rect">
+              <a:avLst/>
+            </a:prstGeom>
+            <a:noFill/>
+          </p:spPr>
+          <p:txBody>
+            <a:bodyPr wrap="none" rtlCol="0">
+              <a:spAutoFit/>
+            </a:bodyPr>
+            <a:lstStyle/>
+            <a:p>
+              <a:r>
+                <a:rPr lang="en-US" altLang="ko-KR" sz="1200" dirty="0" smtClean="0"/>
+                <a:t>128</a:t>
+              </a:r>
+              <a:endParaRPr lang="ko-KR" altLang="en-US" sz="1200" dirty="0"/>
+            </a:p>
+          </p:txBody>
+        </p:sp>
+        <p:cxnSp>
+          <p:nvCxnSpPr>
+            <p:cNvPr id="39" name="Straight Arrow Connector 38"/>
+            <p:cNvCxnSpPr/>
+            <p:nvPr/>
+          </p:nvCxnSpPr>
+          <p:spPr>
+            <a:xfrm rot="5400000">
+              <a:off x="965175" y="1107265"/>
+              <a:ext cx="642942" cy="1588"/>
+            </a:xfrm>
+            <a:prstGeom prst="straightConnector1">
+              <a:avLst/>
+            </a:prstGeom>
+            <a:ln>
+              <a:headEnd type="arrow"/>
+              <a:tailEnd type="arrow"/>
+            </a:ln>
+          </p:spPr>
+          <p:style>
+            <a:lnRef idx="1">
+              <a:schemeClr val="accent1"/>
+            </a:lnRef>
+            <a:fillRef idx="0">
+              <a:schemeClr val="accent1"/>
+            </a:fillRef>
+            <a:effectRef idx="0">
+              <a:schemeClr val="accent1"/>
+            </a:effectRef>
+            <a:fontRef idx="minor">
+              <a:schemeClr val="tx1"/>
+            </a:fontRef>
+          </p:style>
+        </p:cxnSp>
+        <p:sp>
+          <p:nvSpPr>
+            <p:cNvPr id="40" name="TextBox 39"/>
+            <p:cNvSpPr txBox="1"/>
+            <p:nvPr/>
+          </p:nvSpPr>
+          <p:spPr>
+            <a:xfrm>
+              <a:off x="1214414" y="937423"/>
+              <a:ext cx="354584" cy="276999"/>
+            </a:xfrm>
+            <a:prstGeom prst="rect">
+              <a:avLst/>
+            </a:prstGeom>
+            <a:noFill/>
+          </p:spPr>
+          <p:txBody>
+            <a:bodyPr wrap="none" rtlCol="0">
+              <a:spAutoFit/>
+            </a:bodyPr>
+            <a:lstStyle/>
+            <a:p>
+              <a:r>
+                <a:rPr lang="en-US" altLang="ko-KR" sz="1200" dirty="0" smtClean="0"/>
+                <a:t>72</a:t>
+              </a:r>
+              <a:endParaRPr lang="ko-KR" altLang="en-US" sz="1200" dirty="0"/>
+            </a:p>
+          </p:txBody>
+        </p:sp>
+      </p:grpSp>
+      <p:grpSp>
+        <p:nvGrpSpPr>
+          <p:cNvPr id="41" name="Group 40"/>
+          <p:cNvGrpSpPr/>
+          <p:nvPr/>
+        </p:nvGrpSpPr>
+        <p:grpSpPr>
+          <a:xfrm>
+            <a:off x="6858016" y="5357826"/>
+            <a:ext cx="1283278" cy="858262"/>
+            <a:chOff x="285720" y="571268"/>
+            <a:chExt cx="1283278" cy="858262"/>
+          </a:xfrm>
+        </p:grpSpPr>
+        <p:sp>
+          <p:nvSpPr>
+            <p:cNvPr id="42" name="Rectangle 41"/>
+            <p:cNvSpPr/>
+            <p:nvPr/>
+          </p:nvSpPr>
+          <p:spPr>
+            <a:xfrm>
+              <a:off x="285720" y="785794"/>
+              <a:ext cx="928694" cy="642942"/>
+            </a:xfrm>
+            <a:prstGeom prst="rect">
+              <a:avLst/>
+            </a:prstGeom>
+          </p:spPr>
+          <p:style>
+            <a:lnRef idx="1">
+              <a:schemeClr val="accent4"/>
+            </a:lnRef>
+            <a:fillRef idx="2">
+              <a:schemeClr val="accent4"/>
+            </a:fillRef>
+            <a:effectRef idx="1">
+              <a:schemeClr val="accent4"/>
+            </a:effectRef>
+            <a:fontRef idx="minor">
+              <a:schemeClr val="dk1"/>
+            </a:fontRef>
+          </p:style>
+          <p:txBody>
+            <a:bodyPr rtlCol="0" anchor="ctr"/>
+            <a:lstStyle/>
+            <a:p>
+              <a:pPr algn="ctr"/>
+              <a:r>
+                <a:rPr lang="en-US" altLang="ko-KR" sz="1200" b="1" dirty="0" smtClean="0"/>
+                <a:t>Index=99</a:t>
+              </a:r>
+              <a:endParaRPr lang="ko-KR" altLang="en-US" sz="1200" b="1" dirty="0"/>
+            </a:p>
+          </p:txBody>
+        </p:sp>
+        <p:cxnSp>
+          <p:nvCxnSpPr>
+            <p:cNvPr id="43" name="Straight Arrow Connector 42"/>
+            <p:cNvCxnSpPr/>
+            <p:nvPr/>
+          </p:nvCxnSpPr>
+          <p:spPr>
+            <a:xfrm>
+              <a:off x="285720" y="714356"/>
+              <a:ext cx="928694" cy="1588"/>
+            </a:xfrm>
+            <a:prstGeom prst="straightConnector1">
+              <a:avLst/>
+            </a:prstGeom>
+            <a:ln>
+              <a:headEnd type="arrow"/>
+              <a:tailEnd type="arrow"/>
+            </a:ln>
+          </p:spPr>
+          <p:style>
+            <a:lnRef idx="1">
+              <a:schemeClr val="accent1"/>
+            </a:lnRef>
+            <a:fillRef idx="0">
+              <a:schemeClr val="accent1"/>
+            </a:fillRef>
+            <a:effectRef idx="0">
+              <a:schemeClr val="accent1"/>
+            </a:effectRef>
+            <a:fontRef idx="minor">
+              <a:schemeClr val="tx1"/>
+            </a:fontRef>
+          </p:style>
+        </p:cxnSp>
+        <p:sp>
+          <p:nvSpPr>
+            <p:cNvPr id="44" name="TextBox 43"/>
+            <p:cNvSpPr txBox="1"/>
+            <p:nvPr/>
+          </p:nvSpPr>
+          <p:spPr>
+            <a:xfrm>
+              <a:off x="517964" y="571268"/>
+              <a:ext cx="439544" cy="276999"/>
+            </a:xfrm>
+            <a:prstGeom prst="rect">
+              <a:avLst/>
+            </a:prstGeom>
+            <a:noFill/>
+          </p:spPr>
+          <p:txBody>
+            <a:bodyPr wrap="none" rtlCol="0">
+              <a:spAutoFit/>
+            </a:bodyPr>
+            <a:lstStyle/>
+            <a:p>
+              <a:r>
+                <a:rPr lang="en-US" altLang="ko-KR" sz="1200" dirty="0" smtClean="0"/>
+                <a:t>128</a:t>
+              </a:r>
+              <a:endParaRPr lang="ko-KR" altLang="en-US" sz="1200" dirty="0"/>
+            </a:p>
+          </p:txBody>
+        </p:sp>
+        <p:cxnSp>
+          <p:nvCxnSpPr>
+            <p:cNvPr id="45" name="Straight Arrow Connector 44"/>
+            <p:cNvCxnSpPr/>
+            <p:nvPr/>
+          </p:nvCxnSpPr>
+          <p:spPr>
+            <a:xfrm rot="5400000">
+              <a:off x="965175" y="1107265"/>
+              <a:ext cx="642942" cy="1588"/>
+            </a:xfrm>
+            <a:prstGeom prst="straightConnector1">
+              <a:avLst/>
+            </a:prstGeom>
+            <a:ln>
+              <a:headEnd type="arrow"/>
+              <a:tailEnd type="arrow"/>
+            </a:ln>
+          </p:spPr>
+          <p:style>
+            <a:lnRef idx="1">
+              <a:schemeClr val="accent1"/>
+            </a:lnRef>
+            <a:fillRef idx="0">
+              <a:schemeClr val="accent1"/>
+            </a:fillRef>
+            <a:effectRef idx="0">
+              <a:schemeClr val="accent1"/>
+            </a:effectRef>
+            <a:fontRef idx="minor">
+              <a:schemeClr val="tx1"/>
+            </a:fontRef>
+          </p:style>
+        </p:cxnSp>
+        <p:sp>
+          <p:nvSpPr>
+            <p:cNvPr id="46" name="TextBox 45"/>
+            <p:cNvSpPr txBox="1"/>
+            <p:nvPr/>
+          </p:nvSpPr>
+          <p:spPr>
+            <a:xfrm>
+              <a:off x="1214414" y="937423"/>
+              <a:ext cx="354584" cy="276999"/>
+            </a:xfrm>
+            <a:prstGeom prst="rect">
+              <a:avLst/>
+            </a:prstGeom>
+            <a:noFill/>
+          </p:spPr>
+          <p:txBody>
+            <a:bodyPr wrap="none" rtlCol="0">
+              <a:spAutoFit/>
+            </a:bodyPr>
+            <a:lstStyle/>
+            <a:p>
+              <a:r>
+                <a:rPr lang="en-US" altLang="ko-KR" sz="1200" dirty="0" smtClean="0"/>
+                <a:t>72</a:t>
+              </a:r>
+              <a:endParaRPr lang="ko-KR" altLang="en-US" sz="1200" dirty="0"/>
+            </a:p>
+          </p:txBody>
+        </p:sp>
+      </p:grpSp>
+    </p:spTree>
+  </p:cSld>
+  <p:clrMapOvr>
+    <a:masterClrMapping/>
+  </p:clrMapOvr>
+</p:sld>
+</file>
+
+<file path=ppt/slides/slide9.xml><?xml version="1.0" encoding="utf-8"?>
+<p:sld xmlns:a="http://schemas.openxmlformats.org/drawingml/2006/main" xmlns:r="http://schemas.openxmlformats.org/officeDocument/2006/relationships" xmlns:p="http://schemas.openxmlformats.org/presentationml/2006/main">
+  <p:cSld>
+    <p:spTree>
+      <p:nvGrpSpPr>
+        <p:cNvPr id="1" name=""/>
+        <p:cNvGrpSpPr/>
+        <p:nvPr/>
+      </p:nvGrpSpPr>
+      <p:grpSpPr>
+        <a:xfrm>
+          <a:off x="0" y="0"/>
+          <a:ext cx="0" cy="0"/>
+          <a:chOff x="0" y="0"/>
+          <a:chExt cx="0" cy="0"/>
+        </a:xfrm>
+      </p:grpSpPr>
+      <p:graphicFrame>
+        <p:nvGraphicFramePr>
+          <p:cNvPr id="5" name="Table 4"/>
+          <p:cNvGraphicFramePr>
+            <a:graphicFrameLocks noGrp="1"/>
+          </p:cNvGraphicFramePr>
+          <p:nvPr/>
+        </p:nvGraphicFramePr>
+        <p:xfrm>
+          <a:off x="642910" y="642920"/>
+          <a:ext cx="8072490" cy="5500720"/>
+        </p:xfrm>
+        <a:graphic>
+          <a:graphicData uri="http://schemas.openxmlformats.org/drawingml/2006/table">
+            <a:tbl>
+              <a:tblPr firstRow="1" bandRow="1">
+                <a:tableStyleId>{2D5ABB26-0587-4C30-8999-92F81FD0307C}</a:tableStyleId>
+              </a:tblPr>
+              <a:tblGrid>
+                <a:gridCol w="807249"/>
+                <a:gridCol w="807249"/>
+                <a:gridCol w="807249"/>
+                <a:gridCol w="807249"/>
+                <a:gridCol w="807249"/>
+                <a:gridCol w="807249"/>
+                <a:gridCol w="807249"/>
+                <a:gridCol w="807249"/>
+                <a:gridCol w="807249"/>
+                <a:gridCol w="807249"/>
+              </a:tblGrid>
+              <a:tr h="550072">
+                <a:tc>
+                  <a:txBody>
+                    <a:bodyPr/>
+                    <a:lstStyle/>
+                    <a:p>
+                      <a:pPr algn="ctr" latinLnBrk="1"/>
+                      <a:r>
+                        <a:rPr lang="en-US" altLang="ko-KR" dirty="0" smtClean="0"/>
+                        <a:t>0,0</a:t>
+                      </a:r>
+                      <a:endParaRPr lang="ko-KR" altLang="en-US" dirty="0"/>
+                    </a:p>
+                  </a:txBody>
+                  <a:tcPr anchor="ctr">
+                    <a:lnL w="12700" cap="flat" cmpd="sng" algn="ctr">
+                      <a:solidFill>
+                        <a:schemeClr val="tx1"/>
+                      </a:solidFill>
+                      <a:prstDash val="solid"/>
+                      <a:round/>
+                      <a:headEnd type="none" w="med" len="med"/>
+                      <a:tailEnd type="none" w="med" len="med"/>
+                    </a:lnL>
+                    <a:lnR w="12700" cap="flat" cmpd="sng" algn="ctr">
+                      <a:solidFill>
+                        <a:schemeClr val="tx1"/>
+                      </a:solidFill>
+                      <a:prstDash val="solid"/>
+                      <a:round/>
+                      <a:headEnd type="none" w="med" len="med"/>
+                      <a:tailEnd type="none" w="med" len="med"/>
+                    </a:lnR>
+                    <a:lnT w="12700" cap="flat" cmpd="sng" algn="ctr">
+                      <a:solidFill>
+                        <a:schemeClr val="tx1"/>
+                      </a:solidFill>
+                      <a:prstDash val="solid"/>
+                      <a:round/>
+                      <a:headEnd type="none" w="med" len="med"/>
+                      <a:tailEnd type="none" w="med" len="med"/>
+                    </a:lnT>
+                    <a:lnB w="12700" cap="flat" cmpd="sng" algn="ctr">
+                      <a:solidFill>
+                        <a:schemeClr val="tx1"/>
+                      </a:solidFill>
+                      <a:prstDash val="solid"/>
+                      <a:round/>
+                      <a:headEnd type="none" w="med" len="med"/>
+                      <a:tailEnd type="none" w="med" len="med"/>
+                    </a:lnB>
+                  </a:tcPr>
+                </a:tc>
+                <a:tc>
+                  <a:txBody>
+                    <a:bodyPr/>
+                    <a:lstStyle/>
+                    <a:p>
+                      <a:pPr algn="ctr" latinLnBrk="1"/>
+                      <a:r>
+                        <a:rPr lang="en-US" altLang="ko-KR" dirty="0" smtClean="0"/>
+                        <a:t>1,0</a:t>
+                      </a:r>
+                      <a:endParaRPr lang="ko-KR" altLang="en-US" dirty="0"/>
+                    </a:p>
+                  </a:txBody>
+                  <a:tcPr anchor="ctr">
+                    <a:lnL w="12700" cap="flat" cmpd="sng" algn="ctr">
+                      <a:solidFill>
+                        <a:schemeClr val="tx1"/>
+                      </a:solidFill>
+                      <a:prstDash val="solid"/>
+                      <a:round/>
+                      <a:headEnd type="none" w="med" len="med"/>
+                      <a:tailEnd type="none" w="med" len="med"/>
+                    </a:lnL>
+                    <a:lnR w="12700" cap="flat" cmpd="sng" algn="ctr">
+                      <a:solidFill>
+                        <a:schemeClr val="tx1"/>
+                      </a:solidFill>
+                      <a:prstDash val="solid"/>
+                      <a:round/>
+                      <a:headEnd type="none" w="med" len="med"/>
+                      <a:tailEnd type="none" w="med" len="med"/>
+                    </a:lnR>
+                    <a:lnT w="12700" cap="flat" cmpd="sng" algn="ctr">
+                      <a:solidFill>
+                        <a:schemeClr val="tx1"/>
+                      </a:solidFill>
+                      <a:prstDash val="solid"/>
+                      <a:round/>
+                      <a:headEnd type="none" w="med" len="med"/>
+                      <a:tailEnd type="none" w="med" len="med"/>
+                    </a:lnT>
+                    <a:lnB w="12700" cap="flat" cmpd="sng" algn="ctr">
+                      <a:solidFill>
+                        <a:schemeClr val="tx1"/>
+                      </a:solidFill>
+                      <a:prstDash val="solid"/>
+                      <a:round/>
+                      <a:headEnd type="none" w="med" len="med"/>
+                      <a:tailEnd type="none" w="med" len="med"/>
+                    </a:lnB>
+                  </a:tcPr>
+                </a:tc>
+                <a:tc>
+                  <a:txBody>
+                    <a:bodyPr/>
+                    <a:lstStyle/>
+                    <a:p>
+                      <a:pPr algn="ctr" latinLnBrk="1"/>
+                      <a:r>
+                        <a:rPr lang="en-US" altLang="ko-KR" dirty="0" smtClean="0"/>
+                        <a:t>2,0</a:t>
+                      </a:r>
+                      <a:endParaRPr lang="ko-KR" altLang="en-US" dirty="0"/>
+                    </a:p>
+                  </a:txBody>
+                  <a:tcPr anchor="ctr">
+                    <a:lnL w="12700" cap="flat" cmpd="sng" algn="ctr">
+                      <a:solidFill>
+                        <a:schemeClr val="tx1"/>
+                      </a:solidFill>
+                      <a:prstDash val="solid"/>
+                      <a:round/>
+                      <a:headEnd type="none" w="med" len="med"/>
+                      <a:tailEnd type="none" w="med" len="med"/>
+                    </a:lnL>
+                    <a:lnR w="12700" cap="flat" cmpd="sng" algn="ctr">
+                      <a:solidFill>
+                        <a:schemeClr val="tx1"/>
+                      </a:solidFill>
+                      <a:prstDash val="solid"/>
+                      <a:round/>
+                      <a:headEnd type="none" w="med" len="med"/>
+                      <a:tailEnd type="none" w="med" len="med"/>
+                    </a:lnR>
+                    <a:lnT w="12700" cap="flat" cmpd="sng" algn="ctr">
+                      <a:solidFill>
+                        <a:schemeClr val="tx1"/>
+                      </a:solidFill>
+                      <a:prstDash val="solid"/>
+                      <a:round/>
+                      <a:headEnd type="none" w="med" len="med"/>
+                      <a:tailEnd type="none" w="med" len="med"/>
+                    </a:lnT>
+                    <a:lnB w="12700" cap="flat" cmpd="sng" algn="ctr">
+                      <a:solidFill>
+                        <a:schemeClr val="tx1"/>
+                      </a:solidFill>
+                      <a:prstDash val="solid"/>
+                      <a:round/>
+                      <a:headEnd type="none" w="med" len="med"/>
+                      <a:tailEnd type="none" w="med" len="med"/>
+                    </a:lnB>
+                  </a:tcPr>
+                </a:tc>
+                <a:tc>
+                  <a:txBody>
+                    <a:bodyPr/>
+                    <a:lstStyle/>
+                    <a:p>
+                      <a:pPr algn="ctr" latinLnBrk="1"/>
+                      <a:r>
+                        <a:rPr lang="en-US" altLang="ko-KR" dirty="0" smtClean="0"/>
+                        <a:t>3,0</a:t>
+                      </a:r>
+                      <a:endParaRPr lang="ko-KR" altLang="en-US" dirty="0"/>
+                    </a:p>
+                  </a:txBody>
+                  <a:tcPr anchor="ctr">
+                    <a:lnL w="12700" cap="flat" cmpd="sng" algn="ctr">
+                      <a:solidFill>
+                        <a:schemeClr val="tx1"/>
+                      </a:solidFill>
+                      <a:prstDash val="solid"/>
+                      <a:round/>
+                      <a:headEnd type="none" w="med" len="med"/>
+                      <a:tailEnd type="none" w="med" len="med"/>
+                    </a:lnL>
+                    <a:lnR w="12700" cap="flat" cmpd="sng" algn="ctr">
+                      <a:solidFill>
+                        <a:schemeClr val="tx1"/>
+                      </a:solidFill>
+                      <a:prstDash val="solid"/>
+                      <a:round/>
+                      <a:headEnd type="none" w="med" len="med"/>
+                      <a:tailEnd type="none" w="med" len="med"/>
+                    </a:lnR>
+                    <a:lnT w="12700" cap="flat" cmpd="sng" algn="ctr">
+                      <a:solidFill>
+                        <a:schemeClr val="tx1"/>
+                      </a:solidFill>
+                      <a:prstDash val="solid"/>
+                      <a:round/>
+                      <a:headEnd type="none" w="med" len="med"/>
+                      <a:tailEnd type="none" w="med" len="med"/>
+                    </a:lnT>
+                    <a:lnB w="12700" cap="flat" cmpd="sng" algn="ctr">
+                      <a:solidFill>
+                        <a:schemeClr val="tx1"/>
+                      </a:solidFill>
+                      <a:prstDash val="solid"/>
+                      <a:round/>
+                      <a:headEnd type="none" w="med" len="med"/>
+                      <a:tailEnd type="none" w="med" len="med"/>
+                    </a:lnB>
+                  </a:tcPr>
+                </a:tc>
+                <a:tc>
+                  <a:txBody>
+                    <a:bodyPr/>
+                    <a:lstStyle/>
+                    <a:p>
+                      <a:pPr algn="ctr" latinLnBrk="1"/>
+                      <a:r>
+                        <a:rPr lang="en-US" altLang="ko-KR" dirty="0" smtClean="0"/>
+                        <a:t>4,0</a:t>
+                      </a:r>
+                      <a:endParaRPr lang="ko-KR" altLang="en-US" dirty="0"/>
+                    </a:p>
+                  </a:txBody>
+                  <a:tcPr anchor="ctr">
+                    <a:lnL w="12700" cap="flat" cmpd="sng" algn="ctr">
+                      <a:solidFill>
+                        <a:schemeClr val="tx1"/>
+                      </a:solidFill>
+                      <a:prstDash val="solid"/>
+                      <a:round/>
+                      <a:headEnd type="none" w="med" len="med"/>
+                      <a:tailEnd type="none" w="med" len="med"/>
+                    </a:lnL>
+                    <a:lnR w="12700" cap="flat" cmpd="sng" algn="ctr">
+                      <a:solidFill>
+                        <a:schemeClr val="tx1"/>
+                      </a:solidFill>
+                      <a:prstDash val="solid"/>
+                      <a:round/>
+                      <a:headEnd type="none" w="med" len="med"/>
+                      <a:tailEnd type="none" w="med" len="med"/>
+                    </a:lnR>
+                    <a:lnT w="12700" cap="flat" cmpd="sng" algn="ctr">
+                      <a:solidFill>
+                        <a:schemeClr val="tx1"/>
+                      </a:solidFill>
+                      <a:prstDash val="solid"/>
+                      <a:round/>
+                      <a:headEnd type="none" w="med" len="med"/>
+                      <a:tailEnd type="none" w="med" len="med"/>
+                    </a:lnT>
+                    <a:lnB w="12700" cap="flat" cmpd="sng" algn="ctr">
+                      <a:solidFill>
+                        <a:schemeClr val="tx1"/>
+                      </a:solidFill>
+                      <a:prstDash val="solid"/>
+                      <a:round/>
+                      <a:headEnd type="none" w="med" len="med"/>
+                      <a:tailEnd type="none" w="med" len="med"/>
+                    </a:lnB>
+                  </a:tcPr>
+                </a:tc>
+                <a:tc>
+                  <a:txBody>
+                    <a:bodyPr/>
+                    <a:lstStyle/>
+                    <a:p>
+                      <a:pPr algn="ctr" latinLnBrk="1"/>
+                      <a:r>
+                        <a:rPr lang="en-US" altLang="ko-KR" dirty="0" smtClean="0"/>
+                        <a:t>5,0</a:t>
+                      </a:r>
+                      <a:endParaRPr lang="ko-KR" altLang="en-US" dirty="0"/>
+                    </a:p>
+                  </a:txBody>
+                  <a:tcPr anchor="ctr">
+                    <a:lnL w="12700" cap="flat" cmpd="sng" algn="ctr">
+                      <a:solidFill>
+                        <a:schemeClr val="tx1"/>
+                      </a:solidFill>
+                      <a:prstDash val="solid"/>
+                      <a:round/>
+                      <a:headEnd type="none" w="med" len="med"/>
+                      <a:tailEnd type="none" w="med" len="med"/>
+                    </a:lnL>
+                    <a:lnR w="12700" cap="flat" cmpd="sng" algn="ctr">
+                      <a:solidFill>
+                        <a:schemeClr val="tx1"/>
+                      </a:solidFill>
+                      <a:prstDash val="solid"/>
+                      <a:round/>
+                      <a:headEnd type="none" w="med" len="med"/>
+                      <a:tailEnd type="none" w="med" len="med"/>
+                    </a:lnR>
+                    <a:lnT w="12700" cap="flat" cmpd="sng" algn="ctr">
+                      <a:solidFill>
+                        <a:schemeClr val="tx1"/>
+                      </a:solidFill>
+                      <a:prstDash val="solid"/>
+                      <a:round/>
+                      <a:headEnd type="none" w="med" len="med"/>
+                      <a:tailEnd type="none" w="med" len="med"/>
+                    </a:lnT>
+                    <a:lnB w="12700" cap="flat" cmpd="sng" algn="ctr">
+                      <a:solidFill>
+                        <a:schemeClr val="tx1"/>
+                      </a:solidFill>
+                      <a:prstDash val="solid"/>
+                      <a:round/>
+                      <a:headEnd type="none" w="med" len="med"/>
+                      <a:tailEnd type="none" w="med" len="med"/>
+                    </a:lnB>
+                  </a:tcPr>
+                </a:tc>
+                <a:tc>
+                  <a:txBody>
+                    <a:bodyPr/>
+                    <a:lstStyle/>
+                    <a:p>
+                      <a:pPr algn="ctr" latinLnBrk="1"/>
+                      <a:r>
+                        <a:rPr lang="en-US" altLang="ko-KR" dirty="0" smtClean="0"/>
+                        <a:t>6,0</a:t>
+                      </a:r>
+                      <a:endParaRPr lang="ko-KR" altLang="en-US" dirty="0"/>
+                    </a:p>
+                  </a:txBody>
+                  <a:tcPr anchor="ctr">
+                    <a:lnL w="12700" cap="flat" cmpd="sng" algn="ctr">
+                      <a:solidFill>
+                        <a:schemeClr val="tx1"/>
+                      </a:solidFill>
+                      <a:prstDash val="solid"/>
+                      <a:round/>
+                      <a:headEnd type="none" w="med" len="med"/>
+                      <a:tailEnd type="none" w="med" len="med"/>
+                    </a:lnL>
+                    <a:lnR w="12700" cap="flat" cmpd="sng" algn="ctr">
+                      <a:solidFill>
+                        <a:schemeClr val="tx1"/>
+                      </a:solidFill>
+                      <a:prstDash val="solid"/>
+                      <a:round/>
+                      <a:headEnd type="none" w="med" len="med"/>
+                      <a:tailEnd type="none" w="med" len="med"/>
+                    </a:lnR>
+                    <a:lnT w="12700" cap="flat" cmpd="sng" algn="ctr">
+                      <a:solidFill>
+                        <a:schemeClr val="tx1"/>
+                      </a:solidFill>
+                      <a:prstDash val="solid"/>
+                      <a:round/>
+                      <a:headEnd type="none" w="med" len="med"/>
+                      <a:tailEnd type="none" w="med" len="med"/>
+                    </a:lnT>
+                    <a:lnB w="12700" cap="flat" cmpd="sng" algn="ctr">
+                      <a:solidFill>
+                        <a:schemeClr val="tx1"/>
+                      </a:solidFill>
+                      <a:prstDash val="solid"/>
+                      <a:round/>
+                      <a:headEnd type="none" w="med" len="med"/>
+                      <a:tailEnd type="none" w="med" len="med"/>
+                    </a:lnB>
+                  </a:tcPr>
+                </a:tc>
+                <a:tc>
+                  <a:txBody>
+                    <a:bodyPr/>
+                    <a:lstStyle/>
+                    <a:p>
+                      <a:pPr algn="ctr" latinLnBrk="1"/>
+                      <a:r>
+                        <a:rPr lang="en-US" altLang="ko-KR" dirty="0" smtClean="0"/>
+                        <a:t>7,0</a:t>
+                      </a:r>
+                      <a:endParaRPr lang="ko-KR" altLang="en-US" dirty="0"/>
+                    </a:p>
+                  </a:txBody>
+                  <a:tcPr anchor="ctr">
+                    <a:lnL w="12700" cap="flat" cmpd="sng" algn="ctr">
+                      <a:solidFill>
+                        <a:schemeClr val="tx1"/>
+                      </a:solidFill>
+                      <a:prstDash val="solid"/>
+                      <a:round/>
+                      <a:headEnd type="none" w="med" len="med"/>
+                      <a:tailEnd type="none" w="med" len="med"/>
+                    </a:lnL>
+                    <a:lnR w="12700" cap="flat" cmpd="sng" algn="ctr">
+                      <a:solidFill>
+                        <a:schemeClr val="tx1"/>
+                      </a:solidFill>
+                      <a:prstDash val="solid"/>
+                      <a:round/>
+                      <a:headEnd type="none" w="med" len="med"/>
+                      <a:tailEnd type="none" w="med" len="med"/>
+                    </a:lnR>
+                    <a:lnT w="12700" cap="flat" cmpd="sng" algn="ctr">
+                      <a:solidFill>
+                        <a:schemeClr val="tx1"/>
+                      </a:solidFill>
+                      <a:prstDash val="solid"/>
+                      <a:round/>
+                      <a:headEnd type="none" w="med" len="med"/>
+                      <a:tailEnd type="none" w="med" len="med"/>
+                    </a:lnT>
+                    <a:lnB w="12700" cap="flat" cmpd="sng" algn="ctr">
+                      <a:solidFill>
+                        <a:schemeClr val="tx1"/>
+                      </a:solidFill>
+                      <a:prstDash val="solid"/>
+                      <a:round/>
+                      <a:headEnd type="none" w="med" len="med"/>
+                      <a:tailEnd type="none" w="med" len="med"/>
+                    </a:lnB>
+                  </a:tcPr>
+                </a:tc>
+                <a:tc>
+                  <a:txBody>
+                    <a:bodyPr/>
+                    <a:lstStyle/>
+                    <a:p>
+                      <a:pPr algn="ctr" latinLnBrk="1"/>
+                      <a:r>
+                        <a:rPr lang="en-US" altLang="ko-KR" dirty="0" smtClean="0"/>
+                        <a:t>8,0</a:t>
+                      </a:r>
+                      <a:endParaRPr lang="ko-KR" altLang="en-US" dirty="0"/>
+                    </a:p>
+                  </a:txBody>
+                  <a:tcPr anchor="ctr">
+                    <a:lnL w="12700" cap="flat" cmpd="sng" algn="ctr">
+                      <a:solidFill>
+                        <a:schemeClr val="tx1"/>
+                      </a:solidFill>
+                      <a:prstDash val="solid"/>
+                      <a:round/>
+                      <a:headEnd type="none" w="med" len="med"/>
+                      <a:tailEnd type="none" w="med" len="med"/>
+                    </a:lnL>
+                    <a:lnR w="12700" cap="flat" cmpd="sng" algn="ctr">
+                      <a:solidFill>
+                        <a:schemeClr val="tx1"/>
+                      </a:solidFill>
+                      <a:prstDash val="solid"/>
+                      <a:round/>
+                      <a:headEnd type="none" w="med" len="med"/>
+                      <a:tailEnd type="none" w="med" len="med"/>
+                    </a:lnR>
+                    <a:lnT w="12700" cap="flat" cmpd="sng" algn="ctr">
+                      <a:solidFill>
+                        <a:schemeClr val="tx1"/>
+                      </a:solidFill>
+                      <a:prstDash val="solid"/>
+                      <a:round/>
+                      <a:headEnd type="none" w="med" len="med"/>
+                      <a:tailEnd type="none" w="med" len="med"/>
+                    </a:lnT>
+                    <a:lnB w="12700" cap="flat" cmpd="sng" algn="ctr">
+                      <a:solidFill>
+                        <a:schemeClr val="tx1"/>
+                      </a:solidFill>
+                      <a:prstDash val="solid"/>
+                      <a:round/>
+                      <a:headEnd type="none" w="med" len="med"/>
+                      <a:tailEnd type="none" w="med" len="med"/>
+                    </a:lnB>
+                  </a:tcPr>
+                </a:tc>
+                <a:tc>
+                  <a:txBody>
+                    <a:bodyPr/>
+                    <a:lstStyle/>
+                    <a:p>
+                      <a:pPr algn="ctr" latinLnBrk="1"/>
+                      <a:r>
+                        <a:rPr lang="en-US" altLang="ko-KR" dirty="0" smtClean="0"/>
+                        <a:t>9,0</a:t>
+                      </a:r>
+                      <a:endParaRPr lang="ko-KR" altLang="en-US" dirty="0"/>
+                    </a:p>
+                  </a:txBody>
+                  <a:tcPr anchor="ctr">
+                    <a:lnL w="12700" cap="flat" cmpd="sng" algn="ctr">
+                      <a:solidFill>
+                        <a:schemeClr val="tx1"/>
+                      </a:solidFill>
+                      <a:prstDash val="solid"/>
+                      <a:round/>
+                      <a:headEnd type="none" w="med" len="med"/>
+                      <a:tailEnd type="none" w="med" len="med"/>
+                    </a:lnL>
+                    <a:lnR w="12700" cap="flat" cmpd="sng" algn="ctr">
+                      <a:solidFill>
+                        <a:schemeClr val="tx1"/>
+                      </a:solidFill>
+                      <a:prstDash val="solid"/>
+                      <a:round/>
+                      <a:headEnd type="none" w="med" len="med"/>
+                      <a:tailEnd type="none" w="med" len="med"/>
+                    </a:lnR>
+                    <a:lnT w="12700" cap="flat" cmpd="sng" algn="ctr">
+                      <a:solidFill>
+                        <a:schemeClr val="tx1"/>
+                      </a:solidFill>
+                      <a:prstDash val="solid"/>
+                      <a:round/>
+                      <a:headEnd type="none" w="med" len="med"/>
+                      <a:tailEnd type="none" w="med" len="med"/>
+                    </a:lnT>
+                    <a:lnB w="12700" cap="flat" cmpd="sng" algn="ctr">
+                      <a:solidFill>
+                        <a:schemeClr val="tx1"/>
+                      </a:solidFill>
+                      <a:prstDash val="solid"/>
+                      <a:round/>
+                      <a:headEnd type="none" w="med" len="med"/>
+                      <a:tailEnd type="none" w="med" len="med"/>
+                    </a:lnB>
+                  </a:tcPr>
+                </a:tc>
+              </a:tr>
+              <a:tr h="550072">
+                <a:tc>
+                  <a:txBody>
+                    <a:bodyPr/>
+                    <a:lstStyle/>
+                    <a:p>
+                      <a:pPr algn="ctr" latinLnBrk="1"/>
+                      <a:r>
+                        <a:rPr lang="en-US" altLang="ko-KR" dirty="0" smtClean="0"/>
+                        <a:t>1,0</a:t>
+                      </a:r>
+                      <a:endParaRPr lang="ko-KR" altLang="en-US" dirty="0"/>
+                    </a:p>
+                  </a:txBody>
+                  <a:tcPr anchor="ctr">
+                    <a:lnL w="12700" cap="flat" cmpd="sng" algn="ctr">
+                      <a:solidFill>
+                        <a:schemeClr val="tx1"/>
+                      </a:solidFill>
+                      <a:prstDash val="solid"/>
+                      <a:round/>
+                      <a:headEnd type="none" w="med" len="med"/>
+                      <a:tailEnd type="none" w="med" len="med"/>
+                    </a:lnL>
+                    <a:lnR w="12700" cap="flat" cmpd="sng" algn="ctr">
+                      <a:solidFill>
+                        <a:schemeClr val="tx1"/>
+                      </a:solidFill>
+                      <a:prstDash val="solid"/>
+                      <a:round/>
+                      <a:headEnd type="none" w="med" len="med"/>
+                      <a:tailEnd type="none" w="med" len="med"/>
+                    </a:lnR>
+                    <a:lnT w="12700" cap="flat" cmpd="sng" algn="ctr">
+                      <a:solidFill>
+                        <a:schemeClr val="tx1"/>
+                      </a:solidFill>
+                      <a:prstDash val="solid"/>
+                      <a:round/>
+                      <a:headEnd type="none" w="med" len="med"/>
+                      <a:tailEnd type="none" w="med" len="med"/>
+                    </a:lnT>
+                    <a:lnB w="12700" cap="flat" cmpd="sng" algn="ctr">
+                      <a:solidFill>
+                        <a:schemeClr val="tx1"/>
+                      </a:solidFill>
+                      <a:prstDash val="solid"/>
+                      <a:round/>
+                      <a:headEnd type="none" w="med" len="med"/>
+                      <a:tailEnd type="none" w="med" len="med"/>
+                    </a:lnB>
+                  </a:tcPr>
+                </a:tc>
+                <a:tc>
+                  <a:txBody>
+                    <a:bodyPr/>
+                    <a:lstStyle/>
+                    <a:p>
+                      <a:pPr algn="ctr" latinLnBrk="1"/>
+                      <a:endParaRPr lang="ko-KR" altLang="en-US" dirty="0"/>
+                    </a:p>
+                  </a:txBody>
+                  <a:tcPr anchor="ctr">
+                    <a:lnL w="12700" cap="flat" cmpd="sng" algn="ctr">
+                      <a:solidFill>
+                        <a:schemeClr val="tx1"/>
+                      </a:solidFill>
+                      <a:prstDash val="solid"/>
+                      <a:round/>
+                      <a:headEnd type="none" w="med" len="med"/>
+                      <a:tailEnd type="none" w="med" len="med"/>
+                    </a:lnL>
+                    <a:lnR w="12700" cap="flat" cmpd="sng" algn="ctr">
+                      <a:solidFill>
+                        <a:schemeClr val="tx1"/>
+                      </a:solidFill>
+                      <a:prstDash val="solid"/>
+                      <a:round/>
+                      <a:headEnd type="none" w="med" len="med"/>
+                      <a:tailEnd type="none" w="med" len="med"/>
+                    </a:lnR>
+                    <a:lnT w="12700" cap="flat" cmpd="sng" algn="ctr">
+                      <a:solidFill>
+                        <a:schemeClr val="tx1"/>
+                      </a:solidFill>
+                      <a:prstDash val="solid"/>
+                      <a:round/>
+                      <a:headEnd type="none" w="med" len="med"/>
+                      <a:tailEnd type="none" w="med" len="med"/>
+                    </a:lnT>
+                    <a:lnB w="12700" cap="flat" cmpd="sng" algn="ctr">
+                      <a:solidFill>
+                        <a:schemeClr val="tx1"/>
+                      </a:solidFill>
+                      <a:prstDash val="solid"/>
+                      <a:round/>
+                      <a:headEnd type="none" w="med" len="med"/>
+                      <a:tailEnd type="none" w="med" len="med"/>
+                    </a:lnB>
+                  </a:tcPr>
+                </a:tc>
+                <a:tc>
+                  <a:txBody>
+                    <a:bodyPr/>
+                    <a:lstStyle/>
+                    <a:p>
+                      <a:pPr algn="ctr" latinLnBrk="1"/>
+                      <a:endParaRPr lang="ko-KR" altLang="en-US" dirty="0"/>
+                    </a:p>
+                  </a:txBody>
+                  <a:tcPr anchor="ctr">
+                    <a:lnL w="12700" cap="flat" cmpd="sng" algn="ctr">
+                      <a:solidFill>
+                        <a:schemeClr val="tx1"/>
+                      </a:solidFill>
+                      <a:prstDash val="solid"/>
+                      <a:round/>
+                      <a:headEnd type="none" w="med" len="med"/>
+                      <a:tailEnd type="none" w="med" len="med"/>
+                    </a:lnL>
+                    <a:lnR w="12700" cap="flat" cmpd="sng" algn="ctr">
+                      <a:solidFill>
+                        <a:schemeClr val="tx1"/>
+                      </a:solidFill>
+                      <a:prstDash val="solid"/>
+                      <a:round/>
+                      <a:headEnd type="none" w="med" len="med"/>
+                      <a:tailEnd type="none" w="med" len="med"/>
+                    </a:lnR>
+                    <a:lnT w="12700" cap="flat" cmpd="sng" algn="ctr">
+                      <a:solidFill>
+                        <a:schemeClr val="tx1"/>
+                      </a:solidFill>
+                      <a:prstDash val="solid"/>
+                      <a:round/>
+                      <a:headEnd type="none" w="med" len="med"/>
+                      <a:tailEnd type="none" w="med" len="med"/>
+                    </a:lnT>
+                    <a:lnB w="12700" cap="flat" cmpd="sng" algn="ctr">
+                      <a:solidFill>
+                        <a:schemeClr val="tx1"/>
+                      </a:solidFill>
+                      <a:prstDash val="solid"/>
+                      <a:round/>
+                      <a:headEnd type="none" w="med" len="med"/>
+                      <a:tailEnd type="none" w="med" len="med"/>
+                    </a:lnB>
+                  </a:tcPr>
+                </a:tc>
+                <a:tc>
+                  <a:txBody>
+                    <a:bodyPr/>
+                    <a:lstStyle/>
+                    <a:p>
+                      <a:pPr algn="ctr" latinLnBrk="1"/>
+                      <a:endParaRPr lang="ko-KR" altLang="en-US" dirty="0"/>
+                    </a:p>
+                  </a:txBody>
+                  <a:tcPr anchor="ctr">
+                    <a:lnL w="12700" cap="flat" cmpd="sng" algn="ctr">
+                      <a:solidFill>
+                        <a:schemeClr val="tx1"/>
+                      </a:solidFill>
+                      <a:prstDash val="solid"/>
+                      <a:round/>
+                      <a:headEnd type="none" w="med" len="med"/>
+                      <a:tailEnd type="none" w="med" len="med"/>
+                    </a:lnL>
+                    <a:lnR w="12700" cap="flat" cmpd="sng" algn="ctr">
+                      <a:solidFill>
+                        <a:schemeClr val="tx1"/>
+                      </a:solidFill>
+                      <a:prstDash val="solid"/>
+                      <a:round/>
+                      <a:headEnd type="none" w="med" len="med"/>
+                      <a:tailEnd type="none" w="med" len="med"/>
+                    </a:lnR>
+                    <a:lnT w="12700" cap="flat" cmpd="sng" algn="ctr">
+                      <a:solidFill>
+                        <a:schemeClr val="tx1"/>
+                      </a:solidFill>
+                      <a:prstDash val="solid"/>
+                      <a:round/>
+                      <a:headEnd type="none" w="med" len="med"/>
+                      <a:tailEnd type="none" w="med" len="med"/>
+                    </a:lnT>
+                    <a:lnB w="12700" cap="flat" cmpd="sng" algn="ctr">
+                      <a:solidFill>
+                        <a:schemeClr val="tx1"/>
+                      </a:solidFill>
+                      <a:prstDash val="solid"/>
+                      <a:round/>
+                      <a:headEnd type="none" w="med" len="med"/>
+                      <a:tailEnd type="none" w="med" len="med"/>
+                    </a:lnB>
+                  </a:tcPr>
+                </a:tc>
+                <a:tc>
+                  <a:txBody>
+                    <a:bodyPr/>
+                    <a:lstStyle/>
+                    <a:p>
+                      <a:pPr algn="ctr" latinLnBrk="1"/>
+                      <a:endParaRPr lang="ko-KR" altLang="en-US" dirty="0"/>
+                    </a:p>
+                  </a:txBody>
+                  <a:tcPr anchor="ctr">
+                    <a:lnL w="12700" cap="flat" cmpd="sng" algn="ctr">
+                      <a:solidFill>
+                        <a:schemeClr val="tx1"/>
+                      </a:solidFill>
+                      <a:prstDash val="solid"/>
+                      <a:round/>
+                      <a:headEnd type="none" w="med" len="med"/>
+                      <a:tailEnd type="none" w="med" len="med"/>
+                    </a:lnL>
+                    <a:lnR w="12700" cap="flat" cmpd="sng" algn="ctr">
+                      <a:solidFill>
+                        <a:schemeClr val="tx1"/>
+                      </a:solidFill>
+                      <a:prstDash val="solid"/>
+                      <a:round/>
+                      <a:headEnd type="none" w="med" len="med"/>
+                      <a:tailEnd type="none" w="med" len="med"/>
+                    </a:lnR>
+                    <a:lnT w="12700" cap="flat" cmpd="sng" algn="ctr">
+                      <a:solidFill>
+                        <a:schemeClr val="tx1"/>
+                      </a:solidFill>
+                      <a:prstDash val="solid"/>
+                      <a:round/>
+                      <a:headEnd type="none" w="med" len="med"/>
+                      <a:tailEnd type="none" w="med" len="med"/>
+                    </a:lnT>
+                    <a:lnB w="12700" cap="flat" cmpd="sng" algn="ctr">
+                      <a:solidFill>
+                        <a:schemeClr val="tx1"/>
+                      </a:solidFill>
+                      <a:prstDash val="solid"/>
+                      <a:round/>
+                      <a:headEnd type="none" w="med" len="med"/>
+                      <a:tailEnd type="none" w="med" len="med"/>
+                    </a:lnB>
+                  </a:tcPr>
+                </a:tc>
+                <a:tc>
+                  <a:txBody>
+                    <a:bodyPr/>
+                    <a:lstStyle/>
+                    <a:p>
+                      <a:pPr algn="ctr" latinLnBrk="1"/>
+                      <a:endParaRPr lang="ko-KR" altLang="en-US" dirty="0"/>
+                    </a:p>
+                  </a:txBody>
+                  <a:tcPr anchor="ctr">
+                    <a:lnL w="12700" cap="flat" cmpd="sng" algn="ctr">
+                      <a:solidFill>
+                        <a:schemeClr val="tx1"/>
+                      </a:solidFill>
+                      <a:prstDash val="solid"/>
+                      <a:round/>
+                      <a:headEnd type="none" w="med" len="med"/>
+                      <a:tailEnd type="none" w="med" len="med"/>
+                    </a:lnL>
+                    <a:lnR w="12700" cap="flat" cmpd="sng" algn="ctr">
+                      <a:solidFill>
+                        <a:schemeClr val="tx1"/>
+                      </a:solidFill>
+                      <a:prstDash val="solid"/>
+                      <a:round/>
+                      <a:headEnd type="none" w="med" len="med"/>
+                      <a:tailEnd type="none" w="med" len="med"/>
+                    </a:lnR>
+                    <a:lnT w="12700" cap="flat" cmpd="sng" algn="ctr">
+                      <a:solidFill>
+                        <a:schemeClr val="tx1"/>
+                      </a:solidFill>
+                      <a:prstDash val="solid"/>
+                      <a:round/>
+                      <a:headEnd type="none" w="med" len="med"/>
+                      <a:tailEnd type="none" w="med" len="med"/>
+                    </a:lnT>
+                    <a:lnB w="12700" cap="flat" cmpd="sng" algn="ctr">
+                      <a:solidFill>
+                        <a:schemeClr val="tx1"/>
+                      </a:solidFill>
+                      <a:prstDash val="solid"/>
+                      <a:round/>
+                      <a:headEnd type="none" w="med" len="med"/>
+                      <a:tailEnd type="none" w="med" len="med"/>
+                    </a:lnB>
+                  </a:tcPr>
+                </a:tc>
+                <a:tc>
+                  <a:txBody>
+                    <a:bodyPr/>
+                    <a:lstStyle/>
+                    <a:p>
+                      <a:pPr algn="ctr" latinLnBrk="1"/>
+                      <a:endParaRPr lang="ko-KR" altLang="en-US" dirty="0"/>
+                    </a:p>
+                  </a:txBody>
+                  <a:tcPr anchor="ctr">
+                    <a:lnL w="12700" cap="flat" cmpd="sng" algn="ctr">
+                      <a:solidFill>
+                        <a:schemeClr val="tx1"/>
+                      </a:solidFill>
+                      <a:prstDash val="solid"/>
+                      <a:round/>
+                      <a:headEnd type="none" w="med" len="med"/>
+                      <a:tailEnd type="none" w="med" len="med"/>
+                    </a:lnL>
+                    <a:lnR w="12700" cap="flat" cmpd="sng" algn="ctr">
+                      <a:solidFill>
+                        <a:schemeClr val="tx1"/>
+                      </a:solidFill>
+                      <a:prstDash val="solid"/>
+                      <a:round/>
+                      <a:headEnd type="none" w="med" len="med"/>
+                      <a:tailEnd type="none" w="med" len="med"/>
+                    </a:lnR>
+                    <a:lnT w="12700" cap="flat" cmpd="sng" algn="ctr">
+                      <a:solidFill>
+                        <a:schemeClr val="tx1"/>
+                      </a:solidFill>
+                      <a:prstDash val="solid"/>
+                      <a:round/>
+                      <a:headEnd type="none" w="med" len="med"/>
+                      <a:tailEnd type="none" w="med" len="med"/>
+                    </a:lnT>
+                    <a:lnB w="12700" cap="flat" cmpd="sng" algn="ctr">
+                      <a:solidFill>
+                        <a:schemeClr val="tx1"/>
+                      </a:solidFill>
+                      <a:prstDash val="solid"/>
+                      <a:round/>
+                      <a:headEnd type="none" w="med" len="med"/>
+                      <a:tailEnd type="none" w="med" len="med"/>
+                    </a:lnB>
+                  </a:tcPr>
+                </a:tc>
+                <a:tc>
+                  <a:txBody>
+                    <a:bodyPr/>
+                    <a:lstStyle/>
+                    <a:p>
+                      <a:pPr algn="ctr" latinLnBrk="1"/>
+                      <a:endParaRPr lang="ko-KR" altLang="en-US" dirty="0"/>
+                    </a:p>
+                  </a:txBody>
+                  <a:tcPr anchor="ctr">
+                    <a:lnL w="12700" cap="flat" cmpd="sng" algn="ctr">
+                      <a:solidFill>
+                        <a:schemeClr val="tx1"/>
+                      </a:solidFill>
+                      <a:prstDash val="solid"/>
+                      <a:round/>
+                      <a:headEnd type="none" w="med" len="med"/>
+                      <a:tailEnd type="none" w="med" len="med"/>
+                    </a:lnL>
+                    <a:lnR w="12700" cap="flat" cmpd="sng" algn="ctr">
+                      <a:solidFill>
+                        <a:schemeClr val="tx1"/>
+                      </a:solidFill>
+                      <a:prstDash val="solid"/>
+                      <a:round/>
+                      <a:headEnd type="none" w="med" len="med"/>
+                      <a:tailEnd type="none" w="med" len="med"/>
+                    </a:lnR>
+                    <a:lnT w="12700" cap="flat" cmpd="sng" algn="ctr">
+                      <a:solidFill>
+                        <a:schemeClr val="tx1"/>
+                      </a:solidFill>
+                      <a:prstDash val="solid"/>
+                      <a:round/>
+                      <a:headEnd type="none" w="med" len="med"/>
+                      <a:tailEnd type="none" w="med" len="med"/>
+                    </a:lnT>
+                    <a:lnB w="12700" cap="flat" cmpd="sng" algn="ctr">
+                      <a:solidFill>
+                        <a:schemeClr val="tx1"/>
+                      </a:solidFill>
+                      <a:prstDash val="solid"/>
+                      <a:round/>
+                      <a:headEnd type="none" w="med" len="med"/>
+                      <a:tailEnd type="none" w="med" len="med"/>
+                    </a:lnB>
+                  </a:tcPr>
+                </a:tc>
+                <a:tc>
+                  <a:txBody>
+                    <a:bodyPr/>
+                    <a:lstStyle/>
+                    <a:p>
+                      <a:pPr algn="ctr" latinLnBrk="1"/>
+                      <a:endParaRPr lang="ko-KR" altLang="en-US" dirty="0"/>
+                    </a:p>
+                  </a:txBody>
+                  <a:tcPr anchor="ctr">
+                    <a:lnL w="12700" cap="flat" cmpd="sng" algn="ctr">
+                      <a:solidFill>
+                        <a:schemeClr val="tx1"/>
+                      </a:solidFill>
+                      <a:prstDash val="solid"/>
+                      <a:round/>
+                      <a:headEnd type="none" w="med" len="med"/>
+                      <a:tailEnd type="none" w="med" len="med"/>
+                    </a:lnL>
+                    <a:lnR w="12700" cap="flat" cmpd="sng" algn="ctr">
+                      <a:solidFill>
+                        <a:schemeClr val="tx1"/>
+                      </a:solidFill>
+                      <a:prstDash val="solid"/>
+                      <a:round/>
+                      <a:headEnd type="none" w="med" len="med"/>
+                      <a:tailEnd type="none" w="med" len="med"/>
+                    </a:lnR>
+                    <a:lnT w="12700" cap="flat" cmpd="sng" algn="ctr">
+                      <a:solidFill>
+                        <a:schemeClr val="tx1"/>
+                      </a:solidFill>
+                      <a:prstDash val="solid"/>
+                      <a:round/>
+                      <a:headEnd type="none" w="med" len="med"/>
+                      <a:tailEnd type="none" w="med" len="med"/>
+                    </a:lnT>
+                    <a:lnB w="12700" cap="flat" cmpd="sng" algn="ctr">
+                      <a:solidFill>
+                        <a:schemeClr val="tx1"/>
+                      </a:solidFill>
+                      <a:prstDash val="solid"/>
+                      <a:round/>
+                      <a:headEnd type="none" w="med" len="med"/>
+                      <a:tailEnd type="none" w="med" len="med"/>
+                    </a:lnB>
+                  </a:tcPr>
+                </a:tc>
+                <a:tc>
+                  <a:txBody>
+                    <a:bodyPr/>
+                    <a:lstStyle/>
+                    <a:p>
+                      <a:pPr algn="ctr" latinLnBrk="1"/>
+                      <a:endParaRPr lang="ko-KR" altLang="en-US" dirty="0"/>
+                    </a:p>
+                  </a:txBody>
+                  <a:tcPr anchor="ctr">
+                    <a:lnL w="12700" cap="flat" cmpd="sng" algn="ctr">
+                      <a:solidFill>
+                        <a:schemeClr val="tx1"/>
+                      </a:solidFill>
+                      <a:prstDash val="solid"/>
+                      <a:round/>
+                      <a:headEnd type="none" w="med" len="med"/>
+                      <a:tailEnd type="none" w="med" len="med"/>
+                    </a:lnL>
+                    <a:lnR w="12700" cap="flat" cmpd="sng" algn="ctr">
+                      <a:solidFill>
+                        <a:schemeClr val="tx1"/>
+                      </a:solidFill>
+                      <a:prstDash val="solid"/>
+                      <a:round/>
+                      <a:headEnd type="none" w="med" len="med"/>
+                      <a:tailEnd type="none" w="med" len="med"/>
+                    </a:lnR>
+                    <a:lnT w="12700" cap="flat" cmpd="sng" algn="ctr">
+                      <a:solidFill>
+                        <a:schemeClr val="tx1"/>
+                      </a:solidFill>
+                      <a:prstDash val="solid"/>
+                      <a:round/>
+                      <a:headEnd type="none" w="med" len="med"/>
+                      <a:tailEnd type="none" w="med" len="med"/>
+                    </a:lnT>
+                    <a:lnB w="12700" cap="flat" cmpd="sng" algn="ctr">
+                      <a:solidFill>
+                        <a:schemeClr val="tx1"/>
+                      </a:solidFill>
+                      <a:prstDash val="solid"/>
+                      <a:round/>
+                      <a:headEnd type="none" w="med" len="med"/>
+                      <a:tailEnd type="none" w="med" len="med"/>
+                    </a:lnB>
+                  </a:tcPr>
+                </a:tc>
+              </a:tr>
+              <a:tr h="550072">
+                <a:tc>
+                  <a:txBody>
+                    <a:bodyPr/>
+                    <a:lstStyle/>
+                    <a:p>
+                      <a:pPr algn="ctr" latinLnBrk="1"/>
+                      <a:r>
+                        <a:rPr lang="en-US" altLang="ko-KR" dirty="0" smtClean="0"/>
+                        <a:t>2,0</a:t>
+                      </a:r>
+                      <a:endParaRPr lang="ko-KR" altLang="en-US" dirty="0"/>
+                    </a:p>
+                  </a:txBody>
+                  <a:tcPr anchor="ctr">
+                    <a:lnL w="12700" cap="flat" cmpd="sng" algn="ctr">
+                      <a:solidFill>
+                        <a:schemeClr val="tx1"/>
+                      </a:solidFill>
+                      <a:prstDash val="solid"/>
+                      <a:round/>
+                      <a:headEnd type="none" w="med" len="med"/>
+                      <a:tailEnd type="none" w="med" len="med"/>
+                    </a:lnL>
+                    <a:lnR w="12700" cap="flat" cmpd="sng" algn="ctr">
+                      <a:solidFill>
+                        <a:schemeClr val="tx1"/>
+                      </a:solidFill>
+                      <a:prstDash val="solid"/>
+                      <a:round/>
+                      <a:headEnd type="none" w="med" len="med"/>
+                      <a:tailEnd type="none" w="med" len="med"/>
+                    </a:lnR>
+                    <a:lnT w="12700" cap="flat" cmpd="sng" algn="ctr">
+                      <a:solidFill>
+                        <a:schemeClr val="tx1"/>
+                      </a:solidFill>
+                      <a:prstDash val="solid"/>
+                      <a:round/>
+                      <a:headEnd type="none" w="med" len="med"/>
+                      <a:tailEnd type="none" w="med" len="med"/>
+                    </a:lnT>
+                    <a:lnB w="12700" cap="flat" cmpd="sng" algn="ctr">
+                      <a:solidFill>
+                        <a:schemeClr val="tx1"/>
+                      </a:solidFill>
+                      <a:prstDash val="solid"/>
+                      <a:round/>
+                      <a:headEnd type="none" w="med" len="med"/>
+                      <a:tailEnd type="none" w="med" len="med"/>
+                    </a:lnB>
+                  </a:tcPr>
+                </a:tc>
+                <a:tc>
+                  <a:txBody>
+                    <a:bodyPr/>
+                    <a:lstStyle/>
+                    <a:p>
+                      <a:pPr algn="ctr" latinLnBrk="1"/>
+                      <a:endParaRPr lang="ko-KR" altLang="en-US"/>
+                    </a:p>
+                  </a:txBody>
+                  <a:tcPr anchor="ctr">
+                    <a:lnL w="12700" cap="flat" cmpd="sng" algn="ctr">
+                      <a:solidFill>
+                        <a:schemeClr val="tx1"/>
+                      </a:solidFill>
+                      <a:prstDash val="solid"/>
+                      <a:round/>
+                      <a:headEnd type="none" w="med" len="med"/>
+                      <a:tailEnd type="none" w="med" len="med"/>
+                    </a:lnL>
+                    <a:lnR w="12700" cap="flat" cmpd="sng" algn="ctr">
+                      <a:solidFill>
+                        <a:schemeClr val="tx1"/>
+                      </a:solidFill>
+                      <a:prstDash val="solid"/>
+                      <a:round/>
+                      <a:headEnd type="none" w="med" len="med"/>
+                      <a:tailEnd type="none" w="med" len="med"/>
+                    </a:lnR>
+                    <a:lnT w="12700" cap="flat" cmpd="sng" algn="ctr">
+                      <a:solidFill>
+                        <a:schemeClr val="tx1"/>
+                      </a:solidFill>
+                      <a:prstDash val="solid"/>
+                      <a:round/>
+                      <a:headEnd type="none" w="med" len="med"/>
+                      <a:tailEnd type="none" w="med" len="med"/>
+                    </a:lnT>
+                    <a:lnB w="12700" cap="flat" cmpd="sng" algn="ctr">
+                      <a:solidFill>
+                        <a:schemeClr val="tx1"/>
+                      </a:solidFill>
+                      <a:prstDash val="solid"/>
+                      <a:round/>
+                      <a:headEnd type="none" w="med" len="med"/>
+                      <a:tailEnd type="none" w="med" len="med"/>
+                    </a:lnB>
+                  </a:tcPr>
+                </a:tc>
+                <a:tc>
+                  <a:txBody>
+                    <a:bodyPr/>
+                    <a:lstStyle/>
+                    <a:p>
+                      <a:pPr algn="ctr" latinLnBrk="1"/>
+                      <a:endParaRPr lang="ko-KR" altLang="en-US" dirty="0"/>
+                    </a:p>
+                  </a:txBody>
+                  <a:tcPr anchor="ctr">
+                    <a:lnL w="12700" cap="flat" cmpd="sng" algn="ctr">
+                      <a:solidFill>
+                        <a:schemeClr val="tx1"/>
+                      </a:solidFill>
+                      <a:prstDash val="solid"/>
+                      <a:round/>
+                      <a:headEnd type="none" w="med" len="med"/>
+                      <a:tailEnd type="none" w="med" len="med"/>
+                    </a:lnL>
+                    <a:lnR w="12700" cap="flat" cmpd="sng" algn="ctr">
+                      <a:solidFill>
+                        <a:schemeClr val="tx1"/>
+                      </a:solidFill>
+                      <a:prstDash val="solid"/>
+                      <a:round/>
+                      <a:headEnd type="none" w="med" len="med"/>
+                      <a:tailEnd type="none" w="med" len="med"/>
+                    </a:lnR>
+                    <a:lnT w="12700" cap="flat" cmpd="sng" algn="ctr">
+                      <a:solidFill>
+                        <a:schemeClr val="tx1"/>
+                      </a:solidFill>
+                      <a:prstDash val="solid"/>
+                      <a:round/>
+                      <a:headEnd type="none" w="med" len="med"/>
+                      <a:tailEnd type="none" w="med" len="med"/>
+                    </a:lnT>
+                    <a:lnB w="12700" cap="flat" cmpd="sng" algn="ctr">
+                      <a:solidFill>
+                        <a:schemeClr val="tx1"/>
+                      </a:solidFill>
+                      <a:prstDash val="solid"/>
+                      <a:round/>
+                      <a:headEnd type="none" w="med" len="med"/>
+                      <a:tailEnd type="none" w="med" len="med"/>
+                    </a:lnB>
+                  </a:tcPr>
+                </a:tc>
+                <a:tc>
+                  <a:txBody>
+                    <a:bodyPr/>
+                    <a:lstStyle/>
+                    <a:p>
+                      <a:pPr algn="ctr" latinLnBrk="1"/>
+                      <a:endParaRPr lang="ko-KR" altLang="en-US" dirty="0"/>
+                    </a:p>
+                  </a:txBody>
+                  <a:tcPr anchor="ctr">
+                    <a:lnL w="12700" cap="flat" cmpd="sng" algn="ctr">
+                      <a:solidFill>
+                        <a:schemeClr val="tx1"/>
+                      </a:solidFill>
+                      <a:prstDash val="solid"/>
+                      <a:round/>
+                      <a:headEnd type="none" w="med" len="med"/>
+                      <a:tailEnd type="none" w="med" len="med"/>
+                    </a:lnL>
+                    <a:lnR w="12700" cap="flat" cmpd="sng" algn="ctr">
+                      <a:solidFill>
+                        <a:schemeClr val="tx1"/>
+                      </a:solidFill>
+                      <a:prstDash val="solid"/>
+                      <a:round/>
+                      <a:headEnd type="none" w="med" len="med"/>
+                      <a:tailEnd type="none" w="med" len="med"/>
+                    </a:lnR>
+                    <a:lnT w="12700" cap="flat" cmpd="sng" algn="ctr">
+                      <a:solidFill>
+                        <a:schemeClr val="tx1"/>
+                      </a:solidFill>
+                      <a:prstDash val="solid"/>
+                      <a:round/>
+                      <a:headEnd type="none" w="med" len="med"/>
+                      <a:tailEnd type="none" w="med" len="med"/>
+                    </a:lnT>
+                    <a:lnB w="12700" cap="flat" cmpd="sng" algn="ctr">
+                      <a:solidFill>
+                        <a:schemeClr val="tx1"/>
+                      </a:solidFill>
+                      <a:prstDash val="solid"/>
+                      <a:round/>
+                      <a:headEnd type="none" w="med" len="med"/>
+                      <a:tailEnd type="none" w="med" len="med"/>
+                    </a:lnB>
+                  </a:tcPr>
+                </a:tc>
+                <a:tc>
+                  <a:txBody>
+                    <a:bodyPr/>
+                    <a:lstStyle/>
+                    <a:p>
+                      <a:pPr algn="ctr" latinLnBrk="1"/>
+                      <a:endParaRPr lang="ko-KR" altLang="en-US"/>
+                    </a:p>
+                  </a:txBody>
+                  <a:tcPr anchor="ctr">
+                    <a:lnL w="12700" cap="flat" cmpd="sng" algn="ctr">
+                      <a:solidFill>
+                        <a:schemeClr val="tx1"/>
+                      </a:solidFill>
+                      <a:prstDash val="solid"/>
+                      <a:round/>
+                      <a:headEnd type="none" w="med" len="med"/>
+                      <a:tailEnd type="none" w="med" len="med"/>
+                    </a:lnL>
+                    <a:lnR w="12700" cap="flat" cmpd="sng" algn="ctr">
+                      <a:solidFill>
+                        <a:schemeClr val="tx1"/>
+                      </a:solidFill>
+                      <a:prstDash val="solid"/>
+                      <a:round/>
+                      <a:headEnd type="none" w="med" len="med"/>
+                      <a:tailEnd type="none" w="med" len="med"/>
+                    </a:lnR>
+                    <a:lnT w="12700" cap="flat" cmpd="sng" algn="ctr">
+                      <a:solidFill>
+                        <a:schemeClr val="tx1"/>
+                      </a:solidFill>
+                      <a:prstDash val="solid"/>
+                      <a:round/>
+                      <a:headEnd type="none" w="med" len="med"/>
+                      <a:tailEnd type="none" w="med" len="med"/>
+                    </a:lnT>
+                    <a:lnB w="12700" cap="flat" cmpd="sng" algn="ctr">
+                      <a:solidFill>
+                        <a:schemeClr val="tx1"/>
+                      </a:solidFill>
+                      <a:prstDash val="solid"/>
+                      <a:round/>
+                      <a:headEnd type="none" w="med" len="med"/>
+                      <a:tailEnd type="none" w="med" len="med"/>
+                    </a:lnB>
+                  </a:tcPr>
+                </a:tc>
+                <a:tc>
+                  <a:txBody>
+                    <a:bodyPr/>
+                    <a:lstStyle/>
+                    <a:p>
+                      <a:pPr algn="ctr" latinLnBrk="1"/>
+                      <a:endParaRPr lang="ko-KR" altLang="en-US"/>
+                    </a:p>
+                  </a:txBody>
+                  <a:tcPr anchor="ctr">
+                    <a:lnL w="12700" cap="flat" cmpd="sng" algn="ctr">
+                      <a:solidFill>
+                        <a:schemeClr val="tx1"/>
+                      </a:solidFill>
+                      <a:prstDash val="solid"/>
+                      <a:round/>
+                      <a:headEnd type="none" w="med" len="med"/>
+                      <a:tailEnd type="none" w="med" len="med"/>
+                    </a:lnL>
+                    <a:lnR w="12700" cap="flat" cmpd="sng" algn="ctr">
+                      <a:solidFill>
+                        <a:schemeClr val="tx1"/>
+                      </a:solidFill>
+                      <a:prstDash val="solid"/>
+                      <a:round/>
+                      <a:headEnd type="none" w="med" len="med"/>
+                      <a:tailEnd type="none" w="med" len="med"/>
+                    </a:lnR>
+                    <a:lnT w="12700" cap="flat" cmpd="sng" algn="ctr">
+                      <a:solidFill>
+                        <a:schemeClr val="tx1"/>
+                      </a:solidFill>
+                      <a:prstDash val="solid"/>
+                      <a:round/>
+                      <a:headEnd type="none" w="med" len="med"/>
+                      <a:tailEnd type="none" w="med" len="med"/>
+                    </a:lnT>
+                    <a:lnB w="12700" cap="flat" cmpd="sng" algn="ctr">
+                      <a:solidFill>
+                        <a:schemeClr val="tx1"/>
+                      </a:solidFill>
+                      <a:prstDash val="solid"/>
+                      <a:round/>
+                      <a:headEnd type="none" w="med" len="med"/>
+                      <a:tailEnd type="none" w="med" len="med"/>
+                    </a:lnB>
+                  </a:tcPr>
+                </a:tc>
+                <a:tc>
+                  <a:txBody>
+                    <a:bodyPr/>
+                    <a:lstStyle/>
+                    <a:p>
+                      <a:pPr algn="ctr" latinLnBrk="1"/>
+                      <a:endParaRPr lang="ko-KR" altLang="en-US"/>
+                    </a:p>
+                  </a:txBody>
+                  <a:tcPr anchor="ctr">
+                    <a:lnL w="12700" cap="flat" cmpd="sng" algn="ctr">
+                      <a:solidFill>
+                        <a:schemeClr val="tx1"/>
+                      </a:solidFill>
+                      <a:prstDash val="solid"/>
+                      <a:round/>
+                      <a:headEnd type="none" w="med" len="med"/>
+                      <a:tailEnd type="none" w="med" len="med"/>
+                    </a:lnL>
+                    <a:lnR w="12700" cap="flat" cmpd="sng" algn="ctr">
+                      <a:solidFill>
+                        <a:schemeClr val="tx1"/>
+                      </a:solidFill>
+                      <a:prstDash val="solid"/>
+                      <a:round/>
+                      <a:headEnd type="none" w="med" len="med"/>
+                      <a:tailEnd type="none" w="med" len="med"/>
+                    </a:lnR>
+                    <a:lnT w="12700" cap="flat" cmpd="sng" algn="ctr">
+                      <a:solidFill>
+                        <a:schemeClr val="tx1"/>
+                      </a:solidFill>
+                      <a:prstDash val="solid"/>
+                      <a:round/>
+                      <a:headEnd type="none" w="med" len="med"/>
+                      <a:tailEnd type="none" w="med" len="med"/>
+                    </a:lnT>
+                    <a:lnB w="12700" cap="flat" cmpd="sng" algn="ctr">
+                      <a:solidFill>
+                        <a:schemeClr val="tx1"/>
+                      </a:solidFill>
+                      <a:prstDash val="solid"/>
+                      <a:round/>
+                      <a:headEnd type="none" w="med" len="med"/>
+                      <a:tailEnd type="none" w="med" len="med"/>
+                    </a:lnB>
+                  </a:tcPr>
+                </a:tc>
+                <a:tc>
+                  <a:txBody>
+                    <a:bodyPr/>
+                    <a:lstStyle/>
+                    <a:p>
+                      <a:pPr algn="ctr" latinLnBrk="1"/>
+                      <a:endParaRPr lang="ko-KR" altLang="en-US"/>
+                    </a:p>
+                  </a:txBody>
+                  <a:tcPr anchor="ctr">
+                    <a:lnL w="12700" cap="flat" cmpd="sng" algn="ctr">
+                      <a:solidFill>
+                        <a:schemeClr val="tx1"/>
+                      </a:solidFill>
+                      <a:prstDash val="solid"/>
+                      <a:round/>
+                      <a:headEnd type="none" w="med" len="med"/>
+                      <a:tailEnd type="none" w="med" len="med"/>
+                    </a:lnL>
+                    <a:lnR w="12700" cap="flat" cmpd="sng" algn="ctr">
+                      <a:solidFill>
+                        <a:schemeClr val="tx1"/>
+                      </a:solidFill>
+                      <a:prstDash val="solid"/>
+                      <a:round/>
+                      <a:headEnd type="none" w="med" len="med"/>
+                      <a:tailEnd type="none" w="med" len="med"/>
+                    </a:lnR>
+                    <a:lnT w="12700" cap="flat" cmpd="sng" algn="ctr">
+                      <a:solidFill>
+                        <a:schemeClr val="tx1"/>
+                      </a:solidFill>
+                      <a:prstDash val="solid"/>
+                      <a:round/>
+                      <a:headEnd type="none" w="med" len="med"/>
+                      <a:tailEnd type="none" w="med" len="med"/>
+                    </a:lnT>
+                    <a:lnB w="12700" cap="flat" cmpd="sng" algn="ctr">
+                      <a:solidFill>
+                        <a:schemeClr val="tx1"/>
+                      </a:solidFill>
+                      <a:prstDash val="solid"/>
+                      <a:round/>
+                      <a:headEnd type="none" w="med" len="med"/>
+                      <a:tailEnd type="none" w="med" len="med"/>
+                    </a:lnB>
+                  </a:tcPr>
+                </a:tc>
+                <a:tc>
+                  <a:txBody>
+                    <a:bodyPr/>
+                    <a:lstStyle/>
+                    <a:p>
+                      <a:pPr algn="ctr" latinLnBrk="1"/>
+                      <a:endParaRPr lang="ko-KR" altLang="en-US"/>
+                    </a:p>
+                  </a:txBody>
+                  <a:tcPr anchor="ctr">
+                    <a:lnL w="12700" cap="flat" cmpd="sng" algn="ctr">
+                      <a:solidFill>
+                        <a:schemeClr val="tx1"/>
+                      </a:solidFill>
+                      <a:prstDash val="solid"/>
+                      <a:round/>
+                      <a:headEnd type="none" w="med" len="med"/>
+                      <a:tailEnd type="none" w="med" len="med"/>
+                    </a:lnL>
+                    <a:lnR w="12700" cap="flat" cmpd="sng" algn="ctr">
+                      <a:solidFill>
+                        <a:schemeClr val="tx1"/>
+                      </a:solidFill>
+                      <a:prstDash val="solid"/>
+                      <a:round/>
+                      <a:headEnd type="none" w="med" len="med"/>
+                      <a:tailEnd type="none" w="med" len="med"/>
+                    </a:lnR>
+                    <a:lnT w="12700" cap="flat" cmpd="sng" algn="ctr">
+                      <a:solidFill>
+                        <a:schemeClr val="tx1"/>
+                      </a:solidFill>
+                      <a:prstDash val="solid"/>
+                      <a:round/>
+                      <a:headEnd type="none" w="med" len="med"/>
+                      <a:tailEnd type="none" w="med" len="med"/>
+                    </a:lnT>
+                    <a:lnB w="12700" cap="flat" cmpd="sng" algn="ctr">
+                      <a:solidFill>
+                        <a:schemeClr val="tx1"/>
+                      </a:solidFill>
+                      <a:prstDash val="solid"/>
+                      <a:round/>
+                      <a:headEnd type="none" w="med" len="med"/>
+                      <a:tailEnd type="none" w="med" len="med"/>
+                    </a:lnB>
+                  </a:tcPr>
+                </a:tc>
+                <a:tc>
+                  <a:txBody>
+                    <a:bodyPr/>
+                    <a:lstStyle/>
+                    <a:p>
+                      <a:pPr algn="ctr" latinLnBrk="1"/>
+                      <a:endParaRPr lang="ko-KR" altLang="en-US"/>
+                    </a:p>
+                  </a:txBody>
+                  <a:tcPr anchor="ctr">
+                    <a:lnL w="12700" cap="flat" cmpd="sng" algn="ctr">
+                      <a:solidFill>
+                        <a:schemeClr val="tx1"/>
+                      </a:solidFill>
+                      <a:prstDash val="solid"/>
+                      <a:round/>
+                      <a:headEnd type="none" w="med" len="med"/>
+                      <a:tailEnd type="none" w="med" len="med"/>
+                    </a:lnL>
+                    <a:lnR w="12700" cap="flat" cmpd="sng" algn="ctr">
+                      <a:solidFill>
+                        <a:schemeClr val="tx1"/>
+                      </a:solidFill>
+                      <a:prstDash val="solid"/>
+                      <a:round/>
+                      <a:headEnd type="none" w="med" len="med"/>
+                      <a:tailEnd type="none" w="med" len="med"/>
+                    </a:lnR>
+                    <a:lnT w="12700" cap="flat" cmpd="sng" algn="ctr">
+                      <a:solidFill>
+                        <a:schemeClr val="tx1"/>
+                      </a:solidFill>
+                      <a:prstDash val="solid"/>
+                      <a:round/>
+                      <a:headEnd type="none" w="med" len="med"/>
+                      <a:tailEnd type="none" w="med" len="med"/>
+                    </a:lnT>
+                    <a:lnB w="12700" cap="flat" cmpd="sng" algn="ctr">
+                      <a:solidFill>
+                        <a:schemeClr val="tx1"/>
+                      </a:solidFill>
+                      <a:prstDash val="solid"/>
+                      <a:round/>
+                      <a:headEnd type="none" w="med" len="med"/>
+                      <a:tailEnd type="none" w="med" len="med"/>
+                    </a:lnB>
+                  </a:tcPr>
+                </a:tc>
+              </a:tr>
+              <a:tr h="550072">
+                <a:tc>
+                  <a:txBody>
+                    <a:bodyPr/>
+                    <a:lstStyle/>
+                    <a:p>
+                      <a:pPr marL="0" marR="0" indent="0" algn="ctr" defTabSz="914400" rtl="0" eaLnBrk="1" fontAlgn="auto" latinLnBrk="1" hangingPunct="1">
+                        <a:lnSpc>
+                          <a:spcPct val="100000"/>
+                        </a:lnSpc>
+                        <a:spcBef>
+                          <a:spcPts val="0"/>
+                        </a:spcBef>
+                        <a:spcAft>
+                          <a:spcPts val="0"/>
+                        </a:spcAft>
+                        <a:buClrTx/>
+                        <a:buSzTx/>
+                        <a:buFontTx/>
+                        <a:buNone/>
+                        <a:tabLst/>
+                        <a:defRPr/>
+                      </a:pPr>
+                      <a:r>
+                        <a:rPr lang="en-US" altLang="ko-KR" dirty="0" smtClean="0"/>
+                        <a:t>3,0</a:t>
+                      </a:r>
+                    </a:p>
+                  </a:txBody>
+                  <a:tcPr anchor="ctr">
+                    <a:lnL w="12700" cap="flat" cmpd="sng" algn="ctr">
+                      <a:solidFill>
+                        <a:schemeClr val="tx1"/>
+                      </a:solidFill>
+                      <a:prstDash val="solid"/>
+                      <a:round/>
+                      <a:headEnd type="none" w="med" len="med"/>
+                      <a:tailEnd type="none" w="med" len="med"/>
+                    </a:lnL>
+                    <a:lnR w="12700" cap="flat" cmpd="sng" algn="ctr">
+                      <a:solidFill>
+                        <a:schemeClr val="tx1"/>
+                      </a:solidFill>
+                      <a:prstDash val="solid"/>
+                      <a:round/>
+                      <a:headEnd type="none" w="med" len="med"/>
+                      <a:tailEnd type="none" w="med" len="med"/>
+                    </a:lnR>
+                    <a:lnT w="12700" cap="flat" cmpd="sng" algn="ctr">
+                      <a:solidFill>
+                        <a:schemeClr val="tx1"/>
+                      </a:solidFill>
+                      <a:prstDash val="solid"/>
+                      <a:round/>
+                      <a:headEnd type="none" w="med" len="med"/>
+                      <a:tailEnd type="none" w="med" len="med"/>
+                    </a:lnT>
+                    <a:lnB w="12700" cap="flat" cmpd="sng" algn="ctr">
+                      <a:solidFill>
+                        <a:schemeClr val="tx1"/>
+                      </a:solidFill>
+                      <a:prstDash val="solid"/>
+                      <a:round/>
+                      <a:headEnd type="none" w="med" len="med"/>
+                      <a:tailEnd type="none" w="med" len="med"/>
+                    </a:lnB>
+                  </a:tcPr>
+                </a:tc>
+                <a:tc>
+                  <a:txBody>
+                    <a:bodyPr/>
+                    <a:lstStyle/>
+                    <a:p>
+                      <a:pPr algn="ctr" latinLnBrk="1"/>
+                      <a:endParaRPr lang="ko-KR" altLang="en-US"/>
+                    </a:p>
+                  </a:txBody>
+                  <a:tcPr anchor="ctr">
+                    <a:lnL w="12700" cap="flat" cmpd="sng" algn="ctr">
+                      <a:solidFill>
+                        <a:schemeClr val="tx1"/>
+                      </a:solidFill>
+                      <a:prstDash val="solid"/>
+                      <a:round/>
+                      <a:headEnd type="none" w="med" len="med"/>
+                      <a:tailEnd type="none" w="med" len="med"/>
+                    </a:lnL>
+                    <a:lnR w="12700" cap="flat" cmpd="sng" algn="ctr">
+                      <a:solidFill>
+                        <a:schemeClr val="tx1"/>
+                      </a:solidFill>
+                      <a:prstDash val="solid"/>
+                      <a:round/>
+                      <a:headEnd type="none" w="med" len="med"/>
+                      <a:tailEnd type="none" w="med" len="med"/>
+                    </a:lnR>
+                    <a:lnT w="12700" cap="flat" cmpd="sng" algn="ctr">
+                      <a:solidFill>
+                        <a:schemeClr val="tx1"/>
+                      </a:solidFill>
+                      <a:prstDash val="solid"/>
+                      <a:round/>
+                      <a:headEnd type="none" w="med" len="med"/>
+                      <a:tailEnd type="none" w="med" len="med"/>
+                    </a:lnT>
+                    <a:lnB w="12700" cap="flat" cmpd="sng" algn="ctr">
+                      <a:solidFill>
+                        <a:schemeClr val="tx1"/>
+                      </a:solidFill>
+                      <a:prstDash val="solid"/>
+                      <a:round/>
+                      <a:headEnd type="none" w="med" len="med"/>
+                      <a:tailEnd type="none" w="med" len="med"/>
+                    </a:lnB>
+                  </a:tcPr>
+                </a:tc>
+                <a:tc>
+                  <a:txBody>
+                    <a:bodyPr/>
+                    <a:lstStyle/>
+                    <a:p>
+                      <a:pPr algn="ctr" latinLnBrk="1"/>
+                      <a:endParaRPr lang="ko-KR" altLang="en-US"/>
+                    </a:p>
+                  </a:txBody>
+                  <a:tcPr anchor="ctr">
+                    <a:lnL w="12700" cap="flat" cmpd="sng" algn="ctr">
+                      <a:solidFill>
+                        <a:schemeClr val="tx1"/>
+                      </a:solidFill>
+                      <a:prstDash val="solid"/>
+                      <a:round/>
+                      <a:headEnd type="none" w="med" len="med"/>
+                      <a:tailEnd type="none" w="med" len="med"/>
+                    </a:lnL>
+                    <a:lnR w="12700" cap="flat" cmpd="sng" algn="ctr">
+                      <a:solidFill>
+                        <a:schemeClr val="tx1"/>
+                      </a:solidFill>
+                      <a:prstDash val="solid"/>
+                      <a:round/>
+                      <a:headEnd type="none" w="med" len="med"/>
+                      <a:tailEnd type="none" w="med" len="med"/>
+                    </a:lnR>
+                    <a:lnT w="12700" cap="flat" cmpd="sng" algn="ctr">
+                      <a:solidFill>
+                        <a:schemeClr val="tx1"/>
+                      </a:solidFill>
+                      <a:prstDash val="solid"/>
+                      <a:round/>
+                      <a:headEnd type="none" w="med" len="med"/>
+                      <a:tailEnd type="none" w="med" len="med"/>
+                    </a:lnT>
+                    <a:lnB w="12700" cap="flat" cmpd="sng" algn="ctr">
+                      <a:solidFill>
+                        <a:schemeClr val="tx1"/>
+                      </a:solidFill>
+                      <a:prstDash val="solid"/>
+                      <a:round/>
+                      <a:headEnd type="none" w="med" len="med"/>
+                      <a:tailEnd type="none" w="med" len="med"/>
+                    </a:lnB>
+                  </a:tcPr>
+                </a:tc>
+                <a:tc>
+                  <a:txBody>
+                    <a:bodyPr/>
+                    <a:lstStyle/>
+                    <a:p>
+                      <a:pPr algn="ctr" latinLnBrk="1"/>
+                      <a:endParaRPr lang="ko-KR" altLang="en-US" dirty="0"/>
+                    </a:p>
+                  </a:txBody>
+                  <a:tcPr anchor="ctr">
+                    <a:lnL w="12700" cap="flat" cmpd="sng" algn="ctr">
+                      <a:solidFill>
+                        <a:schemeClr val="tx1"/>
+                      </a:solidFill>
+                      <a:prstDash val="solid"/>
+                      <a:round/>
+                      <a:headEnd type="none" w="med" len="med"/>
+                      <a:tailEnd type="none" w="med" len="med"/>
+                    </a:lnL>
+                    <a:lnR w="12700" cap="flat" cmpd="sng" algn="ctr">
+                      <a:solidFill>
+                        <a:schemeClr val="tx1"/>
+                      </a:solidFill>
+                      <a:prstDash val="solid"/>
+                      <a:round/>
+                      <a:headEnd type="none" w="med" len="med"/>
+                      <a:tailEnd type="none" w="med" len="med"/>
+                    </a:lnR>
+                    <a:lnT w="12700" cap="flat" cmpd="sng" algn="ctr">
+                      <a:solidFill>
+                        <a:schemeClr val="tx1"/>
+                      </a:solidFill>
+                      <a:prstDash val="solid"/>
+                      <a:round/>
+                      <a:headEnd type="none" w="med" len="med"/>
+                      <a:tailEnd type="none" w="med" len="med"/>
+                    </a:lnT>
+                    <a:lnB w="12700" cap="flat" cmpd="sng" algn="ctr">
+                      <a:solidFill>
+                        <a:schemeClr val="tx1"/>
+                      </a:solidFill>
+                      <a:prstDash val="solid"/>
+                      <a:round/>
+                      <a:headEnd type="none" w="med" len="med"/>
+                      <a:tailEnd type="none" w="med" len="med"/>
+                    </a:lnB>
+                  </a:tcPr>
+                </a:tc>
+                <a:tc>
+                  <a:txBody>
+                    <a:bodyPr/>
+                    <a:lstStyle/>
+                    <a:p>
+                      <a:pPr algn="ctr" latinLnBrk="1"/>
+                      <a:endParaRPr lang="ko-KR" altLang="en-US" dirty="0"/>
+                    </a:p>
+                  </a:txBody>
+                  <a:tcPr anchor="ctr">
+                    <a:lnL w="12700" cap="flat" cmpd="sng" algn="ctr">
+                      <a:solidFill>
+                        <a:schemeClr val="tx1"/>
+                      </a:solidFill>
+                      <a:prstDash val="solid"/>
+                      <a:round/>
+                      <a:headEnd type="none" w="med" len="med"/>
+                      <a:tailEnd type="none" w="med" len="med"/>
+                    </a:lnL>
+                    <a:lnR w="12700" cap="flat" cmpd="sng" algn="ctr">
+                      <a:solidFill>
+                        <a:schemeClr val="tx1"/>
+                      </a:solidFill>
+                      <a:prstDash val="solid"/>
+                      <a:round/>
+                      <a:headEnd type="none" w="med" len="med"/>
+                      <a:tailEnd type="none" w="med" len="med"/>
+                    </a:lnR>
+                    <a:lnT w="12700" cap="flat" cmpd="sng" algn="ctr">
+                      <a:solidFill>
+                        <a:schemeClr val="tx1"/>
+                      </a:solidFill>
+                      <a:prstDash val="solid"/>
+                      <a:round/>
+                      <a:headEnd type="none" w="med" len="med"/>
+                      <a:tailEnd type="none" w="med" len="med"/>
+                    </a:lnT>
+                    <a:lnB w="12700" cap="flat" cmpd="sng" algn="ctr">
+                      <a:solidFill>
+                        <a:schemeClr val="tx1"/>
+                      </a:solidFill>
+                      <a:prstDash val="solid"/>
+                      <a:round/>
+                      <a:headEnd type="none" w="med" len="med"/>
+                      <a:tailEnd type="none" w="med" len="med"/>
+                    </a:lnB>
+                  </a:tcPr>
+                </a:tc>
+                <a:tc>
+                  <a:txBody>
+                    <a:bodyPr/>
+                    <a:lstStyle/>
+                    <a:p>
+                      <a:pPr algn="ctr" latinLnBrk="1"/>
+                      <a:endParaRPr lang="ko-KR" altLang="en-US"/>
+                    </a:p>
+                  </a:txBody>
+                  <a:tcPr anchor="ctr">
+                    <a:lnL w="12700" cap="flat" cmpd="sng" algn="ctr">
+                      <a:solidFill>
+                        <a:schemeClr val="tx1"/>
+                      </a:solidFill>
+                      <a:prstDash val="solid"/>
+                      <a:round/>
+                      <a:headEnd type="none" w="med" len="med"/>
+                      <a:tailEnd type="none" w="med" len="med"/>
+                    </a:lnL>
+                    <a:lnR w="12700" cap="flat" cmpd="sng" algn="ctr">
+                      <a:solidFill>
+                        <a:schemeClr val="tx1"/>
+                      </a:solidFill>
+                      <a:prstDash val="solid"/>
+                      <a:round/>
+                      <a:headEnd type="none" w="med" len="med"/>
+                      <a:tailEnd type="none" w="med" len="med"/>
+                    </a:lnR>
+                    <a:lnT w="12700" cap="flat" cmpd="sng" algn="ctr">
+                      <a:solidFill>
+                        <a:schemeClr val="tx1"/>
+                      </a:solidFill>
+                      <a:prstDash val="solid"/>
+                      <a:round/>
+                      <a:headEnd type="none" w="med" len="med"/>
+                      <a:tailEnd type="none" w="med" len="med"/>
+                    </a:lnT>
+                    <a:lnB w="12700" cap="flat" cmpd="sng" algn="ctr">
+                      <a:solidFill>
+                        <a:schemeClr val="tx1"/>
+                      </a:solidFill>
+                      <a:prstDash val="solid"/>
+                      <a:round/>
+                      <a:headEnd type="none" w="med" len="med"/>
+                      <a:tailEnd type="none" w="med" len="med"/>
+                    </a:lnB>
+                  </a:tcPr>
+                </a:tc>
+                <a:tc>
+                  <a:txBody>
+                    <a:bodyPr/>
+                    <a:lstStyle/>
+                    <a:p>
+                      <a:pPr algn="ctr" latinLnBrk="1"/>
+                      <a:endParaRPr lang="ko-KR" altLang="en-US"/>
+                    </a:p>
+                  </a:txBody>
+                  <a:tcPr anchor="ctr">
+                    <a:lnL w="12700" cap="flat" cmpd="sng" algn="ctr">
+                      <a:solidFill>
+                        <a:schemeClr val="tx1"/>
+                      </a:solidFill>
+                      <a:prstDash val="solid"/>
+                      <a:round/>
+                      <a:headEnd type="none" w="med" len="med"/>
+                      <a:tailEnd type="none" w="med" len="med"/>
+                    </a:lnL>
+                    <a:lnR w="12700" cap="flat" cmpd="sng" algn="ctr">
+                      <a:solidFill>
+                        <a:schemeClr val="tx1"/>
+                      </a:solidFill>
+                      <a:prstDash val="solid"/>
+                      <a:round/>
+                      <a:headEnd type="none" w="med" len="med"/>
+                      <a:tailEnd type="none" w="med" len="med"/>
+                    </a:lnR>
+                    <a:lnT w="12700" cap="flat" cmpd="sng" algn="ctr">
+                      <a:solidFill>
+                        <a:schemeClr val="tx1"/>
+                      </a:solidFill>
+                      <a:prstDash val="solid"/>
+                      <a:round/>
+                      <a:headEnd type="none" w="med" len="med"/>
+                      <a:tailEnd type="none" w="med" len="med"/>
+                    </a:lnT>
+                    <a:lnB w="12700" cap="flat" cmpd="sng" algn="ctr">
+                      <a:solidFill>
+                        <a:schemeClr val="tx1"/>
+                      </a:solidFill>
+                      <a:prstDash val="solid"/>
+                      <a:round/>
+                      <a:headEnd type="none" w="med" len="med"/>
+                      <a:tailEnd type="none" w="med" len="med"/>
+                    </a:lnB>
+                  </a:tcPr>
+                </a:tc>
+                <a:tc>
+                  <a:txBody>
+                    <a:bodyPr/>
+                    <a:lstStyle/>
+                    <a:p>
+                      <a:pPr algn="ctr" latinLnBrk="1"/>
+                      <a:endParaRPr lang="ko-KR" altLang="en-US"/>
+                    </a:p>
+                  </a:txBody>
+                  <a:tcPr anchor="ctr">
+                    <a:lnL w="12700" cap="flat" cmpd="sng" algn="ctr">
+                      <a:solidFill>
+                        <a:schemeClr val="tx1"/>
+                      </a:solidFill>
+                      <a:prstDash val="solid"/>
+                      <a:round/>
+                      <a:headEnd type="none" w="med" len="med"/>
+                      <a:tailEnd type="none" w="med" len="med"/>
+                    </a:lnL>
+                    <a:lnR w="12700" cap="flat" cmpd="sng" algn="ctr">
+                      <a:solidFill>
+                        <a:schemeClr val="tx1"/>
+                      </a:solidFill>
+                      <a:prstDash val="solid"/>
+                      <a:round/>
+                      <a:headEnd type="none" w="med" len="med"/>
+                      <a:tailEnd type="none" w="med" len="med"/>
+                    </a:lnR>
+                    <a:lnT w="12700" cap="flat" cmpd="sng" algn="ctr">
+                      <a:solidFill>
+                        <a:schemeClr val="tx1"/>
+                      </a:solidFill>
+                      <a:prstDash val="solid"/>
+                      <a:round/>
+                      <a:headEnd type="none" w="med" len="med"/>
+                      <a:tailEnd type="none" w="med" len="med"/>
+                    </a:lnT>
+                    <a:lnB w="12700" cap="flat" cmpd="sng" algn="ctr">
+                      <a:solidFill>
+                        <a:schemeClr val="tx1"/>
+                      </a:solidFill>
+                      <a:prstDash val="solid"/>
+                      <a:round/>
+                      <a:headEnd type="none" w="med" len="med"/>
+                      <a:tailEnd type="none" w="med" len="med"/>
+                    </a:lnB>
+                  </a:tcPr>
+                </a:tc>
+                <a:tc>
+                  <a:txBody>
+                    <a:bodyPr/>
+                    <a:lstStyle/>
+                    <a:p>
+                      <a:pPr algn="ctr" latinLnBrk="1"/>
+                      <a:endParaRPr lang="ko-KR" altLang="en-US"/>
+                    </a:p>
+                  </a:txBody>
+                  <a:tcPr anchor="ctr">
+                    <a:lnL w="12700" cap="flat" cmpd="sng" algn="ctr">
+                      <a:solidFill>
+                        <a:schemeClr val="tx1"/>
+                      </a:solidFill>
+                      <a:prstDash val="solid"/>
+                      <a:round/>
+                      <a:headEnd type="none" w="med" len="med"/>
+                      <a:tailEnd type="none" w="med" len="med"/>
+                    </a:lnL>
+                    <a:lnR w="12700" cap="flat" cmpd="sng" algn="ctr">
+                      <a:solidFill>
+                        <a:schemeClr val="tx1"/>
+                      </a:solidFill>
+                      <a:prstDash val="solid"/>
+                      <a:round/>
+                      <a:headEnd type="none" w="med" len="med"/>
+                      <a:tailEnd type="none" w="med" len="med"/>
+                    </a:lnR>
+                    <a:lnT w="12700" cap="flat" cmpd="sng" algn="ctr">
+                      <a:solidFill>
+                        <a:schemeClr val="tx1"/>
+                      </a:solidFill>
+                      <a:prstDash val="solid"/>
+                      <a:round/>
+                      <a:headEnd type="none" w="med" len="med"/>
+                      <a:tailEnd type="none" w="med" len="med"/>
+                    </a:lnT>
+                    <a:lnB w="12700" cap="flat" cmpd="sng" algn="ctr">
+                      <a:solidFill>
+                        <a:schemeClr val="tx1"/>
+                      </a:solidFill>
+                      <a:prstDash val="solid"/>
+                      <a:round/>
+                      <a:headEnd type="none" w="med" len="med"/>
+                      <a:tailEnd type="none" w="med" len="med"/>
+                    </a:lnB>
+                  </a:tcPr>
+                </a:tc>
+                <a:tc>
+                  <a:txBody>
+                    <a:bodyPr/>
+                    <a:lstStyle/>
+                    <a:p>
+                      <a:pPr algn="ctr" latinLnBrk="1"/>
+                      <a:endParaRPr lang="ko-KR" altLang="en-US"/>
+                    </a:p>
+                  </a:txBody>
+                  <a:tcPr anchor="ctr">
+                    <a:lnL w="12700" cap="flat" cmpd="sng" algn="ctr">
+                      <a:solidFill>
+                        <a:schemeClr val="tx1"/>
+                      </a:solidFill>
+                      <a:prstDash val="solid"/>
+                      <a:round/>
+                      <a:headEnd type="none" w="med" len="med"/>
+                      <a:tailEnd type="none" w="med" len="med"/>
+                    </a:lnL>
+                    <a:lnR w="12700" cap="flat" cmpd="sng" algn="ctr">
+                      <a:solidFill>
+                        <a:schemeClr val="tx1"/>
+                      </a:solidFill>
+                      <a:prstDash val="solid"/>
+                      <a:round/>
+                      <a:headEnd type="none" w="med" len="med"/>
+                      <a:tailEnd type="none" w="med" len="med"/>
+                    </a:lnR>
+                    <a:lnT w="12700" cap="flat" cmpd="sng" algn="ctr">
+                      <a:solidFill>
+                        <a:schemeClr val="tx1"/>
+                      </a:solidFill>
+                      <a:prstDash val="solid"/>
+                      <a:round/>
+                      <a:headEnd type="none" w="med" len="med"/>
+                      <a:tailEnd type="none" w="med" len="med"/>
+                    </a:lnT>
+                    <a:lnB w="12700" cap="flat" cmpd="sng" algn="ctr">
+                      <a:solidFill>
+                        <a:schemeClr val="tx1"/>
+                      </a:solidFill>
+                      <a:prstDash val="solid"/>
+                      <a:round/>
+                      <a:headEnd type="none" w="med" len="med"/>
+                      <a:tailEnd type="none" w="med" len="med"/>
+                    </a:lnB>
+                  </a:tcPr>
+                </a:tc>
+              </a:tr>
+              <a:tr h="550072">
+                <a:tc>
+                  <a:txBody>
+                    <a:bodyPr/>
+                    <a:lstStyle/>
+                    <a:p>
+                      <a:pPr algn="ctr" latinLnBrk="1"/>
+                      <a:r>
+                        <a:rPr lang="en-US" altLang="ko-KR" dirty="0" smtClean="0"/>
+                        <a:t>4,0</a:t>
+                      </a:r>
+                      <a:endParaRPr lang="ko-KR" altLang="en-US" dirty="0"/>
+                    </a:p>
+                  </a:txBody>
+                  <a:tcPr anchor="ctr">
+                    <a:lnL w="12700" cap="flat" cmpd="sng" algn="ctr">
+                      <a:solidFill>
+                        <a:schemeClr val="tx1"/>
+                      </a:solidFill>
+                      <a:prstDash val="solid"/>
+                      <a:round/>
+                      <a:headEnd type="none" w="med" len="med"/>
+                      <a:tailEnd type="none" w="med" len="med"/>
+                    </a:lnL>
+                    <a:lnR w="12700" cap="flat" cmpd="sng" algn="ctr">
+                      <a:solidFill>
+                        <a:schemeClr val="tx1"/>
+                      </a:solidFill>
+                      <a:prstDash val="solid"/>
+                      <a:round/>
+                      <a:headEnd type="none" w="med" len="med"/>
+                      <a:tailEnd type="none" w="med" len="med"/>
+                    </a:lnR>
+                    <a:lnT w="12700" cap="flat" cmpd="sng" algn="ctr">
+                      <a:solidFill>
+                        <a:schemeClr val="tx1"/>
+                      </a:solidFill>
+                      <a:prstDash val="solid"/>
+                      <a:round/>
+                      <a:headEnd type="none" w="med" len="med"/>
+                      <a:tailEnd type="none" w="med" len="med"/>
+                    </a:lnT>
+                    <a:lnB w="12700" cap="flat" cmpd="sng" algn="ctr">
+                      <a:solidFill>
+                        <a:schemeClr val="tx1"/>
+                      </a:solidFill>
+                      <a:prstDash val="solid"/>
+                      <a:round/>
+                      <a:headEnd type="none" w="med" len="med"/>
+                      <a:tailEnd type="none" w="med" len="med"/>
+                    </a:lnB>
+                  </a:tcPr>
+                </a:tc>
+                <a:tc>
+                  <a:txBody>
+                    <a:bodyPr/>
+                    <a:lstStyle/>
+                    <a:p>
+                      <a:pPr algn="ctr" latinLnBrk="1"/>
+                      <a:endParaRPr lang="ko-KR" altLang="en-US"/>
+                    </a:p>
+                  </a:txBody>
+                  <a:tcPr anchor="ctr">
+                    <a:lnL w="12700" cap="flat" cmpd="sng" algn="ctr">
+                      <a:solidFill>
+                        <a:schemeClr val="tx1"/>
+                      </a:solidFill>
+                      <a:prstDash val="solid"/>
+                      <a:round/>
+                      <a:headEnd type="none" w="med" len="med"/>
+                      <a:tailEnd type="none" w="med" len="med"/>
+                    </a:lnL>
+                    <a:lnR w="12700" cap="flat" cmpd="sng" algn="ctr">
+                      <a:solidFill>
+                        <a:schemeClr val="tx1"/>
+                      </a:solidFill>
+                      <a:prstDash val="solid"/>
+                      <a:round/>
+                      <a:headEnd type="none" w="med" len="med"/>
+                      <a:tailEnd type="none" w="med" len="med"/>
+                    </a:lnR>
+                    <a:lnT w="12700" cap="flat" cmpd="sng" algn="ctr">
+                      <a:solidFill>
+                        <a:schemeClr val="tx1"/>
+                      </a:solidFill>
+                      <a:prstDash val="solid"/>
+                      <a:round/>
+                      <a:headEnd type="none" w="med" len="med"/>
+                      <a:tailEnd type="none" w="med" len="med"/>
+                    </a:lnT>
+                    <a:lnB w="12700" cap="flat" cmpd="sng" algn="ctr">
+                      <a:solidFill>
+                        <a:schemeClr val="tx1"/>
+                      </a:solidFill>
+                      <a:prstDash val="solid"/>
+                      <a:round/>
+                      <a:headEnd type="none" w="med" len="med"/>
+                      <a:tailEnd type="none" w="med" len="med"/>
+                    </a:lnB>
+                  </a:tcPr>
+                </a:tc>
+                <a:tc>
+                  <a:txBody>
+                    <a:bodyPr/>
+                    <a:lstStyle/>
+                    <a:p>
+                      <a:pPr algn="ctr" latinLnBrk="1"/>
+                      <a:endParaRPr lang="ko-KR" altLang="en-US"/>
+                    </a:p>
+                  </a:txBody>
+                  <a:tcPr anchor="ctr">
+                    <a:lnL w="12700" cap="flat" cmpd="sng" algn="ctr">
+                      <a:solidFill>
+                        <a:schemeClr val="tx1"/>
+                      </a:solidFill>
+                      <a:prstDash val="solid"/>
+                      <a:round/>
+                      <a:headEnd type="none" w="med" len="med"/>
+                      <a:tailEnd type="none" w="med" len="med"/>
+                    </a:lnL>
+                    <a:lnR w="12700" cap="flat" cmpd="sng" algn="ctr">
+                      <a:solidFill>
+                        <a:schemeClr val="tx1"/>
+                      </a:solidFill>
+                      <a:prstDash val="solid"/>
+                      <a:round/>
+                      <a:headEnd type="none" w="med" len="med"/>
+                      <a:tailEnd type="none" w="med" len="med"/>
+                    </a:lnR>
+                    <a:lnT w="12700" cap="flat" cmpd="sng" algn="ctr">
+                      <a:solidFill>
+                        <a:schemeClr val="tx1"/>
+                      </a:solidFill>
+                      <a:prstDash val="solid"/>
+                      <a:round/>
+                      <a:headEnd type="none" w="med" len="med"/>
+                      <a:tailEnd type="none" w="med" len="med"/>
+                    </a:lnT>
+                    <a:lnB w="12700" cap="flat" cmpd="sng" algn="ctr">
+                      <a:solidFill>
+                        <a:schemeClr val="tx1"/>
+                      </a:solidFill>
+                      <a:prstDash val="solid"/>
+                      <a:round/>
+                      <a:headEnd type="none" w="med" len="med"/>
+                      <a:tailEnd type="none" w="med" len="med"/>
+                    </a:lnB>
+                  </a:tcPr>
+                </a:tc>
+                <a:tc>
+                  <a:txBody>
+                    <a:bodyPr/>
+                    <a:lstStyle/>
+                    <a:p>
+                      <a:pPr algn="ctr" latinLnBrk="1"/>
+                      <a:endParaRPr lang="ko-KR" altLang="en-US"/>
+                    </a:p>
+                  </a:txBody>
+                  <a:tcPr anchor="ctr">
+                    <a:lnL w="12700" cap="flat" cmpd="sng" algn="ctr">
+                      <a:solidFill>
+                        <a:schemeClr val="tx1"/>
+                      </a:solidFill>
+                      <a:prstDash val="solid"/>
+                      <a:round/>
+                      <a:headEnd type="none" w="med" len="med"/>
+                      <a:tailEnd type="none" w="med" len="med"/>
+                    </a:lnL>
+                    <a:lnR w="12700" cap="flat" cmpd="sng" algn="ctr">
+                      <a:solidFill>
+                        <a:schemeClr val="tx1"/>
+                      </a:solidFill>
+                      <a:prstDash val="solid"/>
+                      <a:round/>
+                      <a:headEnd type="none" w="med" len="med"/>
+                      <a:tailEnd type="none" w="med" len="med"/>
+                    </a:lnR>
+                    <a:lnT w="12700" cap="flat" cmpd="sng" algn="ctr">
+                      <a:solidFill>
+                        <a:schemeClr val="tx1"/>
+                      </a:solidFill>
+                      <a:prstDash val="solid"/>
+                      <a:round/>
+                      <a:headEnd type="none" w="med" len="med"/>
+                      <a:tailEnd type="none" w="med" len="med"/>
+                    </a:lnT>
+                    <a:lnB w="12700" cap="flat" cmpd="sng" algn="ctr">
+                      <a:solidFill>
+                        <a:schemeClr val="tx1"/>
+                      </a:solidFill>
+                      <a:prstDash val="solid"/>
+                      <a:round/>
+                      <a:headEnd type="none" w="med" len="med"/>
+                      <a:tailEnd type="none" w="med" len="med"/>
+                    </a:lnB>
+                  </a:tcPr>
+                </a:tc>
+                <a:tc>
+                  <a:txBody>
+                    <a:bodyPr/>
+                    <a:lstStyle/>
+                    <a:p>
+                      <a:pPr algn="ctr" latinLnBrk="1"/>
+                      <a:endParaRPr lang="ko-KR" altLang="en-US" dirty="0"/>
+                    </a:p>
+                  </a:txBody>
+                  <a:tcPr anchor="ctr">
+                    <a:lnL w="12700" cap="flat" cmpd="sng" algn="ctr">
+                      <a:solidFill>
+                        <a:schemeClr val="tx1"/>
+                      </a:solidFill>
+                      <a:prstDash val="solid"/>
+                      <a:round/>
+                      <a:headEnd type="none" w="med" len="med"/>
+                      <a:tailEnd type="none" w="med" len="med"/>
+                    </a:lnL>
+                    <a:lnR w="12700" cap="flat" cmpd="sng" algn="ctr">
+                      <a:solidFill>
+                        <a:schemeClr val="tx1"/>
+                      </a:solidFill>
+                      <a:prstDash val="solid"/>
+                      <a:round/>
+                      <a:headEnd type="none" w="med" len="med"/>
+                      <a:tailEnd type="none" w="med" len="med"/>
+                    </a:lnR>
+                    <a:lnT w="12700" cap="flat" cmpd="sng" algn="ctr">
+                      <a:solidFill>
+                        <a:schemeClr val="tx1"/>
+                      </a:solidFill>
+                      <a:prstDash val="solid"/>
+                      <a:round/>
+                      <a:headEnd type="none" w="med" len="med"/>
+                      <a:tailEnd type="none" w="med" len="med"/>
+                    </a:lnT>
+                    <a:lnB w="12700" cap="flat" cmpd="sng" algn="ctr">
+                      <a:solidFill>
+                        <a:schemeClr val="tx1"/>
+                      </a:solidFill>
+                      <a:prstDash val="solid"/>
+                      <a:round/>
+                      <a:headEnd type="none" w="med" len="med"/>
+                      <a:tailEnd type="none" w="med" len="med"/>
+                    </a:lnB>
+                  </a:tcPr>
+                </a:tc>
+                <a:tc>
+                  <a:txBody>
+                    <a:bodyPr/>
+                    <a:lstStyle/>
+                    <a:p>
+                      <a:pPr algn="ctr" latinLnBrk="1"/>
+                      <a:endParaRPr lang="ko-KR" altLang="en-US" dirty="0"/>
+                    </a:p>
+                  </a:txBody>
+                  <a:tcPr anchor="ctr">
+                    <a:lnL w="12700" cap="flat" cmpd="sng" algn="ctr">
+                      <a:solidFill>
+                        <a:schemeClr val="tx1"/>
+                      </a:solidFill>
+                      <a:prstDash val="solid"/>
+                      <a:round/>
+                      <a:headEnd type="none" w="med" len="med"/>
+                      <a:tailEnd type="none" w="med" len="med"/>
+                    </a:lnL>
+                    <a:lnR w="12700" cap="flat" cmpd="sng" algn="ctr">
+                      <a:solidFill>
+                        <a:schemeClr val="tx1"/>
+                      </a:solidFill>
+                      <a:prstDash val="solid"/>
+                      <a:round/>
+                      <a:headEnd type="none" w="med" len="med"/>
+                      <a:tailEnd type="none" w="med" len="med"/>
+                    </a:lnR>
+                    <a:lnT w="12700" cap="flat" cmpd="sng" algn="ctr">
+                      <a:solidFill>
+                        <a:schemeClr val="tx1"/>
+                      </a:solidFill>
+                      <a:prstDash val="solid"/>
+                      <a:round/>
+                      <a:headEnd type="none" w="med" len="med"/>
+                      <a:tailEnd type="none" w="med" len="med"/>
+                    </a:lnT>
+                    <a:lnB w="12700" cap="flat" cmpd="sng" algn="ctr">
+                      <a:solidFill>
+                        <a:schemeClr val="tx1"/>
+                      </a:solidFill>
+                      <a:prstDash val="solid"/>
+                      <a:round/>
+                      <a:headEnd type="none" w="med" len="med"/>
+                      <a:tailEnd type="none" w="med" len="med"/>
+                    </a:lnB>
+                  </a:tcPr>
+                </a:tc>
+                <a:tc>
+                  <a:txBody>
+                    <a:bodyPr/>
+                    <a:lstStyle/>
+                    <a:p>
+                      <a:pPr algn="ctr" latinLnBrk="1"/>
+                      <a:endParaRPr lang="ko-KR" altLang="en-US"/>
+                    </a:p>
+                  </a:txBody>
+                  <a:tcPr anchor="ctr">
+                    <a:lnL w="12700" cap="flat" cmpd="sng" algn="ctr">
+                      <a:solidFill>
+                        <a:schemeClr val="tx1"/>
+                      </a:solidFill>
+                      <a:prstDash val="solid"/>
+                      <a:round/>
+                      <a:headEnd type="none" w="med" len="med"/>
+                      <a:tailEnd type="none" w="med" len="med"/>
+                    </a:lnL>
+                    <a:lnR w="12700" cap="flat" cmpd="sng" algn="ctr">
+                      <a:solidFill>
+                        <a:schemeClr val="tx1"/>
+                      </a:solidFill>
+                      <a:prstDash val="solid"/>
+                      <a:round/>
+                      <a:headEnd type="none" w="med" len="med"/>
+                      <a:tailEnd type="none" w="med" len="med"/>
+                    </a:lnR>
+                    <a:lnT w="12700" cap="flat" cmpd="sng" algn="ctr">
+                      <a:solidFill>
+                        <a:schemeClr val="tx1"/>
+                      </a:solidFill>
+                      <a:prstDash val="solid"/>
+                      <a:round/>
+                      <a:headEnd type="none" w="med" len="med"/>
+                      <a:tailEnd type="none" w="med" len="med"/>
+                    </a:lnT>
+                    <a:lnB w="12700" cap="flat" cmpd="sng" algn="ctr">
+                      <a:solidFill>
+                        <a:schemeClr val="tx1"/>
+                      </a:solidFill>
+                      <a:prstDash val="solid"/>
+                      <a:round/>
+                      <a:headEnd type="none" w="med" len="med"/>
+                      <a:tailEnd type="none" w="med" len="med"/>
+                    </a:lnB>
+                  </a:tcPr>
+                </a:tc>
+                <a:tc>
+                  <a:txBody>
+                    <a:bodyPr/>
+                    <a:lstStyle/>
+                    <a:p>
+                      <a:pPr algn="ctr" latinLnBrk="1"/>
+                      <a:endParaRPr lang="ko-KR" altLang="en-US"/>
+                    </a:p>
+                  </a:txBody>
+                  <a:tcPr anchor="ctr">
+                    <a:lnL w="12700" cap="flat" cmpd="sng" algn="ctr">
+                      <a:solidFill>
+                        <a:schemeClr val="tx1"/>
+                      </a:solidFill>
+                      <a:prstDash val="solid"/>
+                      <a:round/>
+                      <a:headEnd type="none" w="med" len="med"/>
+                      <a:tailEnd type="none" w="med" len="med"/>
+                    </a:lnL>
+                    <a:lnR w="12700" cap="flat" cmpd="sng" algn="ctr">
+                      <a:solidFill>
+                        <a:schemeClr val="tx1"/>
+                      </a:solidFill>
+                      <a:prstDash val="solid"/>
+                      <a:round/>
+                      <a:headEnd type="none" w="med" len="med"/>
+                      <a:tailEnd type="none" w="med" len="med"/>
+                    </a:lnR>
+                    <a:lnT w="12700" cap="flat" cmpd="sng" algn="ctr">
+                      <a:solidFill>
+                        <a:schemeClr val="tx1"/>
+                      </a:solidFill>
+                      <a:prstDash val="solid"/>
+                      <a:round/>
+                      <a:headEnd type="none" w="med" len="med"/>
+                      <a:tailEnd type="none" w="med" len="med"/>
+                    </a:lnT>
+                    <a:lnB w="12700" cap="flat" cmpd="sng" algn="ctr">
+                      <a:solidFill>
+                        <a:schemeClr val="tx1"/>
+                      </a:solidFill>
+                      <a:prstDash val="solid"/>
+                      <a:round/>
+                      <a:headEnd type="none" w="med" len="med"/>
+                      <a:tailEnd type="none" w="med" len="med"/>
+                    </a:lnB>
+                  </a:tcPr>
+                </a:tc>
+                <a:tc>
+                  <a:txBody>
+                    <a:bodyPr/>
+                    <a:lstStyle/>
+                    <a:p>
+                      <a:pPr algn="ctr" latinLnBrk="1"/>
+                      <a:endParaRPr lang="ko-KR" altLang="en-US"/>
+                    </a:p>
+                  </a:txBody>
+                  <a:tcPr anchor="ctr">
+                    <a:lnL w="12700" cap="flat" cmpd="sng" algn="ctr">
+                      <a:solidFill>
+                        <a:schemeClr val="tx1"/>
+                      </a:solidFill>
+                      <a:prstDash val="solid"/>
+                      <a:round/>
+                      <a:headEnd type="none" w="med" len="med"/>
+                      <a:tailEnd type="none" w="med" len="med"/>
+                    </a:lnL>
+                    <a:lnR w="12700" cap="flat" cmpd="sng" algn="ctr">
+                      <a:solidFill>
+                        <a:schemeClr val="tx1"/>
+                      </a:solidFill>
+                      <a:prstDash val="solid"/>
+                      <a:round/>
+                      <a:headEnd type="none" w="med" len="med"/>
+                      <a:tailEnd type="none" w="med" len="med"/>
+                    </a:lnR>
+                    <a:lnT w="12700" cap="flat" cmpd="sng" algn="ctr">
+                      <a:solidFill>
+                        <a:schemeClr val="tx1"/>
+                      </a:solidFill>
+                      <a:prstDash val="solid"/>
+                      <a:round/>
+                      <a:headEnd type="none" w="med" len="med"/>
+                      <a:tailEnd type="none" w="med" len="med"/>
+                    </a:lnT>
+                    <a:lnB w="12700" cap="flat" cmpd="sng" algn="ctr">
+                      <a:solidFill>
+                        <a:schemeClr val="tx1"/>
+                      </a:solidFill>
+                      <a:prstDash val="solid"/>
+                      <a:round/>
+                      <a:headEnd type="none" w="med" len="med"/>
+                      <a:tailEnd type="none" w="med" len="med"/>
+                    </a:lnB>
+                  </a:tcPr>
+                </a:tc>
+                <a:tc>
+                  <a:txBody>
+                    <a:bodyPr/>
+                    <a:lstStyle/>
+                    <a:p>
+                      <a:pPr algn="ctr" latinLnBrk="1"/>
+                      <a:endParaRPr lang="ko-KR" altLang="en-US"/>
+                    </a:p>
+                  </a:txBody>
+                  <a:tcPr anchor="ctr">
+                    <a:lnL w="12700" cap="flat" cmpd="sng" algn="ctr">
+                      <a:solidFill>
+                        <a:schemeClr val="tx1"/>
+                      </a:solidFill>
+                      <a:prstDash val="solid"/>
+                      <a:round/>
+                      <a:headEnd type="none" w="med" len="med"/>
+                      <a:tailEnd type="none" w="med" len="med"/>
+                    </a:lnL>
+                    <a:lnR w="12700" cap="flat" cmpd="sng" algn="ctr">
+                      <a:solidFill>
+                        <a:schemeClr val="tx1"/>
+                      </a:solidFill>
+                      <a:prstDash val="solid"/>
+                      <a:round/>
+                      <a:headEnd type="none" w="med" len="med"/>
+                      <a:tailEnd type="none" w="med" len="med"/>
+                    </a:lnR>
+                    <a:lnT w="12700" cap="flat" cmpd="sng" algn="ctr">
+                      <a:solidFill>
+                        <a:schemeClr val="tx1"/>
+                      </a:solidFill>
+                      <a:prstDash val="solid"/>
+                      <a:round/>
+                      <a:headEnd type="none" w="med" len="med"/>
+                      <a:tailEnd type="none" w="med" len="med"/>
+                    </a:lnT>
+                    <a:lnB w="12700" cap="flat" cmpd="sng" algn="ctr">
+                      <a:solidFill>
+                        <a:schemeClr val="tx1"/>
+                      </a:solidFill>
+                      <a:prstDash val="solid"/>
+                      <a:round/>
+                      <a:headEnd type="none" w="med" len="med"/>
+                      <a:tailEnd type="none" w="med" len="med"/>
+                    </a:lnB>
+                  </a:tcPr>
+                </a:tc>
+              </a:tr>
+              <a:tr h="550072">
+                <a:tc>
+                  <a:txBody>
+                    <a:bodyPr/>
+                    <a:lstStyle/>
+                    <a:p>
+                      <a:pPr algn="ctr" latinLnBrk="1"/>
+                      <a:r>
+                        <a:rPr lang="en-US" altLang="ko-KR" dirty="0" smtClean="0"/>
+                        <a:t>5,0</a:t>
+                      </a:r>
+                      <a:endParaRPr lang="ko-KR" altLang="en-US" dirty="0"/>
+                    </a:p>
+                  </a:txBody>
+                  <a:tcPr anchor="ctr">
+                    <a:lnL w="12700" cap="flat" cmpd="sng" algn="ctr">
+                      <a:solidFill>
+                        <a:schemeClr val="tx1"/>
+                      </a:solidFill>
+                      <a:prstDash val="solid"/>
+                      <a:round/>
+                      <a:headEnd type="none" w="med" len="med"/>
+                      <a:tailEnd type="none" w="med" len="med"/>
+                    </a:lnL>
+                    <a:lnR w="12700" cap="flat" cmpd="sng" algn="ctr">
+                      <a:solidFill>
+                        <a:schemeClr val="tx1"/>
+                      </a:solidFill>
+                      <a:prstDash val="solid"/>
+                      <a:round/>
+                      <a:headEnd type="none" w="med" len="med"/>
+                      <a:tailEnd type="none" w="med" len="med"/>
+                    </a:lnR>
+                    <a:lnT w="12700" cap="flat" cmpd="sng" algn="ctr">
+                      <a:solidFill>
+                        <a:schemeClr val="tx1"/>
+                      </a:solidFill>
+                      <a:prstDash val="solid"/>
+                      <a:round/>
+                      <a:headEnd type="none" w="med" len="med"/>
+                      <a:tailEnd type="none" w="med" len="med"/>
+                    </a:lnT>
+                    <a:lnB w="12700" cap="flat" cmpd="sng" algn="ctr">
+                      <a:solidFill>
+                        <a:schemeClr val="tx1"/>
+                      </a:solidFill>
+                      <a:prstDash val="solid"/>
+                      <a:round/>
+                      <a:headEnd type="none" w="med" len="med"/>
+                      <a:tailEnd type="none" w="med" len="med"/>
+                    </a:lnB>
+                  </a:tcPr>
+                </a:tc>
+                <a:tc>
+                  <a:txBody>
+                    <a:bodyPr/>
+                    <a:lstStyle/>
+                    <a:p>
+                      <a:pPr algn="ctr" latinLnBrk="1"/>
+                      <a:endParaRPr lang="ko-KR" altLang="en-US"/>
+                    </a:p>
+                  </a:txBody>
+                  <a:tcPr anchor="ctr">
+                    <a:lnL w="12700" cap="flat" cmpd="sng" algn="ctr">
+                      <a:solidFill>
+                        <a:schemeClr val="tx1"/>
+                      </a:solidFill>
+                      <a:prstDash val="solid"/>
+                      <a:round/>
+                      <a:headEnd type="none" w="med" len="med"/>
+                      <a:tailEnd type="none" w="med" len="med"/>
+                    </a:lnL>
+                    <a:lnR w="12700" cap="flat" cmpd="sng" algn="ctr">
+                      <a:solidFill>
+                        <a:schemeClr val="tx1"/>
+                      </a:solidFill>
+                      <a:prstDash val="solid"/>
+                      <a:round/>
+                      <a:headEnd type="none" w="med" len="med"/>
+                      <a:tailEnd type="none" w="med" len="med"/>
+                    </a:lnR>
+                    <a:lnT w="12700" cap="flat" cmpd="sng" algn="ctr">
+                      <a:solidFill>
+                        <a:schemeClr val="tx1"/>
+                      </a:solidFill>
+                      <a:prstDash val="solid"/>
+                      <a:round/>
+                      <a:headEnd type="none" w="med" len="med"/>
+                      <a:tailEnd type="none" w="med" len="med"/>
+                    </a:lnT>
+                    <a:lnB w="12700" cap="flat" cmpd="sng" algn="ctr">
+                      <a:solidFill>
+                        <a:schemeClr val="tx1"/>
+                      </a:solidFill>
+                      <a:prstDash val="solid"/>
+                      <a:round/>
+                      <a:headEnd type="none" w="med" len="med"/>
+                      <a:tailEnd type="none" w="med" len="med"/>
+                    </a:lnB>
+                  </a:tcPr>
+                </a:tc>
+                <a:tc>
+                  <a:txBody>
+                    <a:bodyPr/>
+                    <a:lstStyle/>
+                    <a:p>
+                      <a:pPr algn="ctr" latinLnBrk="1"/>
+                      <a:endParaRPr lang="ko-KR" altLang="en-US"/>
+                    </a:p>
+                  </a:txBody>
+                  <a:tcPr anchor="ctr">
+                    <a:lnL w="12700" cap="flat" cmpd="sng" algn="ctr">
+                      <a:solidFill>
+                        <a:schemeClr val="tx1"/>
+                      </a:solidFill>
+                      <a:prstDash val="solid"/>
+                      <a:round/>
+                      <a:headEnd type="none" w="med" len="med"/>
+                      <a:tailEnd type="none" w="med" len="med"/>
+                    </a:lnL>
+                    <a:lnR w="12700" cap="flat" cmpd="sng" algn="ctr">
+                      <a:solidFill>
+                        <a:schemeClr val="tx1"/>
+                      </a:solidFill>
+                      <a:prstDash val="solid"/>
+                      <a:round/>
+                      <a:headEnd type="none" w="med" len="med"/>
+                      <a:tailEnd type="none" w="med" len="med"/>
+                    </a:lnR>
+                    <a:lnT w="12700" cap="flat" cmpd="sng" algn="ctr">
+                      <a:solidFill>
+                        <a:schemeClr val="tx1"/>
+                      </a:solidFill>
+                      <a:prstDash val="solid"/>
+                      <a:round/>
+                      <a:headEnd type="none" w="med" len="med"/>
+                      <a:tailEnd type="none" w="med" len="med"/>
+                    </a:lnT>
+                    <a:lnB w="12700" cap="flat" cmpd="sng" algn="ctr">
+                      <a:solidFill>
+                        <a:schemeClr val="tx1"/>
+                      </a:solidFill>
+                      <a:prstDash val="solid"/>
+                      <a:round/>
+                      <a:headEnd type="none" w="med" len="med"/>
+                      <a:tailEnd type="none" w="med" len="med"/>
+                    </a:lnB>
+                  </a:tcPr>
+                </a:tc>
+                <a:tc>
+                  <a:txBody>
+                    <a:bodyPr/>
+                    <a:lstStyle/>
+                    <a:p>
+                      <a:pPr algn="ctr" latinLnBrk="1"/>
+                      <a:endParaRPr lang="ko-KR" altLang="en-US"/>
+                    </a:p>
+                  </a:txBody>
+                  <a:tcPr anchor="ctr">
+                    <a:lnL w="12700" cap="flat" cmpd="sng" algn="ctr">
+                      <a:solidFill>
+                        <a:schemeClr val="tx1"/>
+                      </a:solidFill>
+                      <a:prstDash val="solid"/>
+                      <a:round/>
+                      <a:headEnd type="none" w="med" len="med"/>
+                      <a:tailEnd type="none" w="med" len="med"/>
+                    </a:lnL>
+                    <a:lnR w="12700" cap="flat" cmpd="sng" algn="ctr">
+                      <a:solidFill>
+                        <a:schemeClr val="tx1"/>
+                      </a:solidFill>
+                      <a:prstDash val="solid"/>
+                      <a:round/>
+                      <a:headEnd type="none" w="med" len="med"/>
+                      <a:tailEnd type="none" w="med" len="med"/>
+                    </a:lnR>
+                    <a:lnT w="12700" cap="flat" cmpd="sng" algn="ctr">
+                      <a:solidFill>
+                        <a:schemeClr val="tx1"/>
+                      </a:solidFill>
+                      <a:prstDash val="solid"/>
+                      <a:round/>
+                      <a:headEnd type="none" w="med" len="med"/>
+                      <a:tailEnd type="none" w="med" len="med"/>
+                    </a:lnT>
+                    <a:lnB w="12700" cap="flat" cmpd="sng" algn="ctr">
+                      <a:solidFill>
+                        <a:schemeClr val="tx1"/>
+                      </a:solidFill>
+                      <a:prstDash val="solid"/>
+                      <a:round/>
+                      <a:headEnd type="none" w="med" len="med"/>
+                      <a:tailEnd type="none" w="med" len="med"/>
+                    </a:lnB>
+                  </a:tcPr>
+                </a:tc>
+                <a:tc>
+                  <a:txBody>
+                    <a:bodyPr/>
+                    <a:lstStyle/>
+                    <a:p>
+                      <a:pPr algn="ctr" latinLnBrk="1"/>
+                      <a:endParaRPr lang="ko-KR" altLang="en-US"/>
+                    </a:p>
+                  </a:txBody>
+                  <a:tcPr anchor="ctr">
+                    <a:lnL w="12700" cap="flat" cmpd="sng" algn="ctr">
+                      <a:solidFill>
+                        <a:schemeClr val="tx1"/>
+                      </a:solidFill>
+                      <a:prstDash val="solid"/>
+                      <a:round/>
+                      <a:headEnd type="none" w="med" len="med"/>
+                      <a:tailEnd type="none" w="med" len="med"/>
+                    </a:lnL>
+                    <a:lnR w="12700" cap="flat" cmpd="sng" algn="ctr">
+                      <a:solidFill>
+                        <a:schemeClr val="tx1"/>
+                      </a:solidFill>
+                      <a:prstDash val="solid"/>
+                      <a:round/>
+                      <a:headEnd type="none" w="med" len="med"/>
+                      <a:tailEnd type="none" w="med" len="med"/>
+                    </a:lnR>
+                    <a:lnT w="12700" cap="flat" cmpd="sng" algn="ctr">
+                      <a:solidFill>
+                        <a:schemeClr val="tx1"/>
+                      </a:solidFill>
+                      <a:prstDash val="solid"/>
+                      <a:round/>
+                      <a:headEnd type="none" w="med" len="med"/>
+                      <a:tailEnd type="none" w="med" len="med"/>
+                    </a:lnT>
+                    <a:lnB w="12700" cap="flat" cmpd="sng" algn="ctr">
+                      <a:solidFill>
+                        <a:schemeClr val="tx1"/>
+                      </a:solidFill>
+                      <a:prstDash val="solid"/>
+                      <a:round/>
+                      <a:headEnd type="none" w="med" len="med"/>
+                      <a:tailEnd type="none" w="med" len="med"/>
+                    </a:lnB>
+                  </a:tcPr>
+                </a:tc>
+                <a:tc>
+                  <a:txBody>
+                    <a:bodyPr/>
+                    <a:lstStyle/>
+                    <a:p>
+                      <a:pPr algn="ctr" latinLnBrk="1"/>
+                      <a:endParaRPr lang="ko-KR" altLang="en-US" dirty="0"/>
+                    </a:p>
+                  </a:txBody>
+                  <a:tcPr anchor="ctr">
+                    <a:lnL w="12700" cap="flat" cmpd="sng" algn="ctr">
+                      <a:solidFill>
+                        <a:schemeClr val="tx1"/>
+                      </a:solidFill>
+                      <a:prstDash val="solid"/>
+                      <a:round/>
+                      <a:headEnd type="none" w="med" len="med"/>
+                      <a:tailEnd type="none" w="med" len="med"/>
+                    </a:lnL>
+                    <a:lnR w="12700" cap="flat" cmpd="sng" algn="ctr">
+                      <a:solidFill>
+                        <a:schemeClr val="tx1"/>
+                      </a:solidFill>
+                      <a:prstDash val="solid"/>
+                      <a:round/>
+                      <a:headEnd type="none" w="med" len="med"/>
+                      <a:tailEnd type="none" w="med" len="med"/>
+                    </a:lnR>
+                    <a:lnT w="12700" cap="flat" cmpd="sng" algn="ctr">
+                      <a:solidFill>
+                        <a:schemeClr val="tx1"/>
+                      </a:solidFill>
+                      <a:prstDash val="solid"/>
+                      <a:round/>
+                      <a:headEnd type="none" w="med" len="med"/>
+                      <a:tailEnd type="none" w="med" len="med"/>
+                    </a:lnT>
+                    <a:lnB w="12700" cap="flat" cmpd="sng" algn="ctr">
+                      <a:solidFill>
+                        <a:schemeClr val="tx1"/>
+                      </a:solidFill>
+                      <a:prstDash val="solid"/>
+                      <a:round/>
+                      <a:headEnd type="none" w="med" len="med"/>
+                      <a:tailEnd type="none" w="med" len="med"/>
+                    </a:lnB>
+                  </a:tcPr>
+                </a:tc>
+                <a:tc>
+                  <a:txBody>
+                    <a:bodyPr/>
+                    <a:lstStyle/>
+                    <a:p>
+                      <a:pPr algn="ctr" latinLnBrk="1"/>
+                      <a:endParaRPr lang="ko-KR" altLang="en-US" dirty="0"/>
+                    </a:p>
+                  </a:txBody>
+                  <a:tcPr anchor="ctr">
+                    <a:lnL w="12700" cap="flat" cmpd="sng" algn="ctr">
+                      <a:solidFill>
+                        <a:schemeClr val="tx1"/>
+                      </a:solidFill>
+                      <a:prstDash val="solid"/>
+                      <a:round/>
+                      <a:headEnd type="none" w="med" len="med"/>
+                      <a:tailEnd type="none" w="med" len="med"/>
+                    </a:lnL>
+                    <a:lnR w="12700" cap="flat" cmpd="sng" algn="ctr">
+                      <a:solidFill>
+                        <a:schemeClr val="tx1"/>
+                      </a:solidFill>
+                      <a:prstDash val="solid"/>
+                      <a:round/>
+                      <a:headEnd type="none" w="med" len="med"/>
+                      <a:tailEnd type="none" w="med" len="med"/>
+                    </a:lnR>
+                    <a:lnT w="12700" cap="flat" cmpd="sng" algn="ctr">
+                      <a:solidFill>
+                        <a:schemeClr val="tx1"/>
+                      </a:solidFill>
+                      <a:prstDash val="solid"/>
+                      <a:round/>
+                      <a:headEnd type="none" w="med" len="med"/>
+                      <a:tailEnd type="none" w="med" len="med"/>
+                    </a:lnT>
+                    <a:lnB w="12700" cap="flat" cmpd="sng" algn="ctr">
+                      <a:solidFill>
+                        <a:schemeClr val="tx1"/>
+                      </a:solidFill>
+                      <a:prstDash val="solid"/>
+                      <a:round/>
+                      <a:headEnd type="none" w="med" len="med"/>
+                      <a:tailEnd type="none" w="med" len="med"/>
+                    </a:lnB>
+                  </a:tcPr>
+                </a:tc>
+                <a:tc>
+                  <a:txBody>
+                    <a:bodyPr/>
+                    <a:lstStyle/>
+                    <a:p>
+                      <a:pPr algn="ctr" latinLnBrk="1"/>
+                      <a:endParaRPr lang="ko-KR" altLang="en-US"/>
+                    </a:p>
+                  </a:txBody>
+                  <a:tcPr anchor="ctr">
+                    <a:lnL w="12700" cap="flat" cmpd="sng" algn="ctr">
+                      <a:solidFill>
+                        <a:schemeClr val="tx1"/>
+                      </a:solidFill>
+                      <a:prstDash val="solid"/>
+                      <a:round/>
+                      <a:headEnd type="none" w="med" len="med"/>
+                      <a:tailEnd type="none" w="med" len="med"/>
+                    </a:lnL>
+                    <a:lnR w="12700" cap="flat" cmpd="sng" algn="ctr">
+                      <a:solidFill>
+                        <a:schemeClr val="tx1"/>
+                      </a:solidFill>
+                      <a:prstDash val="solid"/>
+                      <a:round/>
+                      <a:headEnd type="none" w="med" len="med"/>
+                      <a:tailEnd type="none" w="med" len="med"/>
+                    </a:lnR>
+                    <a:lnT w="12700" cap="flat" cmpd="sng" algn="ctr">
+                      <a:solidFill>
+                        <a:schemeClr val="tx1"/>
+                      </a:solidFill>
+                      <a:prstDash val="solid"/>
+                      <a:round/>
+                      <a:headEnd type="none" w="med" len="med"/>
+                      <a:tailEnd type="none" w="med" len="med"/>
+                    </a:lnT>
+                    <a:lnB w="12700" cap="flat" cmpd="sng" algn="ctr">
+                      <a:solidFill>
+                        <a:schemeClr val="tx1"/>
+                      </a:solidFill>
+                      <a:prstDash val="solid"/>
+                      <a:round/>
+                      <a:headEnd type="none" w="med" len="med"/>
+                      <a:tailEnd type="none" w="med" len="med"/>
+                    </a:lnB>
+                  </a:tcPr>
+                </a:tc>
+                <a:tc>
+                  <a:txBody>
+                    <a:bodyPr/>
+                    <a:lstStyle/>
+                    <a:p>
+                      <a:pPr algn="ctr" latinLnBrk="1"/>
+                      <a:endParaRPr lang="ko-KR" altLang="en-US"/>
+                    </a:p>
+                  </a:txBody>
+                  <a:tcPr anchor="ctr">
+                    <a:lnL w="12700" cap="flat" cmpd="sng" algn="ctr">
+                      <a:solidFill>
+                        <a:schemeClr val="tx1"/>
+                      </a:solidFill>
+                      <a:prstDash val="solid"/>
+                      <a:round/>
+                      <a:headEnd type="none" w="med" len="med"/>
+                      <a:tailEnd type="none" w="med" len="med"/>
+                    </a:lnL>
+                    <a:lnR w="12700" cap="flat" cmpd="sng" algn="ctr">
+                      <a:solidFill>
+                        <a:schemeClr val="tx1"/>
+                      </a:solidFill>
+                      <a:prstDash val="solid"/>
+                      <a:round/>
+                      <a:headEnd type="none" w="med" len="med"/>
+                      <a:tailEnd type="none" w="med" len="med"/>
+                    </a:lnR>
+                    <a:lnT w="12700" cap="flat" cmpd="sng" algn="ctr">
+                      <a:solidFill>
+                        <a:schemeClr val="tx1"/>
+                      </a:solidFill>
+                      <a:prstDash val="solid"/>
+                      <a:round/>
+                      <a:headEnd type="none" w="med" len="med"/>
+                      <a:tailEnd type="none" w="med" len="med"/>
+                    </a:lnT>
+                    <a:lnB w="12700" cap="flat" cmpd="sng" algn="ctr">
+                      <a:solidFill>
+                        <a:schemeClr val="tx1"/>
+                      </a:solidFill>
+                      <a:prstDash val="solid"/>
+                      <a:round/>
+                      <a:headEnd type="none" w="med" len="med"/>
+                      <a:tailEnd type="none" w="med" len="med"/>
+                    </a:lnB>
+                  </a:tcPr>
+                </a:tc>
+                <a:tc>
+                  <a:txBody>
+                    <a:bodyPr/>
+                    <a:lstStyle/>
+                    <a:p>
+                      <a:pPr algn="ctr" latinLnBrk="1"/>
+                      <a:endParaRPr lang="ko-KR" altLang="en-US"/>
+                    </a:p>
+                  </a:txBody>
+                  <a:tcPr anchor="ctr">
+                    <a:lnL w="12700" cap="flat" cmpd="sng" algn="ctr">
+                      <a:solidFill>
+                        <a:schemeClr val="tx1"/>
+                      </a:solidFill>
+                      <a:prstDash val="solid"/>
+                      <a:round/>
+                      <a:headEnd type="none" w="med" len="med"/>
+                      <a:tailEnd type="none" w="med" len="med"/>
+                    </a:lnL>
+                    <a:lnR w="12700" cap="flat" cmpd="sng" algn="ctr">
+                      <a:solidFill>
+                        <a:schemeClr val="tx1"/>
+                      </a:solidFill>
+                      <a:prstDash val="solid"/>
+                      <a:round/>
+                      <a:headEnd type="none" w="med" len="med"/>
+                      <a:tailEnd type="none" w="med" len="med"/>
+                    </a:lnR>
+                    <a:lnT w="12700" cap="flat" cmpd="sng" algn="ctr">
+                      <a:solidFill>
+                        <a:schemeClr val="tx1"/>
+                      </a:solidFill>
+                      <a:prstDash val="solid"/>
+                      <a:round/>
+                      <a:headEnd type="none" w="med" len="med"/>
+                      <a:tailEnd type="none" w="med" len="med"/>
+                    </a:lnT>
+                    <a:lnB w="12700" cap="flat" cmpd="sng" algn="ctr">
+                      <a:solidFill>
+                        <a:schemeClr val="tx1"/>
+                      </a:solidFill>
+                      <a:prstDash val="solid"/>
+                      <a:round/>
+                      <a:headEnd type="none" w="med" len="med"/>
+                      <a:tailEnd type="none" w="med" len="med"/>
+                    </a:lnB>
+                  </a:tcPr>
+                </a:tc>
+              </a:tr>
+              <a:tr h="550072">
+                <a:tc>
+                  <a:txBody>
+                    <a:bodyPr/>
+                    <a:lstStyle/>
+                    <a:p>
+                      <a:pPr algn="ctr" latinLnBrk="1"/>
+                      <a:r>
+                        <a:rPr lang="en-US" altLang="ko-KR" dirty="0" smtClean="0"/>
+                        <a:t>6,0</a:t>
+                      </a:r>
+                      <a:endParaRPr lang="ko-KR" altLang="en-US" dirty="0"/>
+                    </a:p>
+                  </a:txBody>
+                  <a:tcPr anchor="ctr">
+                    <a:lnL w="12700" cap="flat" cmpd="sng" algn="ctr">
+                      <a:solidFill>
+                        <a:schemeClr val="tx1"/>
+                      </a:solidFill>
+                      <a:prstDash val="solid"/>
+                      <a:round/>
+                      <a:headEnd type="none" w="med" len="med"/>
+                      <a:tailEnd type="none" w="med" len="med"/>
+                    </a:lnL>
+                    <a:lnR w="12700" cap="flat" cmpd="sng" algn="ctr">
+                      <a:solidFill>
+                        <a:schemeClr val="tx1"/>
+                      </a:solidFill>
+                      <a:prstDash val="solid"/>
+                      <a:round/>
+                      <a:headEnd type="none" w="med" len="med"/>
+                      <a:tailEnd type="none" w="med" len="med"/>
+                    </a:lnR>
+                    <a:lnT w="12700" cap="flat" cmpd="sng" algn="ctr">
+                      <a:solidFill>
+                        <a:schemeClr val="tx1"/>
+                      </a:solidFill>
+                      <a:prstDash val="solid"/>
+                      <a:round/>
+                      <a:headEnd type="none" w="med" len="med"/>
+                      <a:tailEnd type="none" w="med" len="med"/>
+                    </a:lnT>
+                    <a:lnB w="12700" cap="flat" cmpd="sng" algn="ctr">
+                      <a:solidFill>
+                        <a:schemeClr val="tx1"/>
+                      </a:solidFill>
+                      <a:prstDash val="solid"/>
+                      <a:round/>
+                      <a:headEnd type="none" w="med" len="med"/>
+                      <a:tailEnd type="none" w="med" len="med"/>
+                    </a:lnB>
+                  </a:tcPr>
+                </a:tc>
+                <a:tc>
+                  <a:txBody>
+                    <a:bodyPr/>
+                    <a:lstStyle/>
+                    <a:p>
+                      <a:pPr algn="ctr" latinLnBrk="1"/>
+                      <a:endParaRPr lang="ko-KR" altLang="en-US"/>
+                    </a:p>
+                  </a:txBody>
+                  <a:tcPr anchor="ctr">
+                    <a:lnL w="12700" cap="flat" cmpd="sng" algn="ctr">
+                      <a:solidFill>
+                        <a:schemeClr val="tx1"/>
+                      </a:solidFill>
+                      <a:prstDash val="solid"/>
+                      <a:round/>
+                      <a:headEnd type="none" w="med" len="med"/>
+                      <a:tailEnd type="none" w="med" len="med"/>
+                    </a:lnL>
+                    <a:lnR w="12700" cap="flat" cmpd="sng" algn="ctr">
+                      <a:solidFill>
+                        <a:schemeClr val="tx1"/>
+                      </a:solidFill>
+                      <a:prstDash val="solid"/>
+                      <a:round/>
+                      <a:headEnd type="none" w="med" len="med"/>
+                      <a:tailEnd type="none" w="med" len="med"/>
+                    </a:lnR>
+                    <a:lnT w="12700" cap="flat" cmpd="sng" algn="ctr">
+                      <a:solidFill>
+                        <a:schemeClr val="tx1"/>
+                      </a:solidFill>
+                      <a:prstDash val="solid"/>
+                      <a:round/>
+                      <a:headEnd type="none" w="med" len="med"/>
+                      <a:tailEnd type="none" w="med" len="med"/>
+                    </a:lnT>
+                    <a:lnB w="12700" cap="flat" cmpd="sng" algn="ctr">
+                      <a:solidFill>
+                        <a:schemeClr val="tx1"/>
+                      </a:solidFill>
+                      <a:prstDash val="solid"/>
+                      <a:round/>
+                      <a:headEnd type="none" w="med" len="med"/>
+                      <a:tailEnd type="none" w="med" len="med"/>
+                    </a:lnB>
+                  </a:tcPr>
+                </a:tc>
+                <a:tc>
+                  <a:txBody>
+                    <a:bodyPr/>
+                    <a:lstStyle/>
+                    <a:p>
+                      <a:pPr algn="ctr" latinLnBrk="1"/>
+                      <a:endParaRPr lang="ko-KR" altLang="en-US"/>
+                    </a:p>
+                  </a:txBody>
+                  <a:tcPr anchor="ctr">
+                    <a:lnL w="12700" cap="flat" cmpd="sng" algn="ctr">
+                      <a:solidFill>
+                        <a:schemeClr val="tx1"/>
+                      </a:solidFill>
+                      <a:prstDash val="solid"/>
+                      <a:round/>
+                      <a:headEnd type="none" w="med" len="med"/>
+                      <a:tailEnd type="none" w="med" len="med"/>
+                    </a:lnL>
+                    <a:lnR w="12700" cap="flat" cmpd="sng" algn="ctr">
+                      <a:solidFill>
+                        <a:schemeClr val="tx1"/>
+                      </a:solidFill>
+                      <a:prstDash val="solid"/>
+                      <a:round/>
+                      <a:headEnd type="none" w="med" len="med"/>
+                      <a:tailEnd type="none" w="med" len="med"/>
+                    </a:lnR>
+                    <a:lnT w="12700" cap="flat" cmpd="sng" algn="ctr">
+                      <a:solidFill>
+                        <a:schemeClr val="tx1"/>
+                      </a:solidFill>
+                      <a:prstDash val="solid"/>
+                      <a:round/>
+                      <a:headEnd type="none" w="med" len="med"/>
+                      <a:tailEnd type="none" w="med" len="med"/>
+                    </a:lnT>
+                    <a:lnB w="12700" cap="flat" cmpd="sng" algn="ctr">
+                      <a:solidFill>
+                        <a:schemeClr val="tx1"/>
+                      </a:solidFill>
+                      <a:prstDash val="solid"/>
+                      <a:round/>
+                      <a:headEnd type="none" w="med" len="med"/>
+                      <a:tailEnd type="none" w="med" len="med"/>
+                    </a:lnB>
+                  </a:tcPr>
+                </a:tc>
+                <a:tc>
+                  <a:txBody>
+                    <a:bodyPr/>
+                    <a:lstStyle/>
+                    <a:p>
+                      <a:pPr algn="ctr" latinLnBrk="1"/>
+                      <a:endParaRPr lang="ko-KR" altLang="en-US"/>
+                    </a:p>
+                  </a:txBody>
+                  <a:tcPr anchor="ctr">
+                    <a:lnL w="12700" cap="flat" cmpd="sng" algn="ctr">
+                      <a:solidFill>
+                        <a:schemeClr val="tx1"/>
+                      </a:solidFill>
+                      <a:prstDash val="solid"/>
+                      <a:round/>
+                      <a:headEnd type="none" w="med" len="med"/>
+                      <a:tailEnd type="none" w="med" len="med"/>
+                    </a:lnL>
+                    <a:lnR w="12700" cap="flat" cmpd="sng" algn="ctr">
+                      <a:solidFill>
+                        <a:schemeClr val="tx1"/>
+                      </a:solidFill>
+                      <a:prstDash val="solid"/>
+                      <a:round/>
+                      <a:headEnd type="none" w="med" len="med"/>
+                      <a:tailEnd type="none" w="med" len="med"/>
+                    </a:lnR>
+                    <a:lnT w="12700" cap="flat" cmpd="sng" algn="ctr">
+                      <a:solidFill>
+                        <a:schemeClr val="tx1"/>
+                      </a:solidFill>
+                      <a:prstDash val="solid"/>
+                      <a:round/>
+                      <a:headEnd type="none" w="med" len="med"/>
+                      <a:tailEnd type="none" w="med" len="med"/>
+                    </a:lnT>
+                    <a:lnB w="12700" cap="flat" cmpd="sng" algn="ctr">
+                      <a:solidFill>
+                        <a:schemeClr val="tx1"/>
+                      </a:solidFill>
+                      <a:prstDash val="solid"/>
+                      <a:round/>
+                      <a:headEnd type="none" w="med" len="med"/>
+                      <a:tailEnd type="none" w="med" len="med"/>
+                    </a:lnB>
+                  </a:tcPr>
+                </a:tc>
+                <a:tc>
+                  <a:txBody>
+                    <a:bodyPr/>
+                    <a:lstStyle/>
+                    <a:p>
+                      <a:pPr algn="ctr" latinLnBrk="1"/>
+                      <a:endParaRPr lang="ko-KR" altLang="en-US"/>
+                    </a:p>
+                  </a:txBody>
+                  <a:tcPr anchor="ctr">
+                    <a:lnL w="12700" cap="flat" cmpd="sng" algn="ctr">
+                      <a:solidFill>
+                        <a:schemeClr val="tx1"/>
+                      </a:solidFill>
+                      <a:prstDash val="solid"/>
+                      <a:round/>
+                      <a:headEnd type="none" w="med" len="med"/>
+                      <a:tailEnd type="none" w="med" len="med"/>
+                    </a:lnL>
+                    <a:lnR w="12700" cap="flat" cmpd="sng" algn="ctr">
+                      <a:solidFill>
+                        <a:schemeClr val="tx1"/>
+                      </a:solidFill>
+                      <a:prstDash val="solid"/>
+                      <a:round/>
+                      <a:headEnd type="none" w="med" len="med"/>
+                      <a:tailEnd type="none" w="med" len="med"/>
+                    </a:lnR>
+                    <a:lnT w="12700" cap="flat" cmpd="sng" algn="ctr">
+                      <a:solidFill>
+                        <a:schemeClr val="tx1"/>
+                      </a:solidFill>
+                      <a:prstDash val="solid"/>
+                      <a:round/>
+                      <a:headEnd type="none" w="med" len="med"/>
+                      <a:tailEnd type="none" w="med" len="med"/>
+                    </a:lnT>
+                    <a:lnB w="12700" cap="flat" cmpd="sng" algn="ctr">
+                      <a:solidFill>
+                        <a:schemeClr val="tx1"/>
+                      </a:solidFill>
+                      <a:prstDash val="solid"/>
+                      <a:round/>
+                      <a:headEnd type="none" w="med" len="med"/>
+                      <a:tailEnd type="none" w="med" len="med"/>
+                    </a:lnB>
+                  </a:tcPr>
+                </a:tc>
+                <a:tc>
+                  <a:txBody>
+                    <a:bodyPr/>
+                    <a:lstStyle/>
+                    <a:p>
+                      <a:pPr algn="ctr" latinLnBrk="1"/>
+                      <a:endParaRPr lang="ko-KR" altLang="en-US"/>
+                    </a:p>
+                  </a:txBody>
+                  <a:tcPr anchor="ctr">
+                    <a:lnL w="12700" cap="flat" cmpd="sng" algn="ctr">
+                      <a:solidFill>
+                        <a:schemeClr val="tx1"/>
+                      </a:solidFill>
+                      <a:prstDash val="solid"/>
+                      <a:round/>
+                      <a:headEnd type="none" w="med" len="med"/>
+                      <a:tailEnd type="none" w="med" len="med"/>
+                    </a:lnL>
+                    <a:lnR w="12700" cap="flat" cmpd="sng" algn="ctr">
+                      <a:solidFill>
+                        <a:schemeClr val="tx1"/>
+                      </a:solidFill>
+                      <a:prstDash val="solid"/>
+                      <a:round/>
+                      <a:headEnd type="none" w="med" len="med"/>
+                      <a:tailEnd type="none" w="med" len="med"/>
+                    </a:lnR>
+                    <a:lnT w="12700" cap="flat" cmpd="sng" algn="ctr">
+                      <a:solidFill>
+                        <a:schemeClr val="tx1"/>
+                      </a:solidFill>
+                      <a:prstDash val="solid"/>
+                      <a:round/>
+                      <a:headEnd type="none" w="med" len="med"/>
+                      <a:tailEnd type="none" w="med" len="med"/>
+                    </a:lnT>
+                    <a:lnB w="12700" cap="flat" cmpd="sng" algn="ctr">
+                      <a:solidFill>
+                        <a:schemeClr val="tx1"/>
+                      </a:solidFill>
+                      <a:prstDash val="solid"/>
+                      <a:round/>
+                      <a:headEnd type="none" w="med" len="med"/>
+                      <a:tailEnd type="none" w="med" len="med"/>
+                    </a:lnB>
+                  </a:tcPr>
+                </a:tc>
+                <a:tc>
+                  <a:txBody>
+                    <a:bodyPr/>
+                    <a:lstStyle/>
+                    <a:p>
+                      <a:pPr algn="ctr" latinLnBrk="1"/>
+                      <a:endParaRPr lang="ko-KR" altLang="en-US" dirty="0"/>
+                    </a:p>
+                  </a:txBody>
+                  <a:tcPr anchor="ctr">
+                    <a:lnL w="12700" cap="flat" cmpd="sng" algn="ctr">
+                      <a:solidFill>
+                        <a:schemeClr val="tx1"/>
+                      </a:solidFill>
+                      <a:prstDash val="solid"/>
+                      <a:round/>
+                      <a:headEnd type="none" w="med" len="med"/>
+                      <a:tailEnd type="none" w="med" len="med"/>
+                    </a:lnL>
+                    <a:lnR w="12700" cap="flat" cmpd="sng" algn="ctr">
+                      <a:solidFill>
+                        <a:schemeClr val="tx1"/>
+                      </a:solidFill>
+                      <a:prstDash val="solid"/>
+                      <a:round/>
+                      <a:headEnd type="none" w="med" len="med"/>
+                      <a:tailEnd type="none" w="med" len="med"/>
+                    </a:lnR>
+                    <a:lnT w="12700" cap="flat" cmpd="sng" algn="ctr">
+                      <a:solidFill>
+                        <a:schemeClr val="tx1"/>
+                      </a:solidFill>
+                      <a:prstDash val="solid"/>
+                      <a:round/>
+                      <a:headEnd type="none" w="med" len="med"/>
+                      <a:tailEnd type="none" w="med" len="med"/>
+                    </a:lnT>
+                    <a:lnB w="12700" cap="flat" cmpd="sng" algn="ctr">
+                      <a:solidFill>
+                        <a:schemeClr val="tx1"/>
+                      </a:solidFill>
+                      <a:prstDash val="solid"/>
+                      <a:round/>
+                      <a:headEnd type="none" w="med" len="med"/>
+                      <a:tailEnd type="none" w="med" len="med"/>
+                    </a:lnB>
+                  </a:tcPr>
+                </a:tc>
+                <a:tc>
+                  <a:txBody>
+                    <a:bodyPr/>
+                    <a:lstStyle/>
+                    <a:p>
+                      <a:pPr algn="ctr" latinLnBrk="1"/>
+                      <a:endParaRPr lang="ko-KR" altLang="en-US" dirty="0"/>
+                    </a:p>
+                  </a:txBody>
+                  <a:tcPr anchor="ctr">
+                    <a:lnL w="12700" cap="flat" cmpd="sng" algn="ctr">
+                      <a:solidFill>
+                        <a:schemeClr val="tx1"/>
+                      </a:solidFill>
+                      <a:prstDash val="solid"/>
+                      <a:round/>
+                      <a:headEnd type="none" w="med" len="med"/>
+                      <a:tailEnd type="none" w="med" len="med"/>
+                    </a:lnL>
+                    <a:lnR w="12700" cap="flat" cmpd="sng" algn="ctr">
+                      <a:solidFill>
+                        <a:schemeClr val="tx1"/>
+                      </a:solidFill>
+                      <a:prstDash val="solid"/>
+                      <a:round/>
+                      <a:headEnd type="none" w="med" len="med"/>
+                      <a:tailEnd type="none" w="med" len="med"/>
+                    </a:lnR>
+                    <a:lnT w="12700" cap="flat" cmpd="sng" algn="ctr">
+                      <a:solidFill>
+                        <a:schemeClr val="tx1"/>
+                      </a:solidFill>
+                      <a:prstDash val="solid"/>
+                      <a:round/>
+                      <a:headEnd type="none" w="med" len="med"/>
+                      <a:tailEnd type="none" w="med" len="med"/>
+                    </a:lnT>
+                    <a:lnB w="12700" cap="flat" cmpd="sng" algn="ctr">
+                      <a:solidFill>
+                        <a:schemeClr val="tx1"/>
+                      </a:solidFill>
+                      <a:prstDash val="solid"/>
+                      <a:round/>
+                      <a:headEnd type="none" w="med" len="med"/>
+                      <a:tailEnd type="none" w="med" len="med"/>
+                    </a:lnB>
+                  </a:tcPr>
+                </a:tc>
+                <a:tc>
+                  <a:txBody>
+                    <a:bodyPr/>
+                    <a:lstStyle/>
+                    <a:p>
+                      <a:pPr algn="ctr" latinLnBrk="1"/>
+                      <a:endParaRPr lang="ko-KR" altLang="en-US"/>
+                    </a:p>
+                  </a:txBody>
+                  <a:tcPr anchor="ctr">
+                    <a:lnL w="12700" cap="flat" cmpd="sng" algn="ctr">
+                      <a:solidFill>
+                        <a:schemeClr val="tx1"/>
+                      </a:solidFill>
+                      <a:prstDash val="solid"/>
+                      <a:round/>
+                      <a:headEnd type="none" w="med" len="med"/>
+                      <a:tailEnd type="none" w="med" len="med"/>
+                    </a:lnL>
+                    <a:lnR w="12700" cap="flat" cmpd="sng" algn="ctr">
+                      <a:solidFill>
+                        <a:schemeClr val="tx1"/>
+                      </a:solidFill>
+                      <a:prstDash val="solid"/>
+                      <a:round/>
+                      <a:headEnd type="none" w="med" len="med"/>
+                      <a:tailEnd type="none" w="med" len="med"/>
+                    </a:lnR>
+                    <a:lnT w="12700" cap="flat" cmpd="sng" algn="ctr">
+                      <a:solidFill>
+                        <a:schemeClr val="tx1"/>
+                      </a:solidFill>
+                      <a:prstDash val="solid"/>
+                      <a:round/>
+                      <a:headEnd type="none" w="med" len="med"/>
+                      <a:tailEnd type="none" w="med" len="med"/>
+                    </a:lnT>
+                    <a:lnB w="12700" cap="flat" cmpd="sng" algn="ctr">
+                      <a:solidFill>
+                        <a:schemeClr val="tx1"/>
+                      </a:solidFill>
+                      <a:prstDash val="solid"/>
+                      <a:round/>
+                      <a:headEnd type="none" w="med" len="med"/>
+                      <a:tailEnd type="none" w="med" len="med"/>
+                    </a:lnB>
+                  </a:tcPr>
+                </a:tc>
+                <a:tc>
+                  <a:txBody>
+                    <a:bodyPr/>
+                    <a:lstStyle/>
+                    <a:p>
+                      <a:pPr algn="ctr" latinLnBrk="1"/>
+                      <a:endParaRPr lang="ko-KR" altLang="en-US"/>
+                    </a:p>
+                  </a:txBody>
+                  <a:tcPr anchor="ctr">
+                    <a:lnL w="12700" cap="flat" cmpd="sng" algn="ctr">
+                      <a:solidFill>
+                        <a:schemeClr val="tx1"/>
+                      </a:solidFill>
+                      <a:prstDash val="solid"/>
+                      <a:round/>
+                      <a:headEnd type="none" w="med" len="med"/>
+                      <a:tailEnd type="none" w="med" len="med"/>
+                    </a:lnL>
+                    <a:lnR w="12700" cap="flat" cmpd="sng" algn="ctr">
+                      <a:solidFill>
+                        <a:schemeClr val="tx1"/>
+                      </a:solidFill>
+                      <a:prstDash val="solid"/>
+                      <a:round/>
+                      <a:headEnd type="none" w="med" len="med"/>
+                      <a:tailEnd type="none" w="med" len="med"/>
+                    </a:lnR>
+                    <a:lnT w="12700" cap="flat" cmpd="sng" algn="ctr">
+                      <a:solidFill>
+                        <a:schemeClr val="tx1"/>
+                      </a:solidFill>
+                      <a:prstDash val="solid"/>
+                      <a:round/>
+                      <a:headEnd type="none" w="med" len="med"/>
+                      <a:tailEnd type="none" w="med" len="med"/>
+                    </a:lnT>
+                    <a:lnB w="12700" cap="flat" cmpd="sng" algn="ctr">
+                      <a:solidFill>
+                        <a:schemeClr val="tx1"/>
+                      </a:solidFill>
+                      <a:prstDash val="solid"/>
+                      <a:round/>
+                      <a:headEnd type="none" w="med" len="med"/>
+                      <a:tailEnd type="none" w="med" len="med"/>
+                    </a:lnB>
+                  </a:tcPr>
+                </a:tc>
+              </a:tr>
+              <a:tr h="550072">
+                <a:tc>
+                  <a:txBody>
+                    <a:bodyPr/>
+                    <a:lstStyle/>
+                    <a:p>
+                      <a:pPr algn="ctr" latinLnBrk="1"/>
+                      <a:r>
+                        <a:rPr lang="en-US" altLang="ko-KR" dirty="0" smtClean="0"/>
+                        <a:t>7,0</a:t>
+                      </a:r>
+                      <a:endParaRPr lang="ko-KR" altLang="en-US" dirty="0"/>
+                    </a:p>
+                  </a:txBody>
+                  <a:tcPr anchor="ctr">
+                    <a:lnL w="12700" cap="flat" cmpd="sng" algn="ctr">
+                      <a:solidFill>
+                        <a:schemeClr val="tx1"/>
+                      </a:solidFill>
+                      <a:prstDash val="solid"/>
+                      <a:round/>
+                      <a:headEnd type="none" w="med" len="med"/>
+                      <a:tailEnd type="none" w="med" len="med"/>
+                    </a:lnL>
+                    <a:lnR w="12700" cap="flat" cmpd="sng" algn="ctr">
+                      <a:solidFill>
+                        <a:schemeClr val="tx1"/>
+                      </a:solidFill>
+                      <a:prstDash val="solid"/>
+                      <a:round/>
+                      <a:headEnd type="none" w="med" len="med"/>
+                      <a:tailEnd type="none" w="med" len="med"/>
+                    </a:lnR>
+                    <a:lnT w="12700" cap="flat" cmpd="sng" algn="ctr">
+                      <a:solidFill>
+                        <a:schemeClr val="tx1"/>
+                      </a:solidFill>
+                      <a:prstDash val="solid"/>
+                      <a:round/>
+                      <a:headEnd type="none" w="med" len="med"/>
+                      <a:tailEnd type="none" w="med" len="med"/>
+                    </a:lnT>
+                    <a:lnB w="12700" cap="flat" cmpd="sng" algn="ctr">
+                      <a:solidFill>
+                        <a:schemeClr val="tx1"/>
+                      </a:solidFill>
+                      <a:prstDash val="solid"/>
+                      <a:round/>
+                      <a:headEnd type="none" w="med" len="med"/>
+                      <a:tailEnd type="none" w="med" len="med"/>
+                    </a:lnB>
+                  </a:tcPr>
+                </a:tc>
+                <a:tc>
+                  <a:txBody>
+                    <a:bodyPr/>
+                    <a:lstStyle/>
+                    <a:p>
+                      <a:pPr algn="ctr" latinLnBrk="1"/>
+                      <a:endParaRPr lang="ko-KR" altLang="en-US"/>
+                    </a:p>
+                  </a:txBody>
+                  <a:tcPr anchor="ctr">
+                    <a:lnL w="12700" cap="flat" cmpd="sng" algn="ctr">
+                      <a:solidFill>
+                        <a:schemeClr val="tx1"/>
+                      </a:solidFill>
+                      <a:prstDash val="solid"/>
+                      <a:round/>
+                      <a:headEnd type="none" w="med" len="med"/>
+                      <a:tailEnd type="none" w="med" len="med"/>
+                    </a:lnL>
+                    <a:lnR w="12700" cap="flat" cmpd="sng" algn="ctr">
+                      <a:solidFill>
+                        <a:schemeClr val="tx1"/>
+                      </a:solidFill>
+                      <a:prstDash val="solid"/>
+                      <a:round/>
+                      <a:headEnd type="none" w="med" len="med"/>
+                      <a:tailEnd type="none" w="med" len="med"/>
+                    </a:lnR>
+                    <a:lnT w="12700" cap="flat" cmpd="sng" algn="ctr">
+                      <a:solidFill>
+                        <a:schemeClr val="tx1"/>
+                      </a:solidFill>
+                      <a:prstDash val="solid"/>
+                      <a:round/>
+                      <a:headEnd type="none" w="med" len="med"/>
+                      <a:tailEnd type="none" w="med" len="med"/>
+                    </a:lnT>
+                    <a:lnB w="12700" cap="flat" cmpd="sng" algn="ctr">
+                      <a:solidFill>
+                        <a:schemeClr val="tx1"/>
+                      </a:solidFill>
+                      <a:prstDash val="solid"/>
+                      <a:round/>
+                      <a:headEnd type="none" w="med" len="med"/>
+                      <a:tailEnd type="none" w="med" len="med"/>
+                    </a:lnB>
+                  </a:tcPr>
+                </a:tc>
+                <a:tc>
+                  <a:txBody>
+                    <a:bodyPr/>
+                    <a:lstStyle/>
+                    <a:p>
+                      <a:pPr algn="ctr" latinLnBrk="1"/>
+                      <a:endParaRPr lang="ko-KR" altLang="en-US"/>
+                    </a:p>
+                  </a:txBody>
+                  <a:tcPr anchor="ctr">
+                    <a:lnL w="12700" cap="flat" cmpd="sng" algn="ctr">
+                      <a:solidFill>
+                        <a:schemeClr val="tx1"/>
+                      </a:solidFill>
+                      <a:prstDash val="solid"/>
+                      <a:round/>
+                      <a:headEnd type="none" w="med" len="med"/>
+                      <a:tailEnd type="none" w="med" len="med"/>
+                    </a:lnL>
+                    <a:lnR w="12700" cap="flat" cmpd="sng" algn="ctr">
+                      <a:solidFill>
+                        <a:schemeClr val="tx1"/>
+                      </a:solidFill>
+                      <a:prstDash val="solid"/>
+                      <a:round/>
+                      <a:headEnd type="none" w="med" len="med"/>
+                      <a:tailEnd type="none" w="med" len="med"/>
+                    </a:lnR>
+                    <a:lnT w="12700" cap="flat" cmpd="sng" algn="ctr">
+                      <a:solidFill>
+                        <a:schemeClr val="tx1"/>
+                      </a:solidFill>
+                      <a:prstDash val="solid"/>
+                      <a:round/>
+                      <a:headEnd type="none" w="med" len="med"/>
+                      <a:tailEnd type="none" w="med" len="med"/>
+                    </a:lnT>
+                    <a:lnB w="12700" cap="flat" cmpd="sng" algn="ctr">
+                      <a:solidFill>
+                        <a:schemeClr val="tx1"/>
+                      </a:solidFill>
+                      <a:prstDash val="solid"/>
+                      <a:round/>
+                      <a:headEnd type="none" w="med" len="med"/>
+                      <a:tailEnd type="none" w="med" len="med"/>
+                    </a:lnB>
+                  </a:tcPr>
+                </a:tc>
+                <a:tc>
+                  <a:txBody>
+                    <a:bodyPr/>
+                    <a:lstStyle/>
+                    <a:p>
+                      <a:pPr algn="ctr" latinLnBrk="1"/>
+                      <a:endParaRPr lang="ko-KR" altLang="en-US"/>
+                    </a:p>
+                  </a:txBody>
+                  <a:tcPr anchor="ctr">
+                    <a:lnL w="12700" cap="flat" cmpd="sng" algn="ctr">
+                      <a:solidFill>
+                        <a:schemeClr val="tx1"/>
+                      </a:solidFill>
+                      <a:prstDash val="solid"/>
+                      <a:round/>
+                      <a:headEnd type="none" w="med" len="med"/>
+                      <a:tailEnd type="none" w="med" len="med"/>
+                    </a:lnL>
+                    <a:lnR w="12700" cap="flat" cmpd="sng" algn="ctr">
+                      <a:solidFill>
+                        <a:schemeClr val="tx1"/>
+                      </a:solidFill>
+                      <a:prstDash val="solid"/>
+                      <a:round/>
+                      <a:headEnd type="none" w="med" len="med"/>
+                      <a:tailEnd type="none" w="med" len="med"/>
+                    </a:lnR>
+                    <a:lnT w="12700" cap="flat" cmpd="sng" algn="ctr">
+                      <a:solidFill>
+                        <a:schemeClr val="tx1"/>
+                      </a:solidFill>
+                      <a:prstDash val="solid"/>
+                      <a:round/>
+                      <a:headEnd type="none" w="med" len="med"/>
+                      <a:tailEnd type="none" w="med" len="med"/>
+                    </a:lnT>
+                    <a:lnB w="12700" cap="flat" cmpd="sng" algn="ctr">
+                      <a:solidFill>
+                        <a:schemeClr val="tx1"/>
+                      </a:solidFill>
+                      <a:prstDash val="solid"/>
+                      <a:round/>
+                      <a:headEnd type="none" w="med" len="med"/>
+                      <a:tailEnd type="none" w="med" len="med"/>
+                    </a:lnB>
+                  </a:tcPr>
+                </a:tc>
+                <a:tc>
+                  <a:txBody>
+                    <a:bodyPr/>
+                    <a:lstStyle/>
+                    <a:p>
+                      <a:pPr algn="ctr" latinLnBrk="1"/>
+                      <a:endParaRPr lang="ko-KR" altLang="en-US"/>
+                    </a:p>
+                  </a:txBody>
+                  <a:tcPr anchor="ctr">
+                    <a:lnL w="12700" cap="flat" cmpd="sng" algn="ctr">
+                      <a:solidFill>
+                        <a:schemeClr val="tx1"/>
+                      </a:solidFill>
+                      <a:prstDash val="solid"/>
+                      <a:round/>
+                      <a:headEnd type="none" w="med" len="med"/>
+                      <a:tailEnd type="none" w="med" len="med"/>
+                    </a:lnL>
+                    <a:lnR w="12700" cap="flat" cmpd="sng" algn="ctr">
+                      <a:solidFill>
+                        <a:schemeClr val="tx1"/>
+                      </a:solidFill>
+                      <a:prstDash val="solid"/>
+                      <a:round/>
+                      <a:headEnd type="none" w="med" len="med"/>
+                      <a:tailEnd type="none" w="med" len="med"/>
+                    </a:lnR>
+                    <a:lnT w="12700" cap="flat" cmpd="sng" algn="ctr">
+                      <a:solidFill>
+                        <a:schemeClr val="tx1"/>
+                      </a:solidFill>
+                      <a:prstDash val="solid"/>
+                      <a:round/>
+                      <a:headEnd type="none" w="med" len="med"/>
+                      <a:tailEnd type="none" w="med" len="med"/>
+                    </a:lnT>
+                    <a:lnB w="12700" cap="flat" cmpd="sng" algn="ctr">
+                      <a:solidFill>
+                        <a:schemeClr val="tx1"/>
+                      </a:solidFill>
+                      <a:prstDash val="solid"/>
+                      <a:round/>
+                      <a:headEnd type="none" w="med" len="med"/>
+                      <a:tailEnd type="none" w="med" len="med"/>
+                    </a:lnB>
+                  </a:tcPr>
+                </a:tc>
+                <a:tc>
+                  <a:txBody>
+                    <a:bodyPr/>
+                    <a:lstStyle/>
+                    <a:p>
+                      <a:pPr algn="ctr" latinLnBrk="1"/>
+                      <a:endParaRPr lang="ko-KR" altLang="en-US"/>
+                    </a:p>
+                  </a:txBody>
+                  <a:tcPr anchor="ctr">
+                    <a:lnL w="12700" cap="flat" cmpd="sng" algn="ctr">
+                      <a:solidFill>
+                        <a:schemeClr val="tx1"/>
+                      </a:solidFill>
+                      <a:prstDash val="solid"/>
+                      <a:round/>
+                      <a:headEnd type="none" w="med" len="med"/>
+                      <a:tailEnd type="none" w="med" len="med"/>
+                    </a:lnL>
+                    <a:lnR w="12700" cap="flat" cmpd="sng" algn="ctr">
+                      <a:solidFill>
+                        <a:schemeClr val="tx1"/>
+                      </a:solidFill>
+                      <a:prstDash val="solid"/>
+                      <a:round/>
+                      <a:headEnd type="none" w="med" len="med"/>
+                      <a:tailEnd type="none" w="med" len="med"/>
+                    </a:lnR>
+                    <a:lnT w="12700" cap="flat" cmpd="sng" algn="ctr">
+                      <a:solidFill>
+                        <a:schemeClr val="tx1"/>
+                      </a:solidFill>
+                      <a:prstDash val="solid"/>
+                      <a:round/>
+                      <a:headEnd type="none" w="med" len="med"/>
+                      <a:tailEnd type="none" w="med" len="med"/>
+                    </a:lnT>
+                    <a:lnB w="12700" cap="flat" cmpd="sng" algn="ctr">
+                      <a:solidFill>
+                        <a:schemeClr val="tx1"/>
+                      </a:solidFill>
+                      <a:prstDash val="solid"/>
+                      <a:round/>
+                      <a:headEnd type="none" w="med" len="med"/>
+                      <a:tailEnd type="none" w="med" len="med"/>
+                    </a:lnB>
+                  </a:tcPr>
+                </a:tc>
+                <a:tc>
+                  <a:txBody>
+                    <a:bodyPr/>
+                    <a:lstStyle/>
+                    <a:p>
+                      <a:pPr algn="ctr" latinLnBrk="1"/>
+                      <a:endParaRPr lang="ko-KR" altLang="en-US"/>
+                    </a:p>
+                  </a:txBody>
+                  <a:tcPr anchor="ctr">
+                    <a:lnL w="12700" cap="flat" cmpd="sng" algn="ctr">
+                      <a:solidFill>
+                        <a:schemeClr val="tx1"/>
+                      </a:solidFill>
+                      <a:prstDash val="solid"/>
+                      <a:round/>
+                      <a:headEnd type="none" w="med" len="med"/>
+                      <a:tailEnd type="none" w="med" len="med"/>
+                    </a:lnL>
+                    <a:lnR w="12700" cap="flat" cmpd="sng" algn="ctr">
+                      <a:solidFill>
+                        <a:schemeClr val="tx1"/>
+                      </a:solidFill>
+                      <a:prstDash val="solid"/>
+                      <a:round/>
+                      <a:headEnd type="none" w="med" len="med"/>
+                      <a:tailEnd type="none" w="med" len="med"/>
+                    </a:lnR>
+                    <a:lnT w="12700" cap="flat" cmpd="sng" algn="ctr">
+                      <a:solidFill>
+                        <a:schemeClr val="tx1"/>
+                      </a:solidFill>
+                      <a:prstDash val="solid"/>
+                      <a:round/>
+                      <a:headEnd type="none" w="med" len="med"/>
+                      <a:tailEnd type="none" w="med" len="med"/>
+                    </a:lnT>
+                    <a:lnB w="12700" cap="flat" cmpd="sng" algn="ctr">
+                      <a:solidFill>
+                        <a:schemeClr val="tx1"/>
+                      </a:solidFill>
+                      <a:prstDash val="solid"/>
+                      <a:round/>
+                      <a:headEnd type="none" w="med" len="med"/>
+                      <a:tailEnd type="none" w="med" len="med"/>
+                    </a:lnB>
+                  </a:tcPr>
+                </a:tc>
+                <a:tc>
+                  <a:txBody>
+                    <a:bodyPr/>
+                    <a:lstStyle/>
+                    <a:p>
+                      <a:pPr algn="ctr" latinLnBrk="1"/>
+                      <a:endParaRPr lang="ko-KR" altLang="en-US" dirty="0"/>
+                    </a:p>
+                  </a:txBody>
+                  <a:tcPr anchor="ctr">
+                    <a:lnL w="12700" cap="flat" cmpd="sng" algn="ctr">
+                      <a:solidFill>
+                        <a:schemeClr val="tx1"/>
+                      </a:solidFill>
+                      <a:prstDash val="solid"/>
+                      <a:round/>
+                      <a:headEnd type="none" w="med" len="med"/>
+                      <a:tailEnd type="none" w="med" len="med"/>
+                    </a:lnL>
+                    <a:lnR w="12700" cap="flat" cmpd="sng" algn="ctr">
+                      <a:solidFill>
+                        <a:schemeClr val="tx1"/>
+                      </a:solidFill>
+                      <a:prstDash val="solid"/>
+                      <a:round/>
+                      <a:headEnd type="none" w="med" len="med"/>
+                      <a:tailEnd type="none" w="med" len="med"/>
+                    </a:lnR>
+                    <a:lnT w="12700" cap="flat" cmpd="sng" algn="ctr">
+                      <a:solidFill>
+                        <a:schemeClr val="tx1"/>
+                      </a:solidFill>
+                      <a:prstDash val="solid"/>
+                      <a:round/>
+                      <a:headEnd type="none" w="med" len="med"/>
+                      <a:tailEnd type="none" w="med" len="med"/>
+                    </a:lnT>
+                    <a:lnB w="12700" cap="flat" cmpd="sng" algn="ctr">
+                      <a:solidFill>
+                        <a:schemeClr val="tx1"/>
+                      </a:solidFill>
+                      <a:prstDash val="solid"/>
+                      <a:round/>
+                      <a:headEnd type="none" w="med" len="med"/>
+                      <a:tailEnd type="none" w="med" len="med"/>
+                    </a:lnB>
+                  </a:tcPr>
+                </a:tc>
+                <a:tc>
+                  <a:txBody>
+                    <a:bodyPr/>
+                    <a:lstStyle/>
+                    <a:p>
+                      <a:pPr algn="ctr" latinLnBrk="1"/>
+                      <a:endParaRPr lang="ko-KR" altLang="en-US"/>
+                    </a:p>
+                  </a:txBody>
+                  <a:tcPr anchor="ctr">
+                    <a:lnL w="12700" cap="flat" cmpd="sng" algn="ctr">
+                      <a:solidFill>
+                        <a:schemeClr val="tx1"/>
+                      </a:solidFill>
+                      <a:prstDash val="solid"/>
+                      <a:round/>
+                      <a:headEnd type="none" w="med" len="med"/>
+                      <a:tailEnd type="none" w="med" len="med"/>
+                    </a:lnL>
+                    <a:lnR w="12700" cap="flat" cmpd="sng" algn="ctr">
+                      <a:solidFill>
+                        <a:schemeClr val="tx1"/>
+                      </a:solidFill>
+                      <a:prstDash val="solid"/>
+                      <a:round/>
+                      <a:headEnd type="none" w="med" len="med"/>
+                      <a:tailEnd type="none" w="med" len="med"/>
+                    </a:lnR>
+                    <a:lnT w="12700" cap="flat" cmpd="sng" algn="ctr">
+                      <a:solidFill>
+                        <a:schemeClr val="tx1"/>
+                      </a:solidFill>
+                      <a:prstDash val="solid"/>
+                      <a:round/>
+                      <a:headEnd type="none" w="med" len="med"/>
+                      <a:tailEnd type="none" w="med" len="med"/>
+                    </a:lnT>
+                    <a:lnB w="12700" cap="flat" cmpd="sng" algn="ctr">
+                      <a:solidFill>
+                        <a:schemeClr val="tx1"/>
+                      </a:solidFill>
+                      <a:prstDash val="solid"/>
+                      <a:round/>
+                      <a:headEnd type="none" w="med" len="med"/>
+                      <a:tailEnd type="none" w="med" len="med"/>
+                    </a:lnB>
+                  </a:tcPr>
+                </a:tc>
+                <a:tc>
+                  <a:txBody>
+                    <a:bodyPr/>
+                    <a:lstStyle/>
+                    <a:p>
+                      <a:pPr algn="ctr" latinLnBrk="1"/>
+                      <a:endParaRPr lang="ko-KR" altLang="en-US"/>
+                    </a:p>
+                  </a:txBody>
+                  <a:tcPr anchor="ctr">
+                    <a:lnL w="12700" cap="flat" cmpd="sng" algn="ctr">
+                      <a:solidFill>
+                        <a:schemeClr val="tx1"/>
+                      </a:solidFill>
+                      <a:prstDash val="solid"/>
+                      <a:round/>
+                      <a:headEnd type="none" w="med" len="med"/>
+                      <a:tailEnd type="none" w="med" len="med"/>
+                    </a:lnL>
+                    <a:lnR w="12700" cap="flat" cmpd="sng" algn="ctr">
+                      <a:solidFill>
+                        <a:schemeClr val="tx1"/>
+                      </a:solidFill>
+                      <a:prstDash val="solid"/>
+                      <a:round/>
+                      <a:headEnd type="none" w="med" len="med"/>
+                      <a:tailEnd type="none" w="med" len="med"/>
+                    </a:lnR>
+                    <a:lnT w="12700" cap="flat" cmpd="sng" algn="ctr">
+                      <a:solidFill>
+                        <a:schemeClr val="tx1"/>
+                      </a:solidFill>
+                      <a:prstDash val="solid"/>
+                      <a:round/>
+                      <a:headEnd type="none" w="med" len="med"/>
+                      <a:tailEnd type="none" w="med" len="med"/>
+                    </a:lnT>
+                    <a:lnB w="12700" cap="flat" cmpd="sng" algn="ctr">
+                      <a:solidFill>
+                        <a:schemeClr val="tx1"/>
+                      </a:solidFill>
+                      <a:prstDash val="solid"/>
+                      <a:round/>
+                      <a:headEnd type="none" w="med" len="med"/>
+                      <a:tailEnd type="none" w="med" len="med"/>
+                    </a:lnB>
+                  </a:tcPr>
+                </a:tc>
+              </a:tr>
+              <a:tr h="550072">
+                <a:tc>
+                  <a:txBody>
+                    <a:bodyPr/>
+                    <a:lstStyle/>
+                    <a:p>
+                      <a:pPr algn="ctr" latinLnBrk="1"/>
+                      <a:r>
+                        <a:rPr lang="en-US" altLang="ko-KR" dirty="0" smtClean="0"/>
+                        <a:t>8,0</a:t>
+                      </a:r>
+                      <a:endParaRPr lang="ko-KR" altLang="en-US" dirty="0"/>
+                    </a:p>
+                  </a:txBody>
+                  <a:tcPr anchor="ctr">
+                    <a:lnL w="12700" cap="flat" cmpd="sng" algn="ctr">
+                      <a:solidFill>
+                        <a:schemeClr val="tx1"/>
+                      </a:solidFill>
+                      <a:prstDash val="solid"/>
+                      <a:round/>
+                      <a:headEnd type="none" w="med" len="med"/>
+                      <a:tailEnd type="none" w="med" len="med"/>
+                    </a:lnL>
+                    <a:lnR w="12700" cap="flat" cmpd="sng" algn="ctr">
+                      <a:solidFill>
+                        <a:schemeClr val="tx1"/>
+                      </a:solidFill>
+                      <a:prstDash val="solid"/>
+                      <a:round/>
+                      <a:headEnd type="none" w="med" len="med"/>
+                      <a:tailEnd type="none" w="med" len="med"/>
+                    </a:lnR>
+                    <a:lnT w="12700" cap="flat" cmpd="sng" algn="ctr">
+                      <a:solidFill>
+                        <a:schemeClr val="tx1"/>
+                      </a:solidFill>
+                      <a:prstDash val="solid"/>
+                      <a:round/>
+                      <a:headEnd type="none" w="med" len="med"/>
+                      <a:tailEnd type="none" w="med" len="med"/>
+                    </a:lnT>
+                    <a:lnB w="12700" cap="flat" cmpd="sng" algn="ctr">
+                      <a:solidFill>
+                        <a:schemeClr val="tx1"/>
+                      </a:solidFill>
+                      <a:prstDash val="solid"/>
+                      <a:round/>
+                      <a:headEnd type="none" w="med" len="med"/>
+                      <a:tailEnd type="none" w="med" len="med"/>
+                    </a:lnB>
+                  </a:tcPr>
+                </a:tc>
+                <a:tc>
+                  <a:txBody>
+                    <a:bodyPr/>
+                    <a:lstStyle/>
+                    <a:p>
+                      <a:pPr algn="ctr" latinLnBrk="1"/>
+                      <a:endParaRPr lang="ko-KR" altLang="en-US"/>
+                    </a:p>
+                  </a:txBody>
+                  <a:tcPr anchor="ctr">
+                    <a:lnL w="12700" cap="flat" cmpd="sng" algn="ctr">
+                      <a:solidFill>
+                        <a:schemeClr val="tx1"/>
+                      </a:solidFill>
+                      <a:prstDash val="solid"/>
+                      <a:round/>
+                      <a:headEnd type="none" w="med" len="med"/>
+                      <a:tailEnd type="none" w="med" len="med"/>
+                    </a:lnL>
+                    <a:lnR w="12700" cap="flat" cmpd="sng" algn="ctr">
+                      <a:solidFill>
+                        <a:schemeClr val="tx1"/>
+                      </a:solidFill>
+                      <a:prstDash val="solid"/>
+                      <a:round/>
+                      <a:headEnd type="none" w="med" len="med"/>
+                      <a:tailEnd type="none" w="med" len="med"/>
+                    </a:lnR>
+                    <a:lnT w="12700" cap="flat" cmpd="sng" algn="ctr">
+                      <a:solidFill>
+                        <a:schemeClr val="tx1"/>
+                      </a:solidFill>
+                      <a:prstDash val="solid"/>
+                      <a:round/>
+                      <a:headEnd type="none" w="med" len="med"/>
+                      <a:tailEnd type="none" w="med" len="med"/>
+                    </a:lnT>
+                    <a:lnB w="12700" cap="flat" cmpd="sng" algn="ctr">
+                      <a:solidFill>
+                        <a:schemeClr val="tx1"/>
+                      </a:solidFill>
+                      <a:prstDash val="solid"/>
+                      <a:round/>
+                      <a:headEnd type="none" w="med" len="med"/>
+                      <a:tailEnd type="none" w="med" len="med"/>
+                    </a:lnB>
+                  </a:tcPr>
+                </a:tc>
+                <a:tc>
+                  <a:txBody>
+                    <a:bodyPr/>
+                    <a:lstStyle/>
+                    <a:p>
+                      <a:pPr algn="ctr" latinLnBrk="1"/>
+                      <a:endParaRPr lang="ko-KR" altLang="en-US"/>
+                    </a:p>
+                  </a:txBody>
+                  <a:tcPr anchor="ctr">
+                    <a:lnL w="12700" cap="flat" cmpd="sng" algn="ctr">
+                      <a:solidFill>
+                        <a:schemeClr val="tx1"/>
+                      </a:solidFill>
+                      <a:prstDash val="solid"/>
+                      <a:round/>
+                      <a:headEnd type="none" w="med" len="med"/>
+                      <a:tailEnd type="none" w="med" len="med"/>
+                    </a:lnL>
+                    <a:lnR w="12700" cap="flat" cmpd="sng" algn="ctr">
+                      <a:solidFill>
+                        <a:schemeClr val="tx1"/>
+                      </a:solidFill>
+                      <a:prstDash val="solid"/>
+                      <a:round/>
+                      <a:headEnd type="none" w="med" len="med"/>
+                      <a:tailEnd type="none" w="med" len="med"/>
+                    </a:lnR>
+                    <a:lnT w="12700" cap="flat" cmpd="sng" algn="ctr">
+                      <a:solidFill>
+                        <a:schemeClr val="tx1"/>
+                      </a:solidFill>
+                      <a:prstDash val="solid"/>
+                      <a:round/>
+                      <a:headEnd type="none" w="med" len="med"/>
+                      <a:tailEnd type="none" w="med" len="med"/>
+                    </a:lnT>
+                    <a:lnB w="12700" cap="flat" cmpd="sng" algn="ctr">
+                      <a:solidFill>
+                        <a:schemeClr val="tx1"/>
+                      </a:solidFill>
+                      <a:prstDash val="solid"/>
+                      <a:round/>
+                      <a:headEnd type="none" w="med" len="med"/>
+                      <a:tailEnd type="none" w="med" len="med"/>
+                    </a:lnB>
+                  </a:tcPr>
+                </a:tc>
+                <a:tc>
+                  <a:txBody>
+                    <a:bodyPr/>
+                    <a:lstStyle/>
+                    <a:p>
+                      <a:pPr algn="ctr" latinLnBrk="1"/>
+                      <a:endParaRPr lang="ko-KR" altLang="en-US"/>
+                    </a:p>
+                  </a:txBody>
+                  <a:tcPr anchor="ctr">
+                    <a:lnL w="12700" cap="flat" cmpd="sng" algn="ctr">
+                      <a:solidFill>
+                        <a:schemeClr val="tx1"/>
+                      </a:solidFill>
+                      <a:prstDash val="solid"/>
+                      <a:round/>
+                      <a:headEnd type="none" w="med" len="med"/>
+                      <a:tailEnd type="none" w="med" len="med"/>
+                    </a:lnL>
+                    <a:lnR w="12700" cap="flat" cmpd="sng" algn="ctr">
+                      <a:solidFill>
+                        <a:schemeClr val="tx1"/>
+                      </a:solidFill>
+                      <a:prstDash val="solid"/>
+                      <a:round/>
+                      <a:headEnd type="none" w="med" len="med"/>
+                      <a:tailEnd type="none" w="med" len="med"/>
+                    </a:lnR>
+                    <a:lnT w="12700" cap="flat" cmpd="sng" algn="ctr">
+                      <a:solidFill>
+                        <a:schemeClr val="tx1"/>
+                      </a:solidFill>
+                      <a:prstDash val="solid"/>
+                      <a:round/>
+                      <a:headEnd type="none" w="med" len="med"/>
+                      <a:tailEnd type="none" w="med" len="med"/>
+                    </a:lnT>
+                    <a:lnB w="12700" cap="flat" cmpd="sng" algn="ctr">
+                      <a:solidFill>
+                        <a:schemeClr val="tx1"/>
+                      </a:solidFill>
+                      <a:prstDash val="solid"/>
+                      <a:round/>
+                      <a:headEnd type="none" w="med" len="med"/>
+                      <a:tailEnd type="none" w="med" len="med"/>
+                    </a:lnB>
+                  </a:tcPr>
+                </a:tc>
+                <a:tc>
+                  <a:txBody>
+                    <a:bodyPr/>
+                    <a:lstStyle/>
+                    <a:p>
+                      <a:pPr algn="ctr" latinLnBrk="1"/>
+                      <a:endParaRPr lang="ko-KR" altLang="en-US"/>
+                    </a:p>
+                  </a:txBody>
+                  <a:tcPr anchor="ctr">
+                    <a:lnL w="12700" cap="flat" cmpd="sng" algn="ctr">
+                      <a:solidFill>
+                        <a:schemeClr val="tx1"/>
+                      </a:solidFill>
+                      <a:prstDash val="solid"/>
+                      <a:round/>
+                      <a:headEnd type="none" w="med" len="med"/>
+                      <a:tailEnd type="none" w="med" len="med"/>
+                    </a:lnL>
+                    <a:lnR w="12700" cap="flat" cmpd="sng" algn="ctr">
+                      <a:solidFill>
+                        <a:schemeClr val="tx1"/>
+                      </a:solidFill>
+                      <a:prstDash val="solid"/>
+                      <a:round/>
+                      <a:headEnd type="none" w="med" len="med"/>
+                      <a:tailEnd type="none" w="med" len="med"/>
+                    </a:lnR>
+                    <a:lnT w="12700" cap="flat" cmpd="sng" algn="ctr">
+                      <a:solidFill>
+                        <a:schemeClr val="tx1"/>
+                      </a:solidFill>
+                      <a:prstDash val="solid"/>
+                      <a:round/>
+                      <a:headEnd type="none" w="med" len="med"/>
+                      <a:tailEnd type="none" w="med" len="med"/>
+                    </a:lnT>
+                    <a:lnB w="12700" cap="flat" cmpd="sng" algn="ctr">
+                      <a:solidFill>
+                        <a:schemeClr val="tx1"/>
+                      </a:solidFill>
+                      <a:prstDash val="solid"/>
+                      <a:round/>
+                      <a:headEnd type="none" w="med" len="med"/>
+                      <a:tailEnd type="none" w="med" len="med"/>
+                    </a:lnB>
+                  </a:tcPr>
+                </a:tc>
+                <a:tc>
+                  <a:txBody>
+                    <a:bodyPr/>
+                    <a:lstStyle/>
+                    <a:p>
+                      <a:pPr algn="ctr" latinLnBrk="1"/>
+                      <a:endParaRPr lang="ko-KR" altLang="en-US"/>
+                    </a:p>
+                  </a:txBody>
+                  <a:tcPr anchor="ctr">
+                    <a:lnL w="12700" cap="flat" cmpd="sng" algn="ctr">
+                      <a:solidFill>
+                        <a:schemeClr val="tx1"/>
+                      </a:solidFill>
+                      <a:prstDash val="solid"/>
+                      <a:round/>
+                      <a:headEnd type="none" w="med" len="med"/>
+                      <a:tailEnd type="none" w="med" len="med"/>
+                    </a:lnL>
+                    <a:lnR w="12700" cap="flat" cmpd="sng" algn="ctr">
+                      <a:solidFill>
+                        <a:schemeClr val="tx1"/>
+                      </a:solidFill>
+                      <a:prstDash val="solid"/>
+                      <a:round/>
+                      <a:headEnd type="none" w="med" len="med"/>
+                      <a:tailEnd type="none" w="med" len="med"/>
+                    </a:lnR>
+                    <a:lnT w="12700" cap="flat" cmpd="sng" algn="ctr">
+                      <a:solidFill>
+                        <a:schemeClr val="tx1"/>
+                      </a:solidFill>
+                      <a:prstDash val="solid"/>
+                      <a:round/>
+                      <a:headEnd type="none" w="med" len="med"/>
+                      <a:tailEnd type="none" w="med" len="med"/>
+                    </a:lnT>
+                    <a:lnB w="12700" cap="flat" cmpd="sng" algn="ctr">
+                      <a:solidFill>
+                        <a:schemeClr val="tx1"/>
+                      </a:solidFill>
+                      <a:prstDash val="solid"/>
+                      <a:round/>
+                      <a:headEnd type="none" w="med" len="med"/>
+                      <a:tailEnd type="none" w="med" len="med"/>
+                    </a:lnB>
+                  </a:tcPr>
+                </a:tc>
+                <a:tc>
+                  <a:txBody>
+                    <a:bodyPr/>
+                    <a:lstStyle/>
+                    <a:p>
+                      <a:pPr algn="ctr" latinLnBrk="1"/>
+                      <a:endParaRPr lang="ko-KR" altLang="en-US"/>
+                    </a:p>
+                  </a:txBody>
+                  <a:tcPr anchor="ctr">
+                    <a:lnL w="12700" cap="flat" cmpd="sng" algn="ctr">
+                      <a:solidFill>
+                        <a:schemeClr val="tx1"/>
+                      </a:solidFill>
+                      <a:prstDash val="solid"/>
+                      <a:round/>
+                      <a:headEnd type="none" w="med" len="med"/>
+                      <a:tailEnd type="none" w="med" len="med"/>
+                    </a:lnL>
+                    <a:lnR w="12700" cap="flat" cmpd="sng" algn="ctr">
+                      <a:solidFill>
+                        <a:schemeClr val="tx1"/>
+                      </a:solidFill>
+                      <a:prstDash val="solid"/>
+                      <a:round/>
+                      <a:headEnd type="none" w="med" len="med"/>
+                      <a:tailEnd type="none" w="med" len="med"/>
+                    </a:lnR>
+                    <a:lnT w="12700" cap="flat" cmpd="sng" algn="ctr">
+                      <a:solidFill>
+                        <a:schemeClr val="tx1"/>
+                      </a:solidFill>
+                      <a:prstDash val="solid"/>
+                      <a:round/>
+                      <a:headEnd type="none" w="med" len="med"/>
+                      <a:tailEnd type="none" w="med" len="med"/>
+                    </a:lnT>
+                    <a:lnB w="12700" cap="flat" cmpd="sng" algn="ctr">
+                      <a:solidFill>
+                        <a:schemeClr val="tx1"/>
+                      </a:solidFill>
+                      <a:prstDash val="solid"/>
+                      <a:round/>
+                      <a:headEnd type="none" w="med" len="med"/>
+                      <a:tailEnd type="none" w="med" len="med"/>
+                    </a:lnB>
+                  </a:tcPr>
+                </a:tc>
+                <a:tc>
+                  <a:txBody>
+                    <a:bodyPr/>
+                    <a:lstStyle/>
+                    <a:p>
+                      <a:pPr algn="ctr" latinLnBrk="1"/>
+                      <a:endParaRPr lang="ko-KR" altLang="en-US" dirty="0"/>
+                    </a:p>
+                  </a:txBody>
+                  <a:tcPr anchor="ctr">
+                    <a:lnL w="12700" cap="flat" cmpd="sng" algn="ctr">
+                      <a:solidFill>
+                        <a:schemeClr val="tx1"/>
+                      </a:solidFill>
+                      <a:prstDash val="solid"/>
+                      <a:round/>
+                      <a:headEnd type="none" w="med" len="med"/>
+                      <a:tailEnd type="none" w="med" len="med"/>
+                    </a:lnL>
+                    <a:lnR w="12700" cap="flat" cmpd="sng" algn="ctr">
+                      <a:solidFill>
+                        <a:schemeClr val="tx1"/>
+                      </a:solidFill>
+                      <a:prstDash val="solid"/>
+                      <a:round/>
+                      <a:headEnd type="none" w="med" len="med"/>
+                      <a:tailEnd type="none" w="med" len="med"/>
+                    </a:lnR>
+                    <a:lnT w="12700" cap="flat" cmpd="sng" algn="ctr">
+                      <a:solidFill>
+                        <a:schemeClr val="tx1"/>
+                      </a:solidFill>
+                      <a:prstDash val="solid"/>
+                      <a:round/>
+                      <a:headEnd type="none" w="med" len="med"/>
+                      <a:tailEnd type="none" w="med" len="med"/>
+                    </a:lnT>
+                    <a:lnB w="12700" cap="flat" cmpd="sng" algn="ctr">
+                      <a:solidFill>
+                        <a:schemeClr val="tx1"/>
+                      </a:solidFill>
+                      <a:prstDash val="solid"/>
+                      <a:round/>
+                      <a:headEnd type="none" w="med" len="med"/>
+                      <a:tailEnd type="none" w="med" len="med"/>
+                    </a:lnB>
+                  </a:tcPr>
+                </a:tc>
+                <a:tc>
+                  <a:txBody>
+                    <a:bodyPr/>
+                    <a:lstStyle/>
+                    <a:p>
+                      <a:pPr algn="ctr" latinLnBrk="1"/>
+                      <a:endParaRPr lang="ko-KR" altLang="en-US" dirty="0"/>
+                    </a:p>
+                  </a:txBody>
+                  <a:tcPr anchor="ctr">
+                    <a:lnL w="12700" cap="flat" cmpd="sng" algn="ctr">
+                      <a:solidFill>
+                        <a:schemeClr val="tx1"/>
+                      </a:solidFill>
+                      <a:prstDash val="solid"/>
+                      <a:round/>
+                      <a:headEnd type="none" w="med" len="med"/>
+                      <a:tailEnd type="none" w="med" len="med"/>
+                    </a:lnL>
+                    <a:lnR w="12700" cap="flat" cmpd="sng" algn="ctr">
+                      <a:solidFill>
+                        <a:schemeClr val="tx1"/>
+                      </a:solidFill>
+                      <a:prstDash val="solid"/>
+                      <a:round/>
+                      <a:headEnd type="none" w="med" len="med"/>
+                      <a:tailEnd type="none" w="med" len="med"/>
+                    </a:lnR>
+                    <a:lnT w="12700" cap="flat" cmpd="sng" algn="ctr">
+                      <a:solidFill>
+                        <a:schemeClr val="tx1"/>
+                      </a:solidFill>
+                      <a:prstDash val="solid"/>
+                      <a:round/>
+                      <a:headEnd type="none" w="med" len="med"/>
+                      <a:tailEnd type="none" w="med" len="med"/>
+                    </a:lnT>
+                    <a:lnB w="12700" cap="flat" cmpd="sng" algn="ctr">
+                      <a:solidFill>
+                        <a:schemeClr val="tx1"/>
+                      </a:solidFill>
+                      <a:prstDash val="solid"/>
+                      <a:round/>
+                      <a:headEnd type="none" w="med" len="med"/>
+                      <a:tailEnd type="none" w="med" len="med"/>
+                    </a:lnB>
+                  </a:tcPr>
+                </a:tc>
+                <a:tc>
+                  <a:txBody>
+                    <a:bodyPr/>
+                    <a:lstStyle/>
+                    <a:p>
+                      <a:pPr algn="ctr" latinLnBrk="1"/>
+                      <a:endParaRPr lang="ko-KR" altLang="en-US" dirty="0"/>
+                    </a:p>
+                  </a:txBody>
+                  <a:tcPr anchor="ctr">
+                    <a:lnL w="12700" cap="flat" cmpd="sng" algn="ctr">
+                      <a:solidFill>
+                        <a:schemeClr val="tx1"/>
+                      </a:solidFill>
+                      <a:prstDash val="solid"/>
+                      <a:round/>
+                      <a:headEnd type="none" w="med" len="med"/>
+                      <a:tailEnd type="none" w="med" len="med"/>
+                    </a:lnL>
+                    <a:lnR w="12700" cap="flat" cmpd="sng" algn="ctr">
+                      <a:solidFill>
+                        <a:schemeClr val="tx1"/>
+                      </a:solidFill>
+                      <a:prstDash val="solid"/>
+                      <a:round/>
+                      <a:headEnd type="none" w="med" len="med"/>
+                      <a:tailEnd type="none" w="med" len="med"/>
+                    </a:lnR>
+                    <a:lnT w="12700" cap="flat" cmpd="sng" algn="ctr">
+                      <a:solidFill>
+                        <a:schemeClr val="tx1"/>
+                      </a:solidFill>
+                      <a:prstDash val="solid"/>
+                      <a:round/>
+                      <a:headEnd type="none" w="med" len="med"/>
+                      <a:tailEnd type="none" w="med" len="med"/>
+                    </a:lnT>
+                    <a:lnB w="12700" cap="flat" cmpd="sng" algn="ctr">
+                      <a:solidFill>
+                        <a:schemeClr val="tx1"/>
+                      </a:solidFill>
+                      <a:prstDash val="solid"/>
+                      <a:round/>
+                      <a:headEnd type="none" w="med" len="med"/>
+                      <a:tailEnd type="none" w="med" len="med"/>
+                    </a:lnB>
+                  </a:tcPr>
+                </a:tc>
+              </a:tr>
+              <a:tr h="550072">
+                <a:tc>
+                  <a:txBody>
+                    <a:bodyPr/>
+                    <a:lstStyle/>
+                    <a:p>
+                      <a:pPr algn="ctr" latinLnBrk="1"/>
+                      <a:r>
+                        <a:rPr lang="en-US" altLang="ko-KR" dirty="0" smtClean="0"/>
+                        <a:t>9,0</a:t>
+                      </a:r>
+                      <a:endParaRPr lang="ko-KR" altLang="en-US" dirty="0"/>
+                    </a:p>
+                  </a:txBody>
+                  <a:tcPr anchor="ctr">
+                    <a:lnL w="12700" cap="flat" cmpd="sng" algn="ctr">
+                      <a:solidFill>
+                        <a:schemeClr val="tx1"/>
+                      </a:solidFill>
+                      <a:prstDash val="solid"/>
+                      <a:round/>
+                      <a:headEnd type="none" w="med" len="med"/>
+                      <a:tailEnd type="none" w="med" len="med"/>
+                    </a:lnL>
+                    <a:lnR w="12700" cap="flat" cmpd="sng" algn="ctr">
+                      <a:solidFill>
+                        <a:schemeClr val="tx1"/>
+                      </a:solidFill>
+                      <a:prstDash val="solid"/>
+                      <a:round/>
+                      <a:headEnd type="none" w="med" len="med"/>
+                      <a:tailEnd type="none" w="med" len="med"/>
+                    </a:lnR>
+                    <a:lnT w="12700" cap="flat" cmpd="sng" algn="ctr">
+                      <a:solidFill>
+                        <a:schemeClr val="tx1"/>
+                      </a:solidFill>
+                      <a:prstDash val="solid"/>
+                      <a:round/>
+                      <a:headEnd type="none" w="med" len="med"/>
+                      <a:tailEnd type="none" w="med" len="med"/>
+                    </a:lnT>
+                    <a:lnB w="12700" cap="flat" cmpd="sng" algn="ctr">
+                      <a:solidFill>
+                        <a:schemeClr val="tx1"/>
+                      </a:solidFill>
+                      <a:prstDash val="solid"/>
+                      <a:round/>
+                      <a:headEnd type="none" w="med" len="med"/>
+                      <a:tailEnd type="none" w="med" len="med"/>
+                    </a:lnB>
+                  </a:tcPr>
+                </a:tc>
+                <a:tc>
+                  <a:txBody>
+                    <a:bodyPr/>
+                    <a:lstStyle/>
+                    <a:p>
+                      <a:pPr algn="ctr" latinLnBrk="1"/>
+                      <a:endParaRPr lang="ko-KR" altLang="en-US" dirty="0"/>
+                    </a:p>
+                  </a:txBody>
+                  <a:tcPr anchor="ctr">
+                    <a:lnL w="12700" cap="flat" cmpd="sng" algn="ctr">
+                      <a:solidFill>
+                        <a:schemeClr val="tx1"/>
+                      </a:solidFill>
+                      <a:prstDash val="solid"/>
+                      <a:round/>
+                      <a:headEnd type="none" w="med" len="med"/>
+                      <a:tailEnd type="none" w="med" len="med"/>
+                    </a:lnL>
+                    <a:lnR w="12700" cap="flat" cmpd="sng" algn="ctr">
+                      <a:solidFill>
+                        <a:schemeClr val="tx1"/>
+                      </a:solidFill>
+                      <a:prstDash val="solid"/>
+                      <a:round/>
+                      <a:headEnd type="none" w="med" len="med"/>
+                      <a:tailEnd type="none" w="med" len="med"/>
+                    </a:lnR>
+                    <a:lnT w="12700" cap="flat" cmpd="sng" algn="ctr">
+                      <a:solidFill>
+                        <a:schemeClr val="tx1"/>
+                      </a:solidFill>
+                      <a:prstDash val="solid"/>
+                      <a:round/>
+                      <a:headEnd type="none" w="med" len="med"/>
+                      <a:tailEnd type="none" w="med" len="med"/>
+                    </a:lnT>
+                    <a:lnB w="12700" cap="flat" cmpd="sng" algn="ctr">
+                      <a:solidFill>
+                        <a:schemeClr val="tx1"/>
+                      </a:solidFill>
+                      <a:prstDash val="solid"/>
+                      <a:round/>
+                      <a:headEnd type="none" w="med" len="med"/>
+                      <a:tailEnd type="none" w="med" len="med"/>
+                    </a:lnB>
+                  </a:tcPr>
+                </a:tc>
+                <a:tc>
+                  <a:txBody>
+                    <a:bodyPr/>
+                    <a:lstStyle/>
+                    <a:p>
+                      <a:pPr algn="ctr" latinLnBrk="1"/>
+                      <a:endParaRPr lang="ko-KR" altLang="en-US" dirty="0"/>
+                    </a:p>
+                  </a:txBody>
+                  <a:tcPr anchor="ctr">
+                    <a:lnL w="12700" cap="flat" cmpd="sng" algn="ctr">
+                      <a:solidFill>
+                        <a:schemeClr val="tx1"/>
+                      </a:solidFill>
+                      <a:prstDash val="solid"/>
+                      <a:round/>
+                      <a:headEnd type="none" w="med" len="med"/>
+                      <a:tailEnd type="none" w="med" len="med"/>
+                    </a:lnL>
+                    <a:lnR w="12700" cap="flat" cmpd="sng" algn="ctr">
+                      <a:solidFill>
+                        <a:schemeClr val="tx1"/>
+                      </a:solidFill>
+                      <a:prstDash val="solid"/>
+                      <a:round/>
+                      <a:headEnd type="none" w="med" len="med"/>
+                      <a:tailEnd type="none" w="med" len="med"/>
+                    </a:lnR>
+                    <a:lnT w="12700" cap="flat" cmpd="sng" algn="ctr">
+                      <a:solidFill>
+                        <a:schemeClr val="tx1"/>
+                      </a:solidFill>
+                      <a:prstDash val="solid"/>
+                      <a:round/>
+                      <a:headEnd type="none" w="med" len="med"/>
+                      <a:tailEnd type="none" w="med" len="med"/>
+                    </a:lnT>
+                    <a:lnB w="12700" cap="flat" cmpd="sng" algn="ctr">
+                      <a:solidFill>
+                        <a:schemeClr val="tx1"/>
+                      </a:solidFill>
+                      <a:prstDash val="solid"/>
+                      <a:round/>
+                      <a:headEnd type="none" w="med" len="med"/>
+                      <a:tailEnd type="none" w="med" len="med"/>
+                    </a:lnB>
+                  </a:tcPr>
+                </a:tc>
+                <a:tc>
+                  <a:txBody>
+                    <a:bodyPr/>
+                    <a:lstStyle/>
+                    <a:p>
+                      <a:pPr algn="ctr" latinLnBrk="1"/>
+                      <a:endParaRPr lang="ko-KR" altLang="en-US" dirty="0"/>
+                    </a:p>
+                  </a:txBody>
+                  <a:tcPr anchor="ctr">
+                    <a:lnL w="12700" cap="flat" cmpd="sng" algn="ctr">
+                      <a:solidFill>
+                        <a:schemeClr val="tx1"/>
+                      </a:solidFill>
+                      <a:prstDash val="solid"/>
+                      <a:round/>
+                      <a:headEnd type="none" w="med" len="med"/>
+                      <a:tailEnd type="none" w="med" len="med"/>
+                    </a:lnL>
+                    <a:lnR w="12700" cap="flat" cmpd="sng" algn="ctr">
+                      <a:solidFill>
+                        <a:schemeClr val="tx1"/>
+                      </a:solidFill>
+                      <a:prstDash val="solid"/>
+                      <a:round/>
+                      <a:headEnd type="none" w="med" len="med"/>
+                      <a:tailEnd type="none" w="med" len="med"/>
+                    </a:lnR>
+                    <a:lnT w="12700" cap="flat" cmpd="sng" algn="ctr">
+                      <a:solidFill>
+                        <a:schemeClr val="tx1"/>
+                      </a:solidFill>
+                      <a:prstDash val="solid"/>
+                      <a:round/>
+                      <a:headEnd type="none" w="med" len="med"/>
+                      <a:tailEnd type="none" w="med" len="med"/>
+                    </a:lnT>
+                    <a:lnB w="12700" cap="flat" cmpd="sng" algn="ctr">
+                      <a:solidFill>
+                        <a:schemeClr val="tx1"/>
+                      </a:solidFill>
+                      <a:prstDash val="solid"/>
+                      <a:round/>
+                      <a:headEnd type="none" w="med" len="med"/>
+                      <a:tailEnd type="none" w="med" len="med"/>
+                    </a:lnB>
+                  </a:tcPr>
+                </a:tc>
+                <a:tc>
+                  <a:txBody>
+                    <a:bodyPr/>
+                    <a:lstStyle/>
+                    <a:p>
+                      <a:pPr algn="ctr" latinLnBrk="1"/>
+                      <a:endParaRPr lang="ko-KR" altLang="en-US" dirty="0"/>
+                    </a:p>
+                  </a:txBody>
+                  <a:tcPr anchor="ctr">
+                    <a:lnL w="12700" cap="flat" cmpd="sng" algn="ctr">
+                      <a:solidFill>
+                        <a:schemeClr val="tx1"/>
+                      </a:solidFill>
+                      <a:prstDash val="solid"/>
+                      <a:round/>
+                      <a:headEnd type="none" w="med" len="med"/>
+                      <a:tailEnd type="none" w="med" len="med"/>
+                    </a:lnL>
+                    <a:lnR w="12700" cap="flat" cmpd="sng" algn="ctr">
+                      <a:solidFill>
+                        <a:schemeClr val="tx1"/>
+                      </a:solidFill>
+                      <a:prstDash val="solid"/>
+                      <a:round/>
+                      <a:headEnd type="none" w="med" len="med"/>
+                      <a:tailEnd type="none" w="med" len="med"/>
+                    </a:lnR>
+                    <a:lnT w="12700" cap="flat" cmpd="sng" algn="ctr">
+                      <a:solidFill>
+                        <a:schemeClr val="tx1"/>
+                      </a:solidFill>
+                      <a:prstDash val="solid"/>
+                      <a:round/>
+                      <a:headEnd type="none" w="med" len="med"/>
+                      <a:tailEnd type="none" w="med" len="med"/>
+                    </a:lnT>
+                    <a:lnB w="12700" cap="flat" cmpd="sng" algn="ctr">
+                      <a:solidFill>
+                        <a:schemeClr val="tx1"/>
+                      </a:solidFill>
+                      <a:prstDash val="solid"/>
+                      <a:round/>
+                      <a:headEnd type="none" w="med" len="med"/>
+                      <a:tailEnd type="none" w="med" len="med"/>
+                    </a:lnB>
+                  </a:tcPr>
+                </a:tc>
+                <a:tc>
+                  <a:txBody>
+                    <a:bodyPr/>
+                    <a:lstStyle/>
+                    <a:p>
+                      <a:pPr algn="ctr" latinLnBrk="1"/>
+                      <a:endParaRPr lang="ko-KR" altLang="en-US" dirty="0"/>
+                    </a:p>
+                  </a:txBody>
+                  <a:tcPr anchor="ctr">
+                    <a:lnL w="12700" cap="flat" cmpd="sng" algn="ctr">
+                      <a:solidFill>
+                        <a:schemeClr val="tx1"/>
+                      </a:solidFill>
+                      <a:prstDash val="solid"/>
+                      <a:round/>
+                      <a:headEnd type="none" w="med" len="med"/>
+                      <a:tailEnd type="none" w="med" len="med"/>
+                    </a:lnL>
+                    <a:lnR w="12700" cap="flat" cmpd="sng" algn="ctr">
+                      <a:solidFill>
+                        <a:schemeClr val="tx1"/>
+                      </a:solidFill>
+                      <a:prstDash val="solid"/>
+                      <a:round/>
+                      <a:headEnd type="none" w="med" len="med"/>
+                      <a:tailEnd type="none" w="med" len="med"/>
+                    </a:lnR>
+                    <a:lnT w="12700" cap="flat" cmpd="sng" algn="ctr">
+                      <a:solidFill>
+                        <a:schemeClr val="tx1"/>
+                      </a:solidFill>
+                      <a:prstDash val="solid"/>
+                      <a:round/>
+                      <a:headEnd type="none" w="med" len="med"/>
+                      <a:tailEnd type="none" w="med" len="med"/>
+                    </a:lnT>
+                    <a:lnB w="12700" cap="flat" cmpd="sng" algn="ctr">
+                      <a:solidFill>
+                        <a:schemeClr val="tx1"/>
+                      </a:solidFill>
+                      <a:prstDash val="solid"/>
+                      <a:round/>
+                      <a:headEnd type="none" w="med" len="med"/>
+                      <a:tailEnd type="none" w="med" len="med"/>
+                    </a:lnB>
+                  </a:tcPr>
+                </a:tc>
+                <a:tc>
+                  <a:txBody>
+                    <a:bodyPr/>
+                    <a:lstStyle/>
+                    <a:p>
+                      <a:pPr algn="ctr" latinLnBrk="1"/>
+                      <a:endParaRPr lang="ko-KR" altLang="en-US" dirty="0"/>
+                    </a:p>
+                  </a:txBody>
+                  <a:tcPr anchor="ctr">
+                    <a:lnL w="12700" cap="flat" cmpd="sng" algn="ctr">
+                      <a:solidFill>
+                        <a:schemeClr val="tx1"/>
+                      </a:solidFill>
+                      <a:prstDash val="solid"/>
+                      <a:round/>
+                      <a:headEnd type="none" w="med" len="med"/>
+                      <a:tailEnd type="none" w="med" len="med"/>
+                    </a:lnL>
+                    <a:lnR w="12700" cap="flat" cmpd="sng" algn="ctr">
+                      <a:solidFill>
+                        <a:schemeClr val="tx1"/>
+                      </a:solidFill>
+                      <a:prstDash val="solid"/>
+                      <a:round/>
+                      <a:headEnd type="none" w="med" len="med"/>
+                      <a:tailEnd type="none" w="med" len="med"/>
+                    </a:lnR>
+                    <a:lnT w="12700" cap="flat" cmpd="sng" algn="ctr">
+                      <a:solidFill>
+                        <a:schemeClr val="tx1"/>
+                      </a:solidFill>
+                      <a:prstDash val="solid"/>
+                      <a:round/>
+                      <a:headEnd type="none" w="med" len="med"/>
+                      <a:tailEnd type="none" w="med" len="med"/>
+                    </a:lnT>
+                    <a:lnB w="12700" cap="flat" cmpd="sng" algn="ctr">
+                      <a:solidFill>
+                        <a:schemeClr val="tx1"/>
+                      </a:solidFill>
+                      <a:prstDash val="solid"/>
+                      <a:round/>
+                      <a:headEnd type="none" w="med" len="med"/>
+                      <a:tailEnd type="none" w="med" len="med"/>
+                    </a:lnB>
+                  </a:tcPr>
+                </a:tc>
+                <a:tc>
+                  <a:txBody>
+                    <a:bodyPr/>
+                    <a:lstStyle/>
+                    <a:p>
+                      <a:pPr algn="ctr" latinLnBrk="1"/>
+                      <a:endParaRPr lang="ko-KR" altLang="en-US" dirty="0"/>
+                    </a:p>
+                  </a:txBody>
+                  <a:tcPr anchor="ctr">
+                    <a:lnL w="12700" cap="flat" cmpd="sng" algn="ctr">
+                      <a:solidFill>
+                        <a:schemeClr val="tx1"/>
+                      </a:solidFill>
+                      <a:prstDash val="solid"/>
+                      <a:round/>
+                      <a:headEnd type="none" w="med" len="med"/>
+                      <a:tailEnd type="none" w="med" len="med"/>
+                    </a:lnL>
+                    <a:lnR w="12700" cap="flat" cmpd="sng" algn="ctr">
+                      <a:solidFill>
+                        <a:schemeClr val="tx1"/>
+                      </a:solidFill>
+                      <a:prstDash val="solid"/>
+                      <a:round/>
+                      <a:headEnd type="none" w="med" len="med"/>
+                      <a:tailEnd type="none" w="med" len="med"/>
+                    </a:lnR>
+                    <a:lnT w="12700" cap="flat" cmpd="sng" algn="ctr">
+                      <a:solidFill>
+                        <a:schemeClr val="tx1"/>
+                      </a:solidFill>
+                      <a:prstDash val="solid"/>
+                      <a:round/>
+                      <a:headEnd type="none" w="med" len="med"/>
+                      <a:tailEnd type="none" w="med" len="med"/>
+                    </a:lnT>
+                    <a:lnB w="12700" cap="flat" cmpd="sng" algn="ctr">
+                      <a:solidFill>
+                        <a:schemeClr val="tx1"/>
+                      </a:solidFill>
+                      <a:prstDash val="solid"/>
+                      <a:round/>
+                      <a:headEnd type="none" w="med" len="med"/>
+                      <a:tailEnd type="none" w="med" len="med"/>
+                    </a:lnB>
+                  </a:tcPr>
+                </a:tc>
+                <a:tc>
+                  <a:txBody>
+                    <a:bodyPr/>
+                    <a:lstStyle/>
+                    <a:p>
+                      <a:pPr algn="ctr" latinLnBrk="1"/>
+                      <a:endParaRPr lang="ko-KR" altLang="en-US" dirty="0"/>
+                    </a:p>
+                  </a:txBody>
+                  <a:tcPr anchor="ctr">
+                    <a:lnL w="12700" cap="flat" cmpd="sng" algn="ctr">
+                      <a:solidFill>
+                        <a:schemeClr val="tx1"/>
+                      </a:solidFill>
+                      <a:prstDash val="solid"/>
+                      <a:round/>
+                      <a:headEnd type="none" w="med" len="med"/>
+                      <a:tailEnd type="none" w="med" len="med"/>
+                    </a:lnL>
+                    <a:lnR w="12700" cap="flat" cmpd="sng" algn="ctr">
+                      <a:solidFill>
+                        <a:schemeClr val="tx1"/>
+                      </a:solidFill>
+                      <a:prstDash val="solid"/>
+                      <a:round/>
+                      <a:headEnd type="none" w="med" len="med"/>
+                      <a:tailEnd type="none" w="med" len="med"/>
+                    </a:lnR>
+                    <a:lnT w="12700" cap="flat" cmpd="sng" algn="ctr">
+                      <a:solidFill>
+                        <a:schemeClr val="tx1"/>
+                      </a:solidFill>
+                      <a:prstDash val="solid"/>
+                      <a:round/>
+                      <a:headEnd type="none" w="med" len="med"/>
+                      <a:tailEnd type="none" w="med" len="med"/>
+                    </a:lnT>
+                    <a:lnB w="12700" cap="flat" cmpd="sng" algn="ctr">
+                      <a:solidFill>
+                        <a:schemeClr val="tx1"/>
+                      </a:solidFill>
+                      <a:prstDash val="solid"/>
+                      <a:round/>
+                      <a:headEnd type="none" w="med" len="med"/>
+                      <a:tailEnd type="none" w="med" len="med"/>
+                    </a:lnB>
+                  </a:tcPr>
+                </a:tc>
+                <a:tc>
+                  <a:txBody>
+                    <a:bodyPr/>
+                    <a:lstStyle/>
+                    <a:p>
+                      <a:pPr algn="ctr" latinLnBrk="1"/>
+                      <a:r>
+                        <a:rPr lang="en-US" altLang="ko-KR" dirty="0" smtClean="0"/>
+                        <a:t>9,9</a:t>
+                      </a:r>
+                      <a:endParaRPr lang="ko-KR" altLang="en-US" dirty="0"/>
+                    </a:p>
+                  </a:txBody>
+                  <a:tcPr anchor="ctr">
+                    <a:lnL w="12700" cap="flat" cmpd="sng" algn="ctr">
+                      <a:solidFill>
+                        <a:schemeClr val="tx1"/>
+                      </a:solidFill>
+                      <a:prstDash val="solid"/>
+                      <a:round/>
+                      <a:headEnd type="none" w="med" len="med"/>
+                      <a:tailEnd type="none" w="med" len="med"/>
+                    </a:lnL>
+                    <a:lnR w="12700" cap="flat" cmpd="sng" algn="ctr">
+                      <a:solidFill>
+                        <a:schemeClr val="tx1"/>
+                      </a:solidFill>
+                      <a:prstDash val="solid"/>
+                      <a:round/>
+                      <a:headEnd type="none" w="med" len="med"/>
+                      <a:tailEnd type="none" w="med" len="med"/>
+                    </a:lnR>
+                    <a:lnT w="12700" cap="flat" cmpd="sng" algn="ctr">
+                      <a:solidFill>
+                        <a:schemeClr val="tx1"/>
+                      </a:solidFill>
+                      <a:prstDash val="solid"/>
+                      <a:round/>
+                      <a:headEnd type="none" w="med" len="med"/>
+                      <a:tailEnd type="none" w="med" len="med"/>
+                    </a:lnT>
+                    <a:lnB w="12700" cap="flat" cmpd="sng" algn="ctr">
+                      <a:solidFill>
+                        <a:schemeClr val="tx1"/>
+                      </a:solidFill>
+                      <a:prstDash val="solid"/>
+                      <a:round/>
+                      <a:headEnd type="none" w="med" len="med"/>
+                      <a:tailEnd type="none" w="med" len="med"/>
+                    </a:lnB>
+                  </a:tcPr>
+                </a:tc>
+              </a:tr>
+            </a:tbl>
+          </a:graphicData>
+        </a:graphic>
+      </p:graphicFrame>
+      <p:sp>
+        <p:nvSpPr>
+          <p:cNvPr id="6" name="TextBox 5"/>
+          <p:cNvSpPr txBox="1"/>
+          <p:nvPr/>
+        </p:nvSpPr>
+        <p:spPr>
+          <a:xfrm>
+            <a:off x="4214810" y="214290"/>
+            <a:ext cx="994183" cy="369332"/>
+          </a:xfrm>
+          <a:prstGeom prst="rect">
+            <a:avLst/>
+          </a:prstGeom>
+          <a:noFill/>
+        </p:spPr>
+        <p:txBody>
+          <a:bodyPr wrap="none" rtlCol="0">
+            <a:spAutoFit/>
+          </a:bodyPr>
+          <a:lstStyle/>
+          <a:p>
+            <a:r>
+              <a:rPr lang="en-US" altLang="ko-KR" dirty="0" smtClean="0"/>
+              <a:t>column</a:t>
+            </a:r>
+            <a:endParaRPr lang="ko-KR" altLang="en-US" dirty="0"/>
+          </a:p>
+        </p:txBody>
+      </p:sp>
+      <p:sp>
+        <p:nvSpPr>
+          <p:cNvPr id="7" name="TextBox 6"/>
+          <p:cNvSpPr txBox="1"/>
+          <p:nvPr/>
+        </p:nvSpPr>
+        <p:spPr>
+          <a:xfrm>
+            <a:off x="142844" y="2928934"/>
+            <a:ext cx="570926" cy="369332"/>
+          </a:xfrm>
+          <a:prstGeom prst="rect">
+            <a:avLst/>
+          </a:prstGeom>
+          <a:noFill/>
+        </p:spPr>
+        <p:txBody>
+          <a:bodyPr wrap="none" rtlCol="0">
+            <a:spAutoFit/>
+          </a:bodyPr>
+          <a:lstStyle/>
+          <a:p>
+            <a:r>
+              <a:rPr lang="en-US" altLang="ko-KR" dirty="0" smtClean="0"/>
+              <a:t>row</a:t>
+            </a:r>
+            <a:endParaRPr lang="ko-KR" altLang="en-US" dirty="0"/>
           </a:p>
         </p:txBody>
       </p:sp>

--- a/@artifact/sirius_diagram.pptx
+++ b/@artifact/sirius_diagram.pptx
@@ -297,7 +297,7 @@
             <a:fld id="{514A86D4-6CB4-4B01-9FF2-5F8C796C776F}" type="datetimeFigureOut">
               <a:rPr lang="ko-KR" altLang="en-US" smtClean="0"/>
               <a:pPr/>
-              <a:t>2017-11-15</a:t>
+              <a:t>2018-01-22</a:t>
             </a:fld>
             <a:endParaRPr lang="ko-KR" altLang="en-US"/>
           </a:p>
@@ -464,7 +464,7 @@
             <a:fld id="{514A86D4-6CB4-4B01-9FF2-5F8C796C776F}" type="datetimeFigureOut">
               <a:rPr lang="ko-KR" altLang="en-US" smtClean="0"/>
               <a:pPr/>
-              <a:t>2017-11-15</a:t>
+              <a:t>2018-01-22</a:t>
             </a:fld>
             <a:endParaRPr lang="ko-KR" altLang="en-US"/>
           </a:p>
@@ -641,7 +641,7 @@
             <a:fld id="{514A86D4-6CB4-4B01-9FF2-5F8C796C776F}" type="datetimeFigureOut">
               <a:rPr lang="ko-KR" altLang="en-US" smtClean="0"/>
               <a:pPr/>
-              <a:t>2017-11-15</a:t>
+              <a:t>2018-01-22</a:t>
             </a:fld>
             <a:endParaRPr lang="ko-KR" altLang="en-US"/>
           </a:p>
@@ -808,7 +808,7 @@
             <a:fld id="{514A86D4-6CB4-4B01-9FF2-5F8C796C776F}" type="datetimeFigureOut">
               <a:rPr lang="ko-KR" altLang="en-US" smtClean="0"/>
               <a:pPr/>
-              <a:t>2017-11-15</a:t>
+              <a:t>2018-01-22</a:t>
             </a:fld>
             <a:endParaRPr lang="ko-KR" altLang="en-US"/>
           </a:p>
@@ -1051,7 +1051,7 @@
             <a:fld id="{514A86D4-6CB4-4B01-9FF2-5F8C796C776F}" type="datetimeFigureOut">
               <a:rPr lang="ko-KR" altLang="en-US" smtClean="0"/>
               <a:pPr/>
-              <a:t>2017-11-15</a:t>
+              <a:t>2018-01-22</a:t>
             </a:fld>
             <a:endParaRPr lang="ko-KR" altLang="en-US"/>
           </a:p>
@@ -1336,7 +1336,7 @@
             <a:fld id="{514A86D4-6CB4-4B01-9FF2-5F8C796C776F}" type="datetimeFigureOut">
               <a:rPr lang="ko-KR" altLang="en-US" smtClean="0"/>
               <a:pPr/>
-              <a:t>2017-11-15</a:t>
+              <a:t>2018-01-22</a:t>
             </a:fld>
             <a:endParaRPr lang="ko-KR" altLang="en-US"/>
           </a:p>
@@ -1755,7 +1755,7 @@
             <a:fld id="{514A86D4-6CB4-4B01-9FF2-5F8C796C776F}" type="datetimeFigureOut">
               <a:rPr lang="ko-KR" altLang="en-US" smtClean="0"/>
               <a:pPr/>
-              <a:t>2017-11-15</a:t>
+              <a:t>2018-01-22</a:t>
             </a:fld>
             <a:endParaRPr lang="ko-KR" altLang="en-US"/>
           </a:p>
@@ -1870,7 +1870,7 @@
             <a:fld id="{514A86D4-6CB4-4B01-9FF2-5F8C796C776F}" type="datetimeFigureOut">
               <a:rPr lang="ko-KR" altLang="en-US" smtClean="0"/>
               <a:pPr/>
-              <a:t>2017-11-15</a:t>
+              <a:t>2018-01-22</a:t>
             </a:fld>
             <a:endParaRPr lang="ko-KR" altLang="en-US"/>
           </a:p>
@@ -1962,7 +1962,7 @@
             <a:fld id="{514A86D4-6CB4-4B01-9FF2-5F8C796C776F}" type="datetimeFigureOut">
               <a:rPr lang="ko-KR" altLang="en-US" smtClean="0"/>
               <a:pPr/>
-              <a:t>2017-11-15</a:t>
+              <a:t>2018-01-22</a:t>
             </a:fld>
             <a:endParaRPr lang="ko-KR" altLang="en-US"/>
           </a:p>
@@ -2236,7 +2236,7 @@
             <a:fld id="{514A86D4-6CB4-4B01-9FF2-5F8C796C776F}" type="datetimeFigureOut">
               <a:rPr lang="ko-KR" altLang="en-US" smtClean="0"/>
               <a:pPr/>
-              <a:t>2017-11-15</a:t>
+              <a:t>2018-01-22</a:t>
             </a:fld>
             <a:endParaRPr lang="ko-KR" altLang="en-US"/>
           </a:p>
@@ -2486,7 +2486,7 @@
             <a:fld id="{514A86D4-6CB4-4B01-9FF2-5F8C796C776F}" type="datetimeFigureOut">
               <a:rPr lang="ko-KR" altLang="en-US" smtClean="0"/>
               <a:pPr/>
-              <a:t>2017-11-15</a:t>
+              <a:t>2018-01-22</a:t>
             </a:fld>
             <a:endParaRPr lang="ko-KR" altLang="en-US"/>
           </a:p>
@@ -2696,7 +2696,7 @@
             <a:fld id="{514A86D4-6CB4-4B01-9FF2-5F8C796C776F}" type="datetimeFigureOut">
               <a:rPr lang="ko-KR" altLang="en-US" smtClean="0"/>
               <a:pPr/>
-              <a:t>2017-11-15</a:t>
+              <a:t>2018-01-22</a:t>
             </a:fld>
             <a:endParaRPr lang="ko-KR" altLang="en-US"/>
           </a:p>
@@ -8305,7 +8305,7 @@
         </p:nvSpPr>
         <p:spPr>
           <a:xfrm>
-            <a:off x="785786" y="1285064"/>
+            <a:off x="785786" y="928670"/>
             <a:ext cx="2786082" cy="643738"/>
           </a:xfrm>
           <a:prstGeom prst="rect">
@@ -8404,7 +8404,7 @@
         </p:nvSpPr>
         <p:spPr>
           <a:xfrm>
-            <a:off x="830611" y="1570816"/>
+            <a:off x="830611" y="1214422"/>
             <a:ext cx="812431" cy="285752"/>
           </a:xfrm>
           <a:prstGeom prst="rect">
@@ -8485,7 +8485,7 @@
         </p:nvSpPr>
         <p:spPr>
           <a:xfrm>
-            <a:off x="1739880" y="1570816"/>
+            <a:off x="1739880" y="1214422"/>
             <a:ext cx="812431" cy="285752"/>
           </a:xfrm>
           <a:prstGeom prst="rect">
@@ -8566,8 +8566,8 @@
         </p:nvSpPr>
         <p:spPr>
           <a:xfrm>
-            <a:off x="678488" y="1187809"/>
-            <a:ext cx="3018326" cy="4884397"/>
+            <a:off x="678488" y="857232"/>
+            <a:ext cx="3018326" cy="5715039"/>
           </a:xfrm>
           <a:prstGeom prst="rect">
             <a:avLst/>
@@ -8623,7 +8623,7 @@
         </p:nvSpPr>
         <p:spPr>
           <a:xfrm>
-            <a:off x="678770" y="906645"/>
+            <a:off x="678770" y="571480"/>
             <a:ext cx="1683410" cy="307777"/>
           </a:xfrm>
           <a:prstGeom prst="rect">
@@ -8764,8 +8764,8 @@
         </p:nvCxnSpPr>
         <p:spPr>
           <a:xfrm rot="5400000">
-            <a:off x="3156546" y="3799496"/>
-            <a:ext cx="4831172" cy="1588"/>
+            <a:off x="2906512" y="4049530"/>
+            <a:ext cx="5331240" cy="1588"/>
           </a:xfrm>
           <a:prstGeom prst="line">
             <a:avLst/>
@@ -8801,7 +8801,7 @@
         </p:nvCxnSpPr>
         <p:spPr>
           <a:xfrm rot="10800000">
-            <a:off x="3714744" y="2214554"/>
+            <a:off x="3714744" y="1571612"/>
             <a:ext cx="1857388" cy="1588"/>
           </a:xfrm>
           <a:prstGeom prst="straightConnector1">
@@ -8834,7 +8834,7 @@
         </p:nvSpPr>
         <p:spPr>
           <a:xfrm>
-            <a:off x="3786182" y="2000240"/>
+            <a:off x="3983235" y="1348333"/>
             <a:ext cx="1588897" cy="230832"/>
           </a:xfrm>
           <a:prstGeom prst="rect">
@@ -8877,7 +8877,7 @@
         </p:nvSpPr>
         <p:spPr>
           <a:xfrm>
-            <a:off x="2732542" y="1571612"/>
+            <a:off x="2732542" y="1215218"/>
             <a:ext cx="812431" cy="285752"/>
           </a:xfrm>
           <a:prstGeom prst="rect">
@@ -8976,7 +8976,7 @@
         </p:nvCxnSpPr>
         <p:spPr>
           <a:xfrm>
-            <a:off x="3143240" y="2535884"/>
+            <a:off x="3143240" y="1770704"/>
             <a:ext cx="2428892" cy="1588"/>
           </a:xfrm>
           <a:prstGeom prst="straightConnector1">
@@ -9009,7 +9009,7 @@
         </p:nvSpPr>
         <p:spPr>
           <a:xfrm>
-            <a:off x="3098415" y="2336792"/>
+            <a:off x="3143240" y="1571612"/>
             <a:ext cx="1473480" cy="230832"/>
           </a:xfrm>
           <a:prstGeom prst="rect">
@@ -9040,7 +9040,7 @@
         </p:nvSpPr>
         <p:spPr>
           <a:xfrm>
-            <a:off x="4071934" y="2596446"/>
+            <a:off x="4000496" y="1813336"/>
             <a:ext cx="1553630" cy="230832"/>
           </a:xfrm>
           <a:prstGeom prst="rect">
@@ -9071,7 +9071,7 @@
         </p:nvCxnSpPr>
         <p:spPr>
           <a:xfrm rot="10800000">
-            <a:off x="3143240" y="2786058"/>
+            <a:off x="3143240" y="2020878"/>
             <a:ext cx="2428892" cy="1588"/>
           </a:xfrm>
           <a:prstGeom prst="straightConnector1">
@@ -9105,7 +9105,7 @@
         <p:spPr>
           <a:xfrm>
             <a:off x="500034" y="571480"/>
-            <a:ext cx="6215106" cy="5643602"/>
+            <a:ext cx="6215106" cy="6143668"/>
           </a:xfrm>
           <a:prstGeom prst="rect">
             <a:avLst/>
@@ -9113,8 +9113,9 @@
           <a:noFill/>
           <a:ln>
             <a:solidFill>
-              <a:schemeClr val="bg1">
-                <a:lumMod val="50000"/>
+              <a:schemeClr val="accent1">
+                <a:lumMod val="60000"/>
+                <a:lumOff val="40000"/>
               </a:schemeClr>
             </a:solidFill>
             <a:prstDash val="dash"/>
@@ -9206,7 +9207,7 @@
         </p:nvCxnSpPr>
         <p:spPr>
           <a:xfrm>
-            <a:off x="3143240" y="3163886"/>
+            <a:off x="3143240" y="3907169"/>
             <a:ext cx="4857784" cy="1588"/>
           </a:xfrm>
           <a:prstGeom prst="straightConnector1">
@@ -9239,7 +9240,7 @@
         </p:nvSpPr>
         <p:spPr>
           <a:xfrm>
-            <a:off x="5938287" y="2928934"/>
+            <a:off x="5938287" y="3672217"/>
             <a:ext cx="1696298" cy="230832"/>
           </a:xfrm>
           <a:prstGeom prst="rect">
@@ -9341,8 +9342,8 @@
         </p:nvCxnSpPr>
         <p:spPr>
           <a:xfrm rot="5400000">
-            <a:off x="5585438" y="3799496"/>
-            <a:ext cx="4831172" cy="1588"/>
+            <a:off x="5335404" y="4049530"/>
+            <a:ext cx="5331240" cy="1588"/>
           </a:xfrm>
           <a:prstGeom prst="line">
             <a:avLst/>
@@ -9378,7 +9379,7 @@
         </p:nvCxnSpPr>
         <p:spPr>
           <a:xfrm>
-            <a:off x="5570782" y="1885389"/>
+            <a:off x="5570782" y="3056422"/>
             <a:ext cx="2428892" cy="1588"/>
           </a:xfrm>
           <a:prstGeom prst="straightConnector1">
@@ -9411,8 +9412,8 @@
         </p:nvSpPr>
         <p:spPr>
           <a:xfrm>
-            <a:off x="6313690" y="1516984"/>
-            <a:ext cx="2044242" cy="230832"/>
+            <a:off x="6528004" y="2644594"/>
+            <a:ext cx="1473020" cy="230832"/>
           </a:xfrm>
           <a:prstGeom prst="rect">
             <a:avLst/>
@@ -9421,7 +9422,7 @@
         </p:spPr>
         <p:txBody>
           <a:bodyPr wrap="square" rtlCol="0">
-            <a:spAutoFit/>
+            <a:normAutofit/>
           </a:bodyPr>
           <a:lstStyle/>
           <a:p>
@@ -9442,7 +9443,7 @@
         </p:nvSpPr>
         <p:spPr>
           <a:xfrm>
-            <a:off x="5581657" y="1697970"/>
+            <a:off x="5581657" y="2851073"/>
             <a:ext cx="1553630" cy="230832"/>
           </a:xfrm>
           <a:prstGeom prst="rect">
@@ -9473,7 +9474,7 @@
         </p:nvCxnSpPr>
         <p:spPr>
           <a:xfrm rot="10800000">
-            <a:off x="5570782" y="1712900"/>
+            <a:off x="5570782" y="2839098"/>
             <a:ext cx="2428892" cy="1588"/>
           </a:xfrm>
           <a:prstGeom prst="straightConnector1">
@@ -9506,7 +9507,7 @@
         </p:nvCxnSpPr>
         <p:spPr>
           <a:xfrm>
-            <a:off x="2143108" y="3848745"/>
+            <a:off x="2143108" y="4376836"/>
             <a:ext cx="5857916" cy="1588"/>
           </a:xfrm>
           <a:prstGeom prst="straightConnector1">
@@ -9539,8 +9540,8 @@
         </p:nvSpPr>
         <p:spPr>
           <a:xfrm>
-            <a:off x="6313972" y="3429000"/>
-            <a:ext cx="2044242" cy="230832"/>
+            <a:off x="6528286" y="3966056"/>
+            <a:ext cx="1472738" cy="230832"/>
           </a:xfrm>
           <a:prstGeom prst="rect">
             <a:avLst/>
@@ -9570,7 +9571,7 @@
         </p:nvSpPr>
         <p:spPr>
           <a:xfrm>
-            <a:off x="2071670" y="3643314"/>
+            <a:off x="2071670" y="4171405"/>
             <a:ext cx="1553630" cy="230832"/>
           </a:xfrm>
           <a:prstGeom prst="rect">
@@ -9601,7 +9602,7 @@
         </p:nvCxnSpPr>
         <p:spPr>
           <a:xfrm rot="10800000">
-            <a:off x="2143108" y="3617913"/>
+            <a:off x="2143108" y="4172899"/>
             <a:ext cx="5857916" cy="1588"/>
           </a:xfrm>
           <a:prstGeom prst="straightConnector1">
@@ -9629,13 +9630,15 @@
       <p:cxnSp>
         <p:nvCxnSpPr>
           <p:cNvPr id="97" name="Straight Connector 96"/>
-          <p:cNvCxnSpPr/>
+          <p:cNvCxnSpPr>
+            <a:stCxn id="43" idx="2"/>
+          </p:cNvCxnSpPr>
           <p:nvPr/>
         </p:nvCxnSpPr>
         <p:spPr>
           <a:xfrm rot="16200000" flipH="1">
-            <a:off x="965311" y="4035291"/>
-            <a:ext cx="4357718" cy="1863"/>
+            <a:off x="533910" y="4105818"/>
+            <a:ext cx="5214178" cy="4482"/>
           </a:xfrm>
           <a:prstGeom prst="line">
             <a:avLst/>
@@ -9671,7 +9674,7 @@
         </p:nvCxnSpPr>
         <p:spPr>
           <a:xfrm>
-            <a:off x="3140150" y="3071810"/>
+            <a:off x="3140150" y="2259097"/>
             <a:ext cx="2428892" cy="1588"/>
           </a:xfrm>
           <a:prstGeom prst="straightConnector1">
@@ -9704,8 +9707,8 @@
         </p:nvSpPr>
         <p:spPr>
           <a:xfrm>
-            <a:off x="3143240" y="2876556"/>
-            <a:ext cx="1527982" cy="230832"/>
+            <a:off x="3143240" y="2063843"/>
+            <a:ext cx="1717138" cy="230832"/>
           </a:xfrm>
           <a:prstGeom prst="rect">
             <a:avLst/>
@@ -9721,7 +9724,11 @@
             <a:pPr algn="ctr"/>
             <a:r>
               <a:rPr lang="en-US" altLang="ko-KR" sz="900" b="1" dirty="0" smtClean="0"/>
-              <a:t>Start Attendant Request</a:t>
+              <a:t>Connect Attendant </a:t>
+            </a:r>
+            <a:r>
+              <a:rPr lang="en-US" altLang="ko-KR" sz="900" b="1" dirty="0" smtClean="0"/>
+              <a:t>Request</a:t>
             </a:r>
             <a:endParaRPr lang="ko-KR" altLang="en-US" sz="900" b="1" dirty="0"/>
           </a:p>
@@ -9735,8 +9742,8 @@
         </p:nvSpPr>
         <p:spPr>
           <a:xfrm>
-            <a:off x="3999859" y="3153625"/>
-            <a:ext cx="1608133" cy="230832"/>
+            <a:off x="3774844" y="2269474"/>
+            <a:ext cx="1797288" cy="230832"/>
           </a:xfrm>
           <a:prstGeom prst="rect">
             <a:avLst/>
@@ -9752,7 +9759,11 @@
             <a:pPr algn="ctr"/>
             <a:r>
               <a:rPr lang="en-US" altLang="ko-KR" sz="900" b="1" dirty="0" smtClean="0"/>
-              <a:t>Start Attendant Response</a:t>
+              <a:t>Connect </a:t>
+            </a:r>
+            <a:r>
+              <a:rPr lang="en-US" altLang="ko-KR" sz="900" b="1" dirty="0" smtClean="0"/>
+              <a:t>Attendant Response</a:t>
             </a:r>
             <a:endParaRPr lang="ko-KR" altLang="en-US" sz="900" b="1" dirty="0"/>
           </a:p>
@@ -9766,7 +9777,7 @@
         </p:nvCxnSpPr>
         <p:spPr>
           <a:xfrm rot="10800000">
-            <a:off x="3140150" y="3355973"/>
+            <a:off x="3140150" y="2471822"/>
             <a:ext cx="2428892" cy="1588"/>
           </a:xfrm>
           <a:prstGeom prst="straightConnector1">
@@ -9799,7 +9810,7 @@
         </p:nvCxnSpPr>
         <p:spPr>
           <a:xfrm>
-            <a:off x="2143108" y="4304977"/>
+            <a:off x="2143108" y="4784734"/>
             <a:ext cx="5857916" cy="1588"/>
           </a:xfrm>
           <a:prstGeom prst="straightConnector1">
@@ -9832,8 +9843,8 @@
         </p:nvSpPr>
         <p:spPr>
           <a:xfrm>
-            <a:off x="7000892" y="3857628"/>
-            <a:ext cx="1214446" cy="230832"/>
+            <a:off x="7072330" y="4385719"/>
+            <a:ext cx="928694" cy="230832"/>
           </a:xfrm>
           <a:prstGeom prst="rect">
             <a:avLst/>
@@ -9863,7 +9874,7 @@
         </p:nvSpPr>
         <p:spPr>
           <a:xfrm>
-            <a:off x="2143108" y="4071942"/>
+            <a:off x="2143108" y="4580973"/>
             <a:ext cx="976549" cy="230832"/>
           </a:xfrm>
           <a:prstGeom prst="rect">
@@ -9894,7 +9905,7 @@
         </p:nvCxnSpPr>
         <p:spPr>
           <a:xfrm rot="10800000">
-            <a:off x="2143108" y="4036072"/>
+            <a:off x="2143108" y="4589938"/>
             <a:ext cx="5857916" cy="1588"/>
           </a:xfrm>
           <a:prstGeom prst="straightConnector1">
@@ -9927,7 +9938,7 @@
         </p:nvCxnSpPr>
         <p:spPr>
           <a:xfrm rot="10800000">
-            <a:off x="1214414" y="4213229"/>
+            <a:off x="1214414" y="4692986"/>
             <a:ext cx="928694" cy="1588"/>
           </a:xfrm>
           <a:prstGeom prst="straightConnector1">
@@ -9960,7 +9971,7 @@
         </p:nvSpPr>
         <p:spPr>
           <a:xfrm>
-            <a:off x="1214414" y="3983986"/>
+            <a:off x="1214414" y="4463743"/>
             <a:ext cx="930063" cy="230832"/>
           </a:xfrm>
           <a:prstGeom prst="rect">
@@ -9998,13 +10009,15 @@
       <p:cxnSp>
         <p:nvCxnSpPr>
           <p:cNvPr id="118" name="Straight Connector 117"/>
-          <p:cNvCxnSpPr/>
+          <p:cNvCxnSpPr>
+            <a:stCxn id="7" idx="2"/>
+          </p:cNvCxnSpPr>
           <p:nvPr/>
         </p:nvCxnSpPr>
         <p:spPr>
-          <a:xfrm rot="16200000" flipH="1">
-            <a:off x="-34819" y="4035291"/>
-            <a:ext cx="4357718" cy="1863"/>
+          <a:xfrm rot="5400000">
+            <a:off x="-462885" y="4106167"/>
+            <a:ext cx="5214974" cy="2988"/>
           </a:xfrm>
           <a:prstGeom prst="line">
             <a:avLst/>
@@ -10035,13 +10048,15 @@
       <p:cxnSp>
         <p:nvCxnSpPr>
           <p:cNvPr id="119" name="Straight Connector 118"/>
-          <p:cNvCxnSpPr/>
+          <p:cNvCxnSpPr>
+            <a:stCxn id="4" idx="2"/>
+          </p:cNvCxnSpPr>
           <p:nvPr/>
         </p:nvCxnSpPr>
         <p:spPr>
-          <a:xfrm rot="16200000" flipH="1">
-            <a:off x="-963513" y="4035291"/>
-            <a:ext cx="4357718" cy="1863"/>
+          <a:xfrm rot="5400000">
+            <a:off x="-1381867" y="4096456"/>
+            <a:ext cx="5214976" cy="22413"/>
           </a:xfrm>
           <a:prstGeom prst="line">
             <a:avLst/>
@@ -10077,8 +10092,8 @@
         </p:nvSpPr>
         <p:spPr>
           <a:xfrm>
-            <a:off x="6376162" y="1928802"/>
-            <a:ext cx="1785950" cy="230832"/>
+            <a:off x="6519038" y="3126730"/>
+            <a:ext cx="1481986" cy="230832"/>
           </a:xfrm>
           <a:prstGeom prst="rect">
             <a:avLst/>
@@ -10094,7 +10109,11 @@
             <a:pPr algn="ctr"/>
             <a:r>
               <a:rPr lang="en-US" altLang="ko-KR" sz="900" b="1" dirty="0" smtClean="0"/>
-              <a:t>Create Attendant Request</a:t>
+              <a:t>Connect Client </a:t>
+            </a:r>
+            <a:r>
+              <a:rPr lang="en-US" altLang="ko-KR" sz="900" b="1" dirty="0" smtClean="0"/>
+              <a:t>Request</a:t>
             </a:r>
             <a:endParaRPr lang="ko-KR" altLang="en-US" sz="900" b="1" dirty="0"/>
           </a:p>
@@ -10108,7 +10127,7 @@
         </p:nvCxnSpPr>
         <p:spPr>
           <a:xfrm rot="10800000">
-            <a:off x="5572132" y="2124718"/>
+            <a:off x="5572132" y="3322646"/>
             <a:ext cx="2428892" cy="1588"/>
           </a:xfrm>
           <a:prstGeom prst="straightConnector1">
@@ -10141,7 +10160,7 @@
         </p:nvCxnSpPr>
         <p:spPr>
           <a:xfrm>
-            <a:off x="5572132" y="2340912"/>
+            <a:off x="5572132" y="3537428"/>
             <a:ext cx="2428892" cy="1588"/>
           </a:xfrm>
           <a:prstGeom prst="straightConnector1">
@@ -10174,8 +10193,8 @@
         </p:nvSpPr>
         <p:spPr>
           <a:xfrm>
-            <a:off x="5520252" y="2153493"/>
-            <a:ext cx="1699504" cy="230832"/>
+            <a:off x="5564795" y="3341044"/>
+            <a:ext cx="1552078" cy="230832"/>
           </a:xfrm>
           <a:prstGeom prst="rect">
             <a:avLst/>
@@ -10183,7 +10202,7 @@
           <a:noFill/>
         </p:spPr>
         <p:txBody>
-          <a:bodyPr wrap="none" rtlCol="0">
+          <a:bodyPr wrap="square" rtlCol="0">
             <a:spAutoFit/>
           </a:bodyPr>
           <a:lstStyle/>
@@ -10191,7 +10210,11 @@
             <a:pPr algn="ctr"/>
             <a:r>
               <a:rPr lang="en-US" altLang="ko-KR" sz="900" b="1" dirty="0" smtClean="0"/>
-              <a:t>Create Attendant Response</a:t>
+              <a:t>Connect Client </a:t>
+            </a:r>
+            <a:r>
+              <a:rPr lang="en-US" altLang="ko-KR" sz="900" b="1" dirty="0" smtClean="0"/>
+              <a:t>Response</a:t>
             </a:r>
             <a:endParaRPr lang="ko-KR" altLang="en-US" sz="900" b="1" dirty="0"/>
           </a:p>
@@ -10205,7 +10228,7 @@
         </p:nvSpPr>
         <p:spPr>
           <a:xfrm>
-            <a:off x="928662" y="4429132"/>
+            <a:off x="928662" y="4929198"/>
             <a:ext cx="8072494" cy="1500198"/>
           </a:xfrm>
           <a:prstGeom prst="rect">
@@ -10252,7 +10275,7 @@
         </p:nvCxnSpPr>
         <p:spPr>
           <a:xfrm>
-            <a:off x="2143108" y="4643446"/>
+            <a:off x="2143108" y="5143512"/>
             <a:ext cx="5857916" cy="1588"/>
           </a:xfrm>
           <a:prstGeom prst="straightConnector1">
@@ -10285,7 +10308,7 @@
         </p:nvSpPr>
         <p:spPr>
           <a:xfrm>
-            <a:off x="4071934" y="4429132"/>
+            <a:off x="4071934" y="4929198"/>
             <a:ext cx="952505" cy="230832"/>
           </a:xfrm>
           <a:prstGeom prst="rect">
@@ -10324,7 +10347,7 @@
         </p:nvSpPr>
         <p:spPr>
           <a:xfrm>
-            <a:off x="7027787" y="4643446"/>
+            <a:off x="7027787" y="5143512"/>
             <a:ext cx="1348357" cy="230832"/>
           </a:xfrm>
           <a:prstGeom prst="rect">
@@ -10355,7 +10378,7 @@
         </p:nvCxnSpPr>
         <p:spPr>
           <a:xfrm rot="10800000">
-            <a:off x="5552569" y="4839362"/>
+            <a:off x="5552569" y="5339428"/>
             <a:ext cx="2428892" cy="1588"/>
           </a:xfrm>
           <a:prstGeom prst="straightConnector1">
@@ -10388,7 +10411,7 @@
         </p:nvSpPr>
         <p:spPr>
           <a:xfrm>
-            <a:off x="4242270" y="4769804"/>
+            <a:off x="4242270" y="5269870"/>
             <a:ext cx="2044242" cy="230832"/>
           </a:xfrm>
           <a:prstGeom prst="rect">
@@ -10419,7 +10442,7 @@
         </p:nvCxnSpPr>
         <p:spPr>
           <a:xfrm rot="10800000">
-            <a:off x="3114712" y="4965720"/>
+            <a:off x="3114712" y="5465786"/>
             <a:ext cx="2428892" cy="1588"/>
           </a:xfrm>
           <a:prstGeom prst="straightConnector1">
@@ -10452,7 +10475,7 @@
         </p:nvSpPr>
         <p:spPr>
           <a:xfrm>
-            <a:off x="6420988" y="4929198"/>
+            <a:off x="6420988" y="5429264"/>
             <a:ext cx="2044242" cy="230832"/>
           </a:xfrm>
           <a:prstGeom prst="rect">
@@ -10483,7 +10506,7 @@
         </p:nvCxnSpPr>
         <p:spPr>
           <a:xfrm rot="10800000">
-            <a:off x="5552569" y="5125114"/>
+            <a:off x="5552569" y="5625180"/>
             <a:ext cx="2428892" cy="1588"/>
           </a:xfrm>
           <a:prstGeom prst="straightConnector1">
@@ -10516,7 +10539,7 @@
         </p:nvCxnSpPr>
         <p:spPr>
           <a:xfrm>
-            <a:off x="5572132" y="5411334"/>
+            <a:off x="5572132" y="5911400"/>
             <a:ext cx="2428892" cy="1588"/>
           </a:xfrm>
           <a:prstGeom prst="straightConnector1">
@@ -10549,7 +10572,7 @@
         </p:nvSpPr>
         <p:spPr>
           <a:xfrm>
-            <a:off x="5522394" y="5207397"/>
+            <a:off x="5522394" y="5707463"/>
             <a:ext cx="1335622" cy="230832"/>
           </a:xfrm>
           <a:prstGeom prst="rect">
@@ -10580,7 +10603,7 @@
         </p:nvCxnSpPr>
         <p:spPr>
           <a:xfrm>
-            <a:off x="3143240" y="5570552"/>
+            <a:off x="3143240" y="6070618"/>
             <a:ext cx="2428892" cy="1588"/>
           </a:xfrm>
           <a:prstGeom prst="straightConnector1">
@@ -10613,7 +10636,7 @@
         </p:nvSpPr>
         <p:spPr>
           <a:xfrm>
-            <a:off x="3134275" y="5346482"/>
+            <a:off x="3134275" y="5846548"/>
             <a:ext cx="1255472" cy="230832"/>
           </a:xfrm>
           <a:prstGeom prst="rect">
@@ -10644,7 +10667,7 @@
         </p:nvSpPr>
         <p:spPr>
           <a:xfrm>
-            <a:off x="3946706" y="5643578"/>
+            <a:off x="3946706" y="6143644"/>
             <a:ext cx="2044242" cy="230832"/>
           </a:xfrm>
           <a:prstGeom prst="rect">
@@ -10675,7 +10698,7 @@
         </p:nvCxnSpPr>
         <p:spPr>
           <a:xfrm rot="10800000">
-            <a:off x="3132077" y="5839494"/>
+            <a:off x="3132077" y="6339560"/>
             <a:ext cx="2428892" cy="1588"/>
           </a:xfrm>
           <a:prstGeom prst="straightConnector1">
@@ -10708,7 +10731,7 @@
         </p:nvSpPr>
         <p:spPr>
           <a:xfrm>
-            <a:off x="8001024" y="4429132"/>
+            <a:off x="8001024" y="4929198"/>
             <a:ext cx="1000132" cy="1500198"/>
           </a:xfrm>
           <a:prstGeom prst="rect">
@@ -10754,7 +10777,7 @@
         </p:nvSpPr>
         <p:spPr>
           <a:xfrm rot="5400000">
-            <a:off x="8164292" y="4929467"/>
+            <a:off x="8164292" y="5429533"/>
             <a:ext cx="732893" cy="369332"/>
           </a:xfrm>
           <a:prstGeom prst="rect">
@@ -10795,6 +10818,142 @@
                 </a:outerShdw>
               </a:effectLst>
             </a:endParaRPr>
+          </a:p>
+        </p:txBody>
+      </p:sp>
+      <p:sp>
+        <p:nvSpPr>
+          <p:cNvPr id="92" name="TextBox 91"/>
+          <p:cNvSpPr txBox="1"/>
+          <p:nvPr/>
+        </p:nvSpPr>
+        <p:spPr>
+          <a:xfrm>
+            <a:off x="3929058" y="3226193"/>
+            <a:ext cx="1624862" cy="230832"/>
+          </a:xfrm>
+          <a:prstGeom prst="rect">
+            <a:avLst/>
+          </a:prstGeom>
+          <a:noFill/>
+        </p:spPr>
+        <p:txBody>
+          <a:bodyPr wrap="square" rtlCol="0">
+            <a:spAutoFit/>
+          </a:bodyPr>
+          <a:lstStyle/>
+          <a:p>
+            <a:pPr algn="ctr"/>
+            <a:r>
+              <a:rPr lang="en-US" altLang="ko-KR" sz="900" b="1" dirty="0" smtClean="0"/>
+              <a:t>Start Attendant </a:t>
+            </a:r>
+            <a:r>
+              <a:rPr lang="en-US" altLang="ko-KR" sz="900" b="1" dirty="0" smtClean="0"/>
+              <a:t>Request</a:t>
+            </a:r>
+            <a:endParaRPr lang="ko-KR" altLang="en-US" sz="900" b="1" dirty="0"/>
+          </a:p>
+        </p:txBody>
+      </p:sp>
+      <p:cxnSp>
+        <p:nvCxnSpPr>
+          <p:cNvPr id="93" name="Straight Arrow Connector 92"/>
+          <p:cNvCxnSpPr/>
+          <p:nvPr/>
+        </p:nvCxnSpPr>
+        <p:spPr>
+          <a:xfrm rot="10800000">
+            <a:off x="3125028" y="3422109"/>
+            <a:ext cx="2428892" cy="1588"/>
+          </a:xfrm>
+          <a:prstGeom prst="straightConnector1">
+            <a:avLst/>
+          </a:prstGeom>
+          <a:ln>
+            <a:tailEnd type="arrow"/>
+          </a:ln>
+        </p:spPr>
+        <p:style>
+          <a:lnRef idx="2">
+            <a:schemeClr val="accent6"/>
+          </a:lnRef>
+          <a:fillRef idx="0">
+            <a:schemeClr val="accent6"/>
+          </a:fillRef>
+          <a:effectRef idx="1">
+            <a:schemeClr val="accent6"/>
+          </a:effectRef>
+          <a:fontRef idx="minor">
+            <a:schemeClr val="tx1"/>
+          </a:fontRef>
+        </p:style>
+      </p:cxnSp>
+      <p:cxnSp>
+        <p:nvCxnSpPr>
+          <p:cNvPr id="94" name="Straight Arrow Connector 93"/>
+          <p:cNvCxnSpPr/>
+          <p:nvPr/>
+        </p:nvCxnSpPr>
+        <p:spPr>
+          <a:xfrm>
+            <a:off x="3143240" y="3680304"/>
+            <a:ext cx="2428892" cy="1588"/>
+          </a:xfrm>
+          <a:prstGeom prst="straightConnector1">
+            <a:avLst/>
+          </a:prstGeom>
+          <a:ln>
+            <a:tailEnd type="arrow"/>
+          </a:ln>
+        </p:spPr>
+        <p:style>
+          <a:lnRef idx="2">
+            <a:schemeClr val="accent6"/>
+          </a:lnRef>
+          <a:fillRef idx="0">
+            <a:schemeClr val="accent6"/>
+          </a:fillRef>
+          <a:effectRef idx="1">
+            <a:schemeClr val="accent6"/>
+          </a:effectRef>
+          <a:fontRef idx="minor">
+            <a:schemeClr val="tx1"/>
+          </a:fontRef>
+        </p:style>
+      </p:cxnSp>
+      <p:sp>
+        <p:nvSpPr>
+          <p:cNvPr id="95" name="TextBox 94"/>
+          <p:cNvSpPr txBox="1"/>
+          <p:nvPr/>
+        </p:nvSpPr>
+        <p:spPr>
+          <a:xfrm>
+            <a:off x="3135902" y="3483920"/>
+            <a:ext cx="1650411" cy="230832"/>
+          </a:xfrm>
+          <a:prstGeom prst="rect">
+            <a:avLst/>
+          </a:prstGeom>
+          <a:noFill/>
+        </p:spPr>
+        <p:txBody>
+          <a:bodyPr wrap="square" rtlCol="0">
+            <a:spAutoFit/>
+          </a:bodyPr>
+          <a:lstStyle/>
+          <a:p>
+            <a:pPr algn="ctr"/>
+            <a:r>
+              <a:rPr lang="en-US" altLang="ko-KR" sz="900" b="1" dirty="0" smtClean="0"/>
+              <a:t>Start Attendant </a:t>
+            </a:r>
+            <a:r>
+              <a:rPr lang="en-US" altLang="ko-KR" sz="900" b="1" dirty="0" smtClean="0"/>
+              <a:t>Response</a:t>
+            </a:r>
+            <a:endParaRPr lang="ko-KR" altLang="en-US" sz="900" b="1" dirty="0"/>
           </a:p>
         </p:txBody>
       </p:sp>
@@ -12620,8 +12779,9 @@
           <a:noFill/>
           <a:ln>
             <a:solidFill>
-              <a:schemeClr val="bg1">
-                <a:lumMod val="50000"/>
+              <a:schemeClr val="accent1">
+                <a:lumMod val="60000"/>
+                <a:lumOff val="40000"/>
               </a:schemeClr>
             </a:solidFill>
             <a:prstDash val="dash"/>
@@ -12821,7 +12981,7 @@
         </p:nvCxnSpPr>
         <p:spPr>
           <a:xfrm>
-            <a:off x="5570782" y="2698102"/>
+            <a:off x="5570782" y="2537296"/>
             <a:ext cx="2428892" cy="1588"/>
           </a:xfrm>
           <a:prstGeom prst="straightConnector1">
@@ -12854,8 +13014,8 @@
         </p:nvSpPr>
         <p:spPr>
           <a:xfrm>
-            <a:off x="6188461" y="2045065"/>
-            <a:ext cx="2044242" cy="230832"/>
+            <a:off x="6331337" y="2045065"/>
+            <a:ext cx="1669687" cy="230832"/>
           </a:xfrm>
           <a:prstGeom prst="rect">
             <a:avLst/>
@@ -12871,7 +13031,11 @@
             <a:pPr algn="ctr"/>
             <a:r>
               <a:rPr lang="en-US" altLang="ko-KR" sz="900" b="1" dirty="0" smtClean="0"/>
-              <a:t>Destroy Attendant Request</a:t>
+              <a:t>Disconnect Client </a:t>
+            </a:r>
+            <a:r>
+              <a:rPr lang="en-US" altLang="ko-KR" sz="900" b="1" dirty="0" smtClean="0"/>
+              <a:t>Request</a:t>
             </a:r>
             <a:endParaRPr lang="ko-KR" altLang="en-US" sz="900" b="1" dirty="0"/>
           </a:p>
@@ -12885,8 +13049,8 @@
         </p:nvSpPr>
         <p:spPr>
           <a:xfrm>
-            <a:off x="5527589" y="2501718"/>
-            <a:ext cx="1773242" cy="230832"/>
+            <a:off x="5581097" y="2340912"/>
+            <a:ext cx="1759055" cy="230832"/>
           </a:xfrm>
           <a:prstGeom prst="rect">
             <a:avLst/>
@@ -12894,7 +13058,7 @@
           <a:noFill/>
         </p:spPr>
         <p:txBody>
-          <a:bodyPr wrap="none" rtlCol="0">
+          <a:bodyPr wrap="square" rtlCol="0">
             <a:spAutoFit/>
           </a:bodyPr>
           <a:lstStyle/>
@@ -12902,7 +13066,7 @@
             <a:pPr algn="ctr"/>
             <a:r>
               <a:rPr lang="en-US" altLang="ko-KR" sz="900" b="1" dirty="0" smtClean="0"/>
-              <a:t>Destroy Attendant Response</a:t>
+              <a:t>Disconnect Client Response</a:t>
             </a:r>
             <a:endParaRPr lang="ko-KR" altLang="en-US" sz="900" b="1" dirty="0"/>
           </a:p>
@@ -14362,7 +14526,7 @@
         </p:nvCxnSpPr>
         <p:spPr>
           <a:xfrm>
-            <a:off x="3143240" y="3413778"/>
+            <a:off x="3143240" y="3333375"/>
             <a:ext cx="2428892" cy="1588"/>
           </a:xfrm>
           <a:prstGeom prst="straightConnector1">
@@ -14395,7 +14559,7 @@
         </p:nvSpPr>
         <p:spPr>
           <a:xfrm>
-            <a:off x="3134275" y="3170143"/>
+            <a:off x="3134275" y="3089740"/>
             <a:ext cx="1600118" cy="230832"/>
           </a:xfrm>
           <a:prstGeom prst="rect">
@@ -14803,64 +14967,6 @@
           </a:fontRef>
         </p:style>
       </p:cxnSp>
-      <p:sp>
-        <p:nvSpPr>
-          <p:cNvPr id="83" name="TextBox 82"/>
-          <p:cNvSpPr txBox="1"/>
-          <p:nvPr/>
-        </p:nvSpPr>
-        <p:spPr>
-          <a:xfrm>
-            <a:off x="2643174" y="3714752"/>
-            <a:ext cx="1000132" cy="276999"/>
-          </a:xfrm>
-          <a:prstGeom prst="rect">
-            <a:avLst/>
-          </a:prstGeom>
-          <a:noFill/>
-          <a:ln>
-            <a:solidFill>
-              <a:schemeClr val="accent6"/>
-            </a:solidFill>
-          </a:ln>
-        </p:spPr>
-        <p:txBody>
-          <a:bodyPr wrap="square" rtlCol="0">
-            <a:spAutoFit/>
-          </a:bodyPr>
-          <a:lstStyle/>
-          <a:p>
-            <a:pPr algn="ctr"/>
-            <a:r>
-              <a:rPr lang="en-US" altLang="ko-KR" sz="1200" b="1" dirty="0" smtClean="0">
-                <a:solidFill>
-                  <a:schemeClr val="accent2"/>
-                </a:solidFill>
-                <a:effectLst>
-                  <a:outerShdw blurRad="38100" dist="38100" dir="2700000" algn="tl">
-                    <a:srgbClr val="000000">
-                      <a:alpha val="43137"/>
-                    </a:srgbClr>
-                  </a:outerShdw>
-                </a:effectLst>
-              </a:rPr>
-              <a:t>Kill Itself</a:t>
-            </a:r>
-            <a:endParaRPr lang="ko-KR" altLang="en-US" sz="1200" b="1" dirty="0">
-              <a:solidFill>
-                <a:schemeClr val="accent2"/>
-              </a:solidFill>
-              <a:effectLst>
-                <a:outerShdw blurRad="38100" dist="38100" dir="2700000" algn="tl">
-                  <a:srgbClr val="000000">
-                    <a:alpha val="43137"/>
-                  </a:srgbClr>
-                </a:outerShdw>
-              </a:effectLst>
-            </a:endParaRPr>
-          </a:p>
-        </p:txBody>
-      </p:sp>
       <p:sp>
         <p:nvSpPr>
           <p:cNvPr id="90" name="TextBox 89"/>

--- a/@artifact/sirius_diagram.pptx
+++ b/@artifact/sirius_diagram.pptx
@@ -297,7 +297,7 @@
             <a:fld id="{514A86D4-6CB4-4B01-9FF2-5F8C796C776F}" type="datetimeFigureOut">
               <a:rPr lang="ko-KR" altLang="en-US" smtClean="0"/>
               <a:pPr/>
-              <a:t>2018-01-22</a:t>
+              <a:t>2018-02-07</a:t>
             </a:fld>
             <a:endParaRPr lang="ko-KR" altLang="en-US"/>
           </a:p>
@@ -464,7 +464,7 @@
             <a:fld id="{514A86D4-6CB4-4B01-9FF2-5F8C796C776F}" type="datetimeFigureOut">
               <a:rPr lang="ko-KR" altLang="en-US" smtClean="0"/>
               <a:pPr/>
-              <a:t>2018-01-22</a:t>
+              <a:t>2018-02-07</a:t>
             </a:fld>
             <a:endParaRPr lang="ko-KR" altLang="en-US"/>
           </a:p>
@@ -641,7 +641,7 @@
             <a:fld id="{514A86D4-6CB4-4B01-9FF2-5F8C796C776F}" type="datetimeFigureOut">
               <a:rPr lang="ko-KR" altLang="en-US" smtClean="0"/>
               <a:pPr/>
-              <a:t>2018-01-22</a:t>
+              <a:t>2018-02-07</a:t>
             </a:fld>
             <a:endParaRPr lang="ko-KR" altLang="en-US"/>
           </a:p>
@@ -808,7 +808,7 @@
             <a:fld id="{514A86D4-6CB4-4B01-9FF2-5F8C796C776F}" type="datetimeFigureOut">
               <a:rPr lang="ko-KR" altLang="en-US" smtClean="0"/>
               <a:pPr/>
-              <a:t>2018-01-22</a:t>
+              <a:t>2018-02-07</a:t>
             </a:fld>
             <a:endParaRPr lang="ko-KR" altLang="en-US"/>
           </a:p>
@@ -1051,7 +1051,7 @@
             <a:fld id="{514A86D4-6CB4-4B01-9FF2-5F8C796C776F}" type="datetimeFigureOut">
               <a:rPr lang="ko-KR" altLang="en-US" smtClean="0"/>
               <a:pPr/>
-              <a:t>2018-01-22</a:t>
+              <a:t>2018-02-07</a:t>
             </a:fld>
             <a:endParaRPr lang="ko-KR" altLang="en-US"/>
           </a:p>
@@ -1336,7 +1336,7 @@
             <a:fld id="{514A86D4-6CB4-4B01-9FF2-5F8C796C776F}" type="datetimeFigureOut">
               <a:rPr lang="ko-KR" altLang="en-US" smtClean="0"/>
               <a:pPr/>
-              <a:t>2018-01-22</a:t>
+              <a:t>2018-02-07</a:t>
             </a:fld>
             <a:endParaRPr lang="ko-KR" altLang="en-US"/>
           </a:p>
@@ -1755,7 +1755,7 @@
             <a:fld id="{514A86D4-6CB4-4B01-9FF2-5F8C796C776F}" type="datetimeFigureOut">
               <a:rPr lang="ko-KR" altLang="en-US" smtClean="0"/>
               <a:pPr/>
-              <a:t>2018-01-22</a:t>
+              <a:t>2018-02-07</a:t>
             </a:fld>
             <a:endParaRPr lang="ko-KR" altLang="en-US"/>
           </a:p>
@@ -1870,7 +1870,7 @@
             <a:fld id="{514A86D4-6CB4-4B01-9FF2-5F8C796C776F}" type="datetimeFigureOut">
               <a:rPr lang="ko-KR" altLang="en-US" smtClean="0"/>
               <a:pPr/>
-              <a:t>2018-01-22</a:t>
+              <a:t>2018-02-07</a:t>
             </a:fld>
             <a:endParaRPr lang="ko-KR" altLang="en-US"/>
           </a:p>
@@ -1962,7 +1962,7 @@
             <a:fld id="{514A86D4-6CB4-4B01-9FF2-5F8C796C776F}" type="datetimeFigureOut">
               <a:rPr lang="ko-KR" altLang="en-US" smtClean="0"/>
               <a:pPr/>
-              <a:t>2018-01-22</a:t>
+              <a:t>2018-02-07</a:t>
             </a:fld>
             <a:endParaRPr lang="ko-KR" altLang="en-US"/>
           </a:p>
@@ -2236,7 +2236,7 @@
             <a:fld id="{514A86D4-6CB4-4B01-9FF2-5F8C796C776F}" type="datetimeFigureOut">
               <a:rPr lang="ko-KR" altLang="en-US" smtClean="0"/>
               <a:pPr/>
-              <a:t>2018-01-22</a:t>
+              <a:t>2018-02-07</a:t>
             </a:fld>
             <a:endParaRPr lang="ko-KR" altLang="en-US"/>
           </a:p>
@@ -2486,7 +2486,7 @@
             <a:fld id="{514A86D4-6CB4-4B01-9FF2-5F8C796C776F}" type="datetimeFigureOut">
               <a:rPr lang="ko-KR" altLang="en-US" smtClean="0"/>
               <a:pPr/>
-              <a:t>2018-01-22</a:t>
+              <a:t>2018-02-07</a:t>
             </a:fld>
             <a:endParaRPr lang="ko-KR" altLang="en-US"/>
           </a:p>
@@ -2696,7 +2696,7 @@
             <a:fld id="{514A86D4-6CB4-4B01-9FF2-5F8C796C776F}" type="datetimeFigureOut">
               <a:rPr lang="ko-KR" altLang="en-US" smtClean="0"/>
               <a:pPr/>
-              <a:t>2018-01-22</a:t>
+              <a:t>2018-02-07</a:t>
             </a:fld>
             <a:endParaRPr lang="ko-KR" altLang="en-US"/>
           </a:p>
@@ -9724,11 +9724,7 @@
             <a:pPr algn="ctr"/>
             <a:r>
               <a:rPr lang="en-US" altLang="ko-KR" sz="900" b="1" dirty="0" smtClean="0"/>
-              <a:t>Connect Attendant </a:t>
-            </a:r>
-            <a:r>
-              <a:rPr lang="en-US" altLang="ko-KR" sz="900" b="1" dirty="0" smtClean="0"/>
-              <a:t>Request</a:t>
+              <a:t>Connect Attendant Request</a:t>
             </a:r>
             <a:endParaRPr lang="ko-KR" altLang="en-US" sz="900" b="1" dirty="0"/>
           </a:p>
@@ -9759,11 +9755,7 @@
             <a:pPr algn="ctr"/>
             <a:r>
               <a:rPr lang="en-US" altLang="ko-KR" sz="900" b="1" dirty="0" smtClean="0"/>
-              <a:t>Connect </a:t>
-            </a:r>
-            <a:r>
-              <a:rPr lang="en-US" altLang="ko-KR" sz="900" b="1" dirty="0" smtClean="0"/>
-              <a:t>Attendant Response</a:t>
+              <a:t>Connect Attendant Response</a:t>
             </a:r>
             <a:endParaRPr lang="ko-KR" altLang="en-US" sz="900" b="1" dirty="0"/>
           </a:p>
@@ -10109,11 +10101,7 @@
             <a:pPr algn="ctr"/>
             <a:r>
               <a:rPr lang="en-US" altLang="ko-KR" sz="900" b="1" dirty="0" smtClean="0"/>
-              <a:t>Connect Client </a:t>
-            </a:r>
-            <a:r>
-              <a:rPr lang="en-US" altLang="ko-KR" sz="900" b="1" dirty="0" smtClean="0"/>
-              <a:t>Request</a:t>
+              <a:t>Connect Client Request</a:t>
             </a:r>
             <a:endParaRPr lang="ko-KR" altLang="en-US" sz="900" b="1" dirty="0"/>
           </a:p>
@@ -10210,11 +10198,7 @@
             <a:pPr algn="ctr"/>
             <a:r>
               <a:rPr lang="en-US" altLang="ko-KR" sz="900" b="1" dirty="0" smtClean="0"/>
-              <a:t>Connect Client </a:t>
-            </a:r>
-            <a:r>
-              <a:rPr lang="en-US" altLang="ko-KR" sz="900" b="1" dirty="0" smtClean="0"/>
-              <a:t>Response</a:t>
+              <a:t>Connect Client Response</a:t>
             </a:r>
             <a:endParaRPr lang="ko-KR" altLang="en-US" sz="900" b="1" dirty="0"/>
           </a:p>
@@ -10846,11 +10830,7 @@
             <a:pPr algn="ctr"/>
             <a:r>
               <a:rPr lang="en-US" altLang="ko-KR" sz="900" b="1" dirty="0" smtClean="0"/>
-              <a:t>Start Attendant </a:t>
-            </a:r>
-            <a:r>
-              <a:rPr lang="en-US" altLang="ko-KR" sz="900" b="1" dirty="0" smtClean="0"/>
-              <a:t>Request</a:t>
+              <a:t>Start Attendant Request</a:t>
             </a:r>
             <a:endParaRPr lang="ko-KR" altLang="en-US" sz="900" b="1" dirty="0"/>
           </a:p>
@@ -10947,11 +10927,7 @@
             <a:pPr algn="ctr"/>
             <a:r>
               <a:rPr lang="en-US" altLang="ko-KR" sz="900" b="1" dirty="0" smtClean="0"/>
-              <a:t>Start Attendant </a:t>
-            </a:r>
-            <a:r>
-              <a:rPr lang="en-US" altLang="ko-KR" sz="900" b="1" dirty="0" smtClean="0"/>
-              <a:t>Response</a:t>
+              <a:t>Start Attendant Response</a:t>
             </a:r>
             <a:endParaRPr lang="ko-KR" altLang="en-US" sz="900" b="1" dirty="0"/>
           </a:p>
@@ -13031,11 +13007,7 @@
             <a:pPr algn="ctr"/>
             <a:r>
               <a:rPr lang="en-US" altLang="ko-KR" sz="900" b="1" dirty="0" smtClean="0"/>
-              <a:t>Disconnect Client </a:t>
-            </a:r>
-            <a:r>
-              <a:rPr lang="en-US" altLang="ko-KR" sz="900" b="1" dirty="0" smtClean="0"/>
-              <a:t>Request</a:t>
+              <a:t>Disconnect Client Request</a:t>
             </a:r>
             <a:endParaRPr lang="ko-KR" altLang="en-US" sz="900" b="1" dirty="0"/>
           </a:p>
@@ -13270,210 +13242,6 @@
           </a:fontRef>
         </p:style>
       </p:cxnSp>
-      <p:cxnSp>
-        <p:nvCxnSpPr>
-          <p:cNvPr id="105" name="Straight Arrow Connector 104"/>
-          <p:cNvCxnSpPr/>
-          <p:nvPr/>
-        </p:nvCxnSpPr>
-        <p:spPr>
-          <a:xfrm>
-            <a:off x="2143108" y="3640596"/>
-            <a:ext cx="5857916" cy="1588"/>
-          </a:xfrm>
-          <a:prstGeom prst="straightConnector1">
-            <a:avLst/>
-          </a:prstGeom>
-          <a:ln>
-            <a:tailEnd type="arrow"/>
-          </a:ln>
-        </p:spPr>
-        <p:style>
-          <a:lnRef idx="2">
-            <a:schemeClr val="accent6"/>
-          </a:lnRef>
-          <a:fillRef idx="0">
-            <a:schemeClr val="accent6"/>
-          </a:fillRef>
-          <a:effectRef idx="1">
-            <a:schemeClr val="accent6"/>
-          </a:effectRef>
-          <a:fontRef idx="minor">
-            <a:schemeClr val="tx1"/>
-          </a:fontRef>
-        </p:style>
-      </p:cxnSp>
-      <p:sp>
-        <p:nvSpPr>
-          <p:cNvPr id="106" name="TextBox 105"/>
-          <p:cNvSpPr txBox="1"/>
-          <p:nvPr/>
-        </p:nvSpPr>
-        <p:spPr>
-          <a:xfrm>
-            <a:off x="7000892" y="2912416"/>
-            <a:ext cx="1214446" cy="230832"/>
-          </a:xfrm>
-          <a:prstGeom prst="rect">
-            <a:avLst/>
-          </a:prstGeom>
-          <a:noFill/>
-        </p:spPr>
-        <p:txBody>
-          <a:bodyPr wrap="square" rtlCol="0">
-            <a:spAutoFit/>
-          </a:bodyPr>
-          <a:lstStyle/>
-          <a:p>
-            <a:pPr algn="ctr"/>
-            <a:r>
-              <a:rPr lang="en-US" altLang="ko-KR" sz="900" b="1" dirty="0" smtClean="0"/>
-              <a:t>Stop Request</a:t>
-            </a:r>
-            <a:endParaRPr lang="ko-KR" altLang="en-US" sz="900" b="1" dirty="0"/>
-          </a:p>
-        </p:txBody>
-      </p:sp>
-      <p:sp>
-        <p:nvSpPr>
-          <p:cNvPr id="107" name="TextBox 106"/>
-          <p:cNvSpPr txBox="1"/>
-          <p:nvPr/>
-        </p:nvSpPr>
-        <p:spPr>
-          <a:xfrm>
-            <a:off x="2143108" y="3429000"/>
-            <a:ext cx="1003801" cy="230832"/>
-          </a:xfrm>
-          <a:prstGeom prst="rect">
-            <a:avLst/>
-          </a:prstGeom>
-          <a:noFill/>
-        </p:spPr>
-        <p:txBody>
-          <a:bodyPr wrap="none" rtlCol="0">
-            <a:spAutoFit/>
-          </a:bodyPr>
-          <a:lstStyle/>
-          <a:p>
-            <a:pPr algn="ctr"/>
-            <a:r>
-              <a:rPr lang="en-US" altLang="ko-KR" sz="900" b="1" dirty="0" smtClean="0"/>
-              <a:t>Stop Response</a:t>
-            </a:r>
-            <a:endParaRPr lang="ko-KR" altLang="en-US" sz="900" b="1" dirty="0"/>
-          </a:p>
-        </p:txBody>
-      </p:sp>
-      <p:cxnSp>
-        <p:nvCxnSpPr>
-          <p:cNvPr id="108" name="Straight Arrow Connector 107"/>
-          <p:cNvCxnSpPr/>
-          <p:nvPr/>
-        </p:nvCxnSpPr>
-        <p:spPr>
-          <a:xfrm rot="10800000">
-            <a:off x="2143108" y="3126720"/>
-            <a:ext cx="5857916" cy="1588"/>
-          </a:xfrm>
-          <a:prstGeom prst="straightConnector1">
-            <a:avLst/>
-          </a:prstGeom>
-          <a:ln>
-            <a:tailEnd type="arrow"/>
-          </a:ln>
-        </p:spPr>
-        <p:style>
-          <a:lnRef idx="2">
-            <a:schemeClr val="accent6"/>
-          </a:lnRef>
-          <a:fillRef idx="0">
-            <a:schemeClr val="accent6"/>
-          </a:fillRef>
-          <a:effectRef idx="1">
-            <a:schemeClr val="accent6"/>
-          </a:effectRef>
-          <a:fontRef idx="minor">
-            <a:schemeClr val="tx1"/>
-          </a:fontRef>
-        </p:style>
-      </p:cxnSp>
-      <p:cxnSp>
-        <p:nvCxnSpPr>
-          <p:cNvPr id="110" name="Straight Arrow Connector 109"/>
-          <p:cNvCxnSpPr/>
-          <p:nvPr/>
-        </p:nvCxnSpPr>
-        <p:spPr>
-          <a:xfrm rot="10800000">
-            <a:off x="1214414" y="3372491"/>
-            <a:ext cx="928694" cy="1588"/>
-          </a:xfrm>
-          <a:prstGeom prst="straightConnector1">
-            <a:avLst/>
-          </a:prstGeom>
-          <a:ln>
-            <a:tailEnd type="arrow"/>
-          </a:ln>
-        </p:spPr>
-        <p:style>
-          <a:lnRef idx="2">
-            <a:schemeClr val="accent4"/>
-          </a:lnRef>
-          <a:fillRef idx="0">
-            <a:schemeClr val="accent4"/>
-          </a:fillRef>
-          <a:effectRef idx="1">
-            <a:schemeClr val="accent4"/>
-          </a:effectRef>
-          <a:fontRef idx="minor">
-            <a:schemeClr val="tx1"/>
-          </a:fontRef>
-        </p:style>
-      </p:cxnSp>
-      <p:sp>
-        <p:nvSpPr>
-          <p:cNvPr id="112" name="TextBox 111"/>
-          <p:cNvSpPr txBox="1"/>
-          <p:nvPr/>
-        </p:nvSpPr>
-        <p:spPr>
-          <a:xfrm>
-            <a:off x="1285852" y="3143248"/>
-            <a:ext cx="922047" cy="230832"/>
-          </a:xfrm>
-          <a:prstGeom prst="rect">
-            <a:avLst/>
-          </a:prstGeom>
-          <a:noFill/>
-        </p:spPr>
-        <p:txBody>
-          <a:bodyPr wrap="none" rtlCol="0">
-            <a:spAutoFit/>
-          </a:bodyPr>
-          <a:lstStyle/>
-          <a:p>
-            <a:pPr algn="ctr"/>
-            <a:r>
-              <a:rPr lang="en-US" altLang="ko-KR" sz="900" b="1" dirty="0" smtClean="0">
-                <a:solidFill>
-                  <a:schemeClr val="accent4">
-                    <a:lumMod val="75000"/>
-                  </a:schemeClr>
-                </a:solidFill>
-              </a:rPr>
-              <a:t>Stop Encoder</a:t>
-            </a:r>
-            <a:endParaRPr lang="ko-KR" altLang="en-US" sz="900" b="1" dirty="0">
-              <a:solidFill>
-                <a:schemeClr val="accent4">
-                  <a:lumMod val="75000"/>
-                </a:schemeClr>
-              </a:solidFill>
-            </a:endParaRPr>
-          </a:p>
-        </p:txBody>
-      </p:sp>
       <p:cxnSp>
         <p:nvCxnSpPr>
           <p:cNvPr id="118" name="Straight Connector 117"/>

--- a/@artifact/sirius_diagram.pptx
+++ b/@artifact/sirius_diagram.pptx
@@ -14,6 +14,7 @@
     <p:sldId id="259" r:id="rId8"/>
     <p:sldId id="263" r:id="rId9"/>
     <p:sldId id="264" r:id="rId10"/>
+    <p:sldId id="265" r:id="rId11"/>
   </p:sldIdLst>
   <p:sldSz cx="9144000" cy="6858000" type="screen4x3"/>
   <p:notesSz cx="6858000" cy="9144000"/>
@@ -297,7 +298,7 @@
             <a:fld id="{514A86D4-6CB4-4B01-9FF2-5F8C796C776F}" type="datetimeFigureOut">
               <a:rPr lang="ko-KR" altLang="en-US" smtClean="0"/>
               <a:pPr/>
-              <a:t>2018-02-07</a:t>
+              <a:t>2018-03-12</a:t>
             </a:fld>
             <a:endParaRPr lang="ko-KR" altLang="en-US"/>
           </a:p>
@@ -464,7 +465,7 @@
             <a:fld id="{514A86D4-6CB4-4B01-9FF2-5F8C796C776F}" type="datetimeFigureOut">
               <a:rPr lang="ko-KR" altLang="en-US" smtClean="0"/>
               <a:pPr/>
-              <a:t>2018-02-07</a:t>
+              <a:t>2018-03-12</a:t>
             </a:fld>
             <a:endParaRPr lang="ko-KR" altLang="en-US"/>
           </a:p>
@@ -641,7 +642,7 @@
             <a:fld id="{514A86D4-6CB4-4B01-9FF2-5F8C796C776F}" type="datetimeFigureOut">
               <a:rPr lang="ko-KR" altLang="en-US" smtClean="0"/>
               <a:pPr/>
-              <a:t>2018-02-07</a:t>
+              <a:t>2018-03-12</a:t>
             </a:fld>
             <a:endParaRPr lang="ko-KR" altLang="en-US"/>
           </a:p>
@@ -808,7 +809,7 @@
             <a:fld id="{514A86D4-6CB4-4B01-9FF2-5F8C796C776F}" type="datetimeFigureOut">
               <a:rPr lang="ko-KR" altLang="en-US" smtClean="0"/>
               <a:pPr/>
-              <a:t>2018-02-07</a:t>
+              <a:t>2018-03-12</a:t>
             </a:fld>
             <a:endParaRPr lang="ko-KR" altLang="en-US"/>
           </a:p>
@@ -1051,7 +1052,7 @@
             <a:fld id="{514A86D4-6CB4-4B01-9FF2-5F8C796C776F}" type="datetimeFigureOut">
               <a:rPr lang="ko-KR" altLang="en-US" smtClean="0"/>
               <a:pPr/>
-              <a:t>2018-02-07</a:t>
+              <a:t>2018-03-12</a:t>
             </a:fld>
             <a:endParaRPr lang="ko-KR" altLang="en-US"/>
           </a:p>
@@ -1336,7 +1337,7 @@
             <a:fld id="{514A86D4-6CB4-4B01-9FF2-5F8C796C776F}" type="datetimeFigureOut">
               <a:rPr lang="ko-KR" altLang="en-US" smtClean="0"/>
               <a:pPr/>
-              <a:t>2018-02-07</a:t>
+              <a:t>2018-03-12</a:t>
             </a:fld>
             <a:endParaRPr lang="ko-KR" altLang="en-US"/>
           </a:p>
@@ -1755,7 +1756,7 @@
             <a:fld id="{514A86D4-6CB4-4B01-9FF2-5F8C796C776F}" type="datetimeFigureOut">
               <a:rPr lang="ko-KR" altLang="en-US" smtClean="0"/>
               <a:pPr/>
-              <a:t>2018-02-07</a:t>
+              <a:t>2018-03-12</a:t>
             </a:fld>
             <a:endParaRPr lang="ko-KR" altLang="en-US"/>
           </a:p>
@@ -1870,7 +1871,7 @@
             <a:fld id="{514A86D4-6CB4-4B01-9FF2-5F8C796C776F}" type="datetimeFigureOut">
               <a:rPr lang="ko-KR" altLang="en-US" smtClean="0"/>
               <a:pPr/>
-              <a:t>2018-02-07</a:t>
+              <a:t>2018-03-12</a:t>
             </a:fld>
             <a:endParaRPr lang="ko-KR" altLang="en-US"/>
           </a:p>
@@ -1962,7 +1963,7 @@
             <a:fld id="{514A86D4-6CB4-4B01-9FF2-5F8C796C776F}" type="datetimeFigureOut">
               <a:rPr lang="ko-KR" altLang="en-US" smtClean="0"/>
               <a:pPr/>
-              <a:t>2018-02-07</a:t>
+              <a:t>2018-03-12</a:t>
             </a:fld>
             <a:endParaRPr lang="ko-KR" altLang="en-US"/>
           </a:p>
@@ -2236,7 +2237,7 @@
             <a:fld id="{514A86D4-6CB4-4B01-9FF2-5F8C796C776F}" type="datetimeFigureOut">
               <a:rPr lang="ko-KR" altLang="en-US" smtClean="0"/>
               <a:pPr/>
-              <a:t>2018-02-07</a:t>
+              <a:t>2018-03-12</a:t>
             </a:fld>
             <a:endParaRPr lang="ko-KR" altLang="en-US"/>
           </a:p>
@@ -2486,7 +2487,7 @@
             <a:fld id="{514A86D4-6CB4-4B01-9FF2-5F8C796C776F}" type="datetimeFigureOut">
               <a:rPr lang="ko-KR" altLang="en-US" smtClean="0"/>
               <a:pPr/>
-              <a:t>2018-02-07</a:t>
+              <a:t>2018-03-12</a:t>
             </a:fld>
             <a:endParaRPr lang="ko-KR" altLang="en-US"/>
           </a:p>
@@ -2696,7 +2697,7 @@
             <a:fld id="{514A86D4-6CB4-4B01-9FF2-5F8C796C776F}" type="datetimeFigureOut">
               <a:rPr lang="ko-KR" altLang="en-US" smtClean="0"/>
               <a:pPr/>
-              <a:t>2018-02-07</a:t>
+              <a:t>2018-03-12</a:t>
             </a:fld>
             <a:endParaRPr lang="ko-KR" altLang="en-US"/>
           </a:p>
@@ -4446,6 +4447,709 @@
           </a:p>
         </p:txBody>
       </p:sp>
+    </p:spTree>
+  </p:cSld>
+  <p:clrMapOvr>
+    <a:masterClrMapping/>
+  </p:clrMapOvr>
+</p:sld>
+</file>
+
+<file path=ppt/slides/slide10.xml><?xml version="1.0" encoding="utf-8"?>
+<p:sld xmlns:a="http://schemas.openxmlformats.org/drawingml/2006/main" xmlns:r="http://schemas.openxmlformats.org/officeDocument/2006/relationships" xmlns:p="http://schemas.openxmlformats.org/presentationml/2006/main">
+  <p:cSld>
+    <p:spTree>
+      <p:nvGrpSpPr>
+        <p:cNvPr id="1" name=""/>
+        <p:cNvGrpSpPr/>
+        <p:nvPr/>
+      </p:nvGrpSpPr>
+      <p:grpSpPr>
+        <a:xfrm>
+          <a:off x="0" y="0"/>
+          <a:ext cx="0" cy="0"/>
+          <a:chOff x="0" y="0"/>
+          <a:chExt cx="0" cy="0"/>
+        </a:xfrm>
+      </p:grpSpPr>
+      <p:sp>
+        <p:nvSpPr>
+          <p:cNvPr id="4" name="Rectangle 3"/>
+          <p:cNvSpPr/>
+          <p:nvPr/>
+        </p:nvSpPr>
+        <p:spPr>
+          <a:xfrm>
+            <a:off x="214282" y="571480"/>
+            <a:ext cx="7929618" cy="5715040"/>
+          </a:xfrm>
+          <a:prstGeom prst="rect">
+            <a:avLst/>
+          </a:prstGeom>
+        </p:spPr>
+        <p:style>
+          <a:lnRef idx="1">
+            <a:schemeClr val="accent6"/>
+          </a:lnRef>
+          <a:fillRef idx="2">
+            <a:schemeClr val="accent6"/>
+          </a:fillRef>
+          <a:effectRef idx="1">
+            <a:schemeClr val="accent6"/>
+          </a:effectRef>
+          <a:fontRef idx="minor">
+            <a:schemeClr val="dk1"/>
+          </a:fontRef>
+        </p:style>
+        <p:txBody>
+          <a:bodyPr rtlCol="0" anchor="ctr"/>
+          <a:lstStyle/>
+          <a:p>
+            <a:pPr algn="ctr"/>
+            <a:endParaRPr lang="ko-KR" altLang="en-US" dirty="0"/>
+          </a:p>
+        </p:txBody>
+      </p:sp>
+      <p:cxnSp>
+        <p:nvCxnSpPr>
+          <p:cNvPr id="6" name="Straight Arrow Connector 5"/>
+          <p:cNvCxnSpPr/>
+          <p:nvPr/>
+        </p:nvCxnSpPr>
+        <p:spPr>
+          <a:xfrm>
+            <a:off x="214282" y="416462"/>
+            <a:ext cx="7929618" cy="12142"/>
+          </a:xfrm>
+          <a:prstGeom prst="straightConnector1">
+            <a:avLst/>
+          </a:prstGeom>
+          <a:ln>
+            <a:headEnd type="arrow"/>
+            <a:tailEnd type="arrow"/>
+          </a:ln>
+        </p:spPr>
+        <p:style>
+          <a:lnRef idx="1">
+            <a:schemeClr val="accent1"/>
+          </a:lnRef>
+          <a:fillRef idx="0">
+            <a:schemeClr val="accent1"/>
+          </a:fillRef>
+          <a:effectRef idx="0">
+            <a:schemeClr val="accent1"/>
+          </a:effectRef>
+          <a:fontRef idx="minor">
+            <a:schemeClr val="tx1"/>
+          </a:fontRef>
+        </p:style>
+      </p:cxnSp>
+      <p:sp>
+        <p:nvSpPr>
+          <p:cNvPr id="7" name="TextBox 6"/>
+          <p:cNvSpPr txBox="1"/>
+          <p:nvPr/>
+        </p:nvSpPr>
+        <p:spPr>
+          <a:xfrm>
+            <a:off x="3523595" y="71414"/>
+            <a:ext cx="691215" cy="369332"/>
+          </a:xfrm>
+          <a:prstGeom prst="rect">
+            <a:avLst/>
+          </a:prstGeom>
+          <a:noFill/>
+        </p:spPr>
+        <p:txBody>
+          <a:bodyPr wrap="none" rtlCol="0">
+            <a:spAutoFit/>
+          </a:bodyPr>
+          <a:lstStyle/>
+          <a:p>
+            <a:r>
+              <a:rPr lang="en-US" altLang="ko-KR" dirty="0" smtClean="0"/>
+              <a:t>1280</a:t>
+            </a:r>
+            <a:endParaRPr lang="ko-KR" altLang="en-US" dirty="0"/>
+          </a:p>
+        </p:txBody>
+      </p:sp>
+      <p:cxnSp>
+        <p:nvCxnSpPr>
+          <p:cNvPr id="10" name="Straight Arrow Connector 9"/>
+          <p:cNvCxnSpPr/>
+          <p:nvPr/>
+        </p:nvCxnSpPr>
+        <p:spPr>
+          <a:xfrm rot="5400000">
+            <a:off x="5500694" y="3429000"/>
+            <a:ext cx="5715040" cy="1588"/>
+          </a:xfrm>
+          <a:prstGeom prst="straightConnector1">
+            <a:avLst/>
+          </a:prstGeom>
+          <a:ln>
+            <a:headEnd type="arrow"/>
+            <a:tailEnd type="arrow"/>
+          </a:ln>
+        </p:spPr>
+        <p:style>
+          <a:lnRef idx="1">
+            <a:schemeClr val="accent1"/>
+          </a:lnRef>
+          <a:fillRef idx="0">
+            <a:schemeClr val="accent1"/>
+          </a:fillRef>
+          <a:effectRef idx="0">
+            <a:schemeClr val="accent1"/>
+          </a:effectRef>
+          <a:fontRef idx="minor">
+            <a:schemeClr val="tx1"/>
+          </a:fontRef>
+        </p:style>
+      </p:cxnSp>
+      <p:sp>
+        <p:nvSpPr>
+          <p:cNvPr id="11" name="TextBox 10"/>
+          <p:cNvSpPr txBox="1"/>
+          <p:nvPr/>
+        </p:nvSpPr>
+        <p:spPr>
+          <a:xfrm>
+            <a:off x="8286776" y="3214686"/>
+            <a:ext cx="564578" cy="369332"/>
+          </a:xfrm>
+          <a:prstGeom prst="rect">
+            <a:avLst/>
+          </a:prstGeom>
+          <a:noFill/>
+        </p:spPr>
+        <p:txBody>
+          <a:bodyPr wrap="none" rtlCol="0">
+            <a:spAutoFit/>
+          </a:bodyPr>
+          <a:lstStyle/>
+          <a:p>
+            <a:r>
+              <a:rPr lang="en-US" altLang="ko-KR" dirty="0" smtClean="0"/>
+              <a:t>720</a:t>
+            </a:r>
+            <a:endParaRPr lang="ko-KR" altLang="en-US" dirty="0"/>
+          </a:p>
+        </p:txBody>
+      </p:sp>
+      <p:grpSp>
+        <p:nvGrpSpPr>
+          <p:cNvPr id="49" name="Group 48"/>
+          <p:cNvGrpSpPr/>
+          <p:nvPr/>
+        </p:nvGrpSpPr>
+        <p:grpSpPr>
+          <a:xfrm>
+            <a:off x="571472" y="937421"/>
+            <a:ext cx="2708348" cy="1991513"/>
+            <a:chOff x="3428992" y="1723239"/>
+            <a:chExt cx="2708348" cy="1991513"/>
+          </a:xfrm>
+        </p:grpSpPr>
+        <p:grpSp>
+          <p:nvGrpSpPr>
+            <p:cNvPr id="5" name="Group 28"/>
+            <p:cNvGrpSpPr/>
+            <p:nvPr/>
+          </p:nvGrpSpPr>
+          <p:grpSpPr>
+            <a:xfrm>
+              <a:off x="3857620" y="1723239"/>
+              <a:ext cx="2071702" cy="1705760"/>
+              <a:chOff x="285720" y="641332"/>
+              <a:chExt cx="1378335" cy="788198"/>
+            </a:xfrm>
+          </p:grpSpPr>
+          <p:sp>
+            <p:nvSpPr>
+              <p:cNvPr id="30" name="Rectangle 29"/>
+              <p:cNvSpPr/>
+              <p:nvPr/>
+            </p:nvSpPr>
+            <p:spPr>
+              <a:xfrm>
+                <a:off x="285720" y="785794"/>
+                <a:ext cx="928694" cy="642942"/>
+              </a:xfrm>
+              <a:prstGeom prst="rect">
+                <a:avLst/>
+              </a:prstGeom>
+            </p:spPr>
+            <p:style>
+              <a:lnRef idx="1">
+                <a:schemeClr val="accent4"/>
+              </a:lnRef>
+              <a:fillRef idx="2">
+                <a:schemeClr val="accent4"/>
+              </a:fillRef>
+              <a:effectRef idx="1">
+                <a:schemeClr val="accent4"/>
+              </a:effectRef>
+              <a:fontRef idx="minor">
+                <a:schemeClr val="dk1"/>
+              </a:fontRef>
+            </p:style>
+            <p:txBody>
+              <a:bodyPr rtlCol="0" anchor="ctr"/>
+              <a:lstStyle/>
+              <a:p>
+                <a:pPr algn="ctr"/>
+                <a:endParaRPr lang="ko-KR" altLang="en-US" sz="1200" b="1" dirty="0"/>
+              </a:p>
+            </p:txBody>
+          </p:sp>
+          <p:cxnSp>
+            <p:nvCxnSpPr>
+              <p:cNvPr id="31" name="Straight Arrow Connector 30"/>
+              <p:cNvCxnSpPr/>
+              <p:nvPr/>
+            </p:nvCxnSpPr>
+            <p:spPr>
+              <a:xfrm>
+                <a:off x="285720" y="736319"/>
+                <a:ext cx="928694" cy="1588"/>
+              </a:xfrm>
+              <a:prstGeom prst="straightConnector1">
+                <a:avLst/>
+              </a:prstGeom>
+              <a:ln>
+                <a:headEnd type="arrow"/>
+                <a:tailEnd type="arrow"/>
+              </a:ln>
+            </p:spPr>
+            <p:style>
+              <a:lnRef idx="1">
+                <a:schemeClr val="accent1"/>
+              </a:lnRef>
+              <a:fillRef idx="0">
+                <a:schemeClr val="accent1"/>
+              </a:fillRef>
+              <a:effectRef idx="0">
+                <a:schemeClr val="accent1"/>
+              </a:effectRef>
+              <a:fontRef idx="minor">
+                <a:schemeClr val="tx1"/>
+              </a:fontRef>
+            </p:style>
+          </p:cxnSp>
+          <p:sp>
+            <p:nvSpPr>
+              <p:cNvPr id="32" name="TextBox 31"/>
+              <p:cNvSpPr txBox="1"/>
+              <p:nvPr/>
+            </p:nvSpPr>
+            <p:spPr>
+              <a:xfrm>
+                <a:off x="517964" y="641332"/>
+                <a:ext cx="380955" cy="127996"/>
+              </a:xfrm>
+              <a:prstGeom prst="rect">
+                <a:avLst/>
+              </a:prstGeom>
+              <a:noFill/>
+            </p:spPr>
+            <p:txBody>
+              <a:bodyPr wrap="none" rtlCol="0">
+                <a:spAutoFit/>
+              </a:bodyPr>
+              <a:lstStyle/>
+              <a:p>
+                <a:r>
+                  <a:rPr lang="en-US" altLang="ko-KR" sz="1200" dirty="0" smtClean="0"/>
+                  <a:t>width</a:t>
+                </a:r>
+                <a:endParaRPr lang="ko-KR" altLang="en-US" sz="1200" dirty="0"/>
+              </a:p>
+            </p:txBody>
+          </p:sp>
+          <p:cxnSp>
+            <p:nvCxnSpPr>
+              <p:cNvPr id="33" name="Straight Arrow Connector 32"/>
+              <p:cNvCxnSpPr/>
+              <p:nvPr/>
+            </p:nvCxnSpPr>
+            <p:spPr>
+              <a:xfrm rot="5400000">
+                <a:off x="965175" y="1107265"/>
+                <a:ext cx="642942" cy="1588"/>
+              </a:xfrm>
+              <a:prstGeom prst="straightConnector1">
+                <a:avLst/>
+              </a:prstGeom>
+              <a:ln>
+                <a:headEnd type="arrow"/>
+                <a:tailEnd type="arrow"/>
+              </a:ln>
+            </p:spPr>
+            <p:style>
+              <a:lnRef idx="1">
+                <a:schemeClr val="accent1"/>
+              </a:lnRef>
+              <a:fillRef idx="0">
+                <a:schemeClr val="accent1"/>
+              </a:fillRef>
+              <a:effectRef idx="0">
+                <a:schemeClr val="accent1"/>
+              </a:effectRef>
+              <a:fontRef idx="minor">
+                <a:schemeClr val="tx1"/>
+              </a:fontRef>
+            </p:style>
+          </p:cxnSp>
+          <p:sp>
+            <p:nvSpPr>
+              <p:cNvPr id="34" name="TextBox 33"/>
+              <p:cNvSpPr txBox="1"/>
+              <p:nvPr/>
+            </p:nvSpPr>
+            <p:spPr>
+              <a:xfrm>
+                <a:off x="1244706" y="937423"/>
+                <a:ext cx="419349" cy="127996"/>
+              </a:xfrm>
+              <a:prstGeom prst="rect">
+                <a:avLst/>
+              </a:prstGeom>
+              <a:noFill/>
+            </p:spPr>
+            <p:txBody>
+              <a:bodyPr wrap="none" rtlCol="0">
+                <a:spAutoFit/>
+              </a:bodyPr>
+              <a:lstStyle/>
+              <a:p>
+                <a:r>
+                  <a:rPr lang="en-US" altLang="ko-KR" sz="1200" dirty="0" smtClean="0"/>
+                  <a:t>height</a:t>
+                </a:r>
+                <a:endParaRPr lang="ko-KR" altLang="en-US" sz="1200" dirty="0"/>
+              </a:p>
+            </p:txBody>
+          </p:sp>
+        </p:grpSp>
+        <p:sp>
+          <p:nvSpPr>
+            <p:cNvPr id="41" name="TextBox 40"/>
+            <p:cNvSpPr txBox="1"/>
+            <p:nvPr/>
+          </p:nvSpPr>
+          <p:spPr>
+            <a:xfrm>
+              <a:off x="3428992" y="1928802"/>
+              <a:ext cx="513282" cy="276999"/>
+            </a:xfrm>
+            <a:prstGeom prst="rect">
+              <a:avLst/>
+            </a:prstGeom>
+            <a:noFill/>
+          </p:spPr>
+          <p:txBody>
+            <a:bodyPr wrap="none" rtlCol="0">
+              <a:spAutoFit/>
+            </a:bodyPr>
+            <a:lstStyle/>
+            <a:p>
+              <a:r>
+                <a:rPr lang="en-US" altLang="ko-KR" sz="1200" dirty="0" smtClean="0"/>
+                <a:t>(x, y)</a:t>
+              </a:r>
+              <a:endParaRPr lang="ko-KR" altLang="en-US" sz="1200" dirty="0"/>
+            </a:p>
+          </p:txBody>
+        </p:sp>
+        <p:sp>
+          <p:nvSpPr>
+            <p:cNvPr id="48" name="TextBox 47"/>
+            <p:cNvSpPr txBox="1"/>
+            <p:nvPr/>
+          </p:nvSpPr>
+          <p:spPr>
+            <a:xfrm>
+              <a:off x="4357686" y="3437753"/>
+              <a:ext cx="1779654" cy="276999"/>
+            </a:xfrm>
+            <a:prstGeom prst="rect">
+              <a:avLst/>
+            </a:prstGeom>
+            <a:noFill/>
+          </p:spPr>
+          <p:txBody>
+            <a:bodyPr wrap="none" rtlCol="0">
+              <a:spAutoFit/>
+            </a:bodyPr>
+            <a:lstStyle/>
+            <a:p>
+              <a:r>
+                <a:rPr lang="en-US" altLang="ko-KR" sz="1200" dirty="0" smtClean="0"/>
+                <a:t>(x + width, y + height)</a:t>
+              </a:r>
+              <a:endParaRPr lang="ko-KR" altLang="en-US" sz="1200" dirty="0"/>
+            </a:p>
+          </p:txBody>
+        </p:sp>
+      </p:grpSp>
+      <p:grpSp>
+        <p:nvGrpSpPr>
+          <p:cNvPr id="50" name="Group 49"/>
+          <p:cNvGrpSpPr/>
+          <p:nvPr/>
+        </p:nvGrpSpPr>
+        <p:grpSpPr>
+          <a:xfrm>
+            <a:off x="3259220" y="785794"/>
+            <a:ext cx="4027423" cy="3143272"/>
+            <a:chOff x="3428992" y="1723239"/>
+            <a:chExt cx="2708348" cy="1991513"/>
+          </a:xfrm>
+        </p:grpSpPr>
+        <p:grpSp>
+          <p:nvGrpSpPr>
+            <p:cNvPr id="51" name="Group 28"/>
+            <p:cNvGrpSpPr/>
+            <p:nvPr/>
+          </p:nvGrpSpPr>
+          <p:grpSpPr>
+            <a:xfrm>
+              <a:off x="3857620" y="1723239"/>
+              <a:ext cx="2071703" cy="1705760"/>
+              <a:chOff x="285720" y="641332"/>
+              <a:chExt cx="1378335" cy="788198"/>
+            </a:xfrm>
+          </p:grpSpPr>
+          <p:sp>
+            <p:nvSpPr>
+              <p:cNvPr id="54" name="Rectangle 53"/>
+              <p:cNvSpPr/>
+              <p:nvPr/>
+            </p:nvSpPr>
+            <p:spPr>
+              <a:xfrm>
+                <a:off x="285720" y="785794"/>
+                <a:ext cx="928694" cy="642942"/>
+              </a:xfrm>
+              <a:prstGeom prst="rect">
+                <a:avLst/>
+              </a:prstGeom>
+            </p:spPr>
+            <p:style>
+              <a:lnRef idx="1">
+                <a:schemeClr val="accent4"/>
+              </a:lnRef>
+              <a:fillRef idx="2">
+                <a:schemeClr val="accent4"/>
+              </a:fillRef>
+              <a:effectRef idx="1">
+                <a:schemeClr val="accent4"/>
+              </a:effectRef>
+              <a:fontRef idx="minor">
+                <a:schemeClr val="dk1"/>
+              </a:fontRef>
+            </p:style>
+            <p:txBody>
+              <a:bodyPr rtlCol="0" anchor="ctr"/>
+              <a:lstStyle/>
+              <a:p>
+                <a:pPr algn="ctr"/>
+                <a:endParaRPr lang="ko-KR" altLang="en-US" sz="1200" b="1" dirty="0"/>
+              </a:p>
+            </p:txBody>
+          </p:sp>
+          <p:cxnSp>
+            <p:nvCxnSpPr>
+              <p:cNvPr id="55" name="Straight Arrow Connector 54"/>
+              <p:cNvCxnSpPr/>
+              <p:nvPr/>
+            </p:nvCxnSpPr>
+            <p:spPr>
+              <a:xfrm>
+                <a:off x="285720" y="736319"/>
+                <a:ext cx="928694" cy="1588"/>
+              </a:xfrm>
+              <a:prstGeom prst="straightConnector1">
+                <a:avLst/>
+              </a:prstGeom>
+              <a:ln>
+                <a:headEnd type="arrow"/>
+                <a:tailEnd type="arrow"/>
+              </a:ln>
+            </p:spPr>
+            <p:style>
+              <a:lnRef idx="1">
+                <a:schemeClr val="accent1"/>
+              </a:lnRef>
+              <a:fillRef idx="0">
+                <a:schemeClr val="accent1"/>
+              </a:fillRef>
+              <a:effectRef idx="0">
+                <a:schemeClr val="accent1"/>
+              </a:effectRef>
+              <a:fontRef idx="minor">
+                <a:schemeClr val="tx1"/>
+              </a:fontRef>
+            </p:style>
+          </p:cxnSp>
+          <p:sp>
+            <p:nvSpPr>
+              <p:cNvPr id="56" name="TextBox 55"/>
+              <p:cNvSpPr txBox="1"/>
+              <p:nvPr/>
+            </p:nvSpPr>
+            <p:spPr>
+              <a:xfrm>
+                <a:off x="517964" y="641332"/>
+                <a:ext cx="380955" cy="127996"/>
+              </a:xfrm>
+              <a:prstGeom prst="rect">
+                <a:avLst/>
+              </a:prstGeom>
+              <a:noFill/>
+            </p:spPr>
+            <p:txBody>
+              <a:bodyPr wrap="none" rtlCol="0">
+                <a:spAutoFit/>
+              </a:bodyPr>
+              <a:lstStyle/>
+              <a:p>
+                <a:r>
+                  <a:rPr lang="en-US" altLang="ko-KR" sz="1200" dirty="0" smtClean="0"/>
+                  <a:t>width</a:t>
+                </a:r>
+                <a:endParaRPr lang="ko-KR" altLang="en-US" sz="1200" dirty="0"/>
+              </a:p>
+            </p:txBody>
+          </p:sp>
+          <p:cxnSp>
+            <p:nvCxnSpPr>
+              <p:cNvPr id="57" name="Straight Arrow Connector 56"/>
+              <p:cNvCxnSpPr/>
+              <p:nvPr/>
+            </p:nvCxnSpPr>
+            <p:spPr>
+              <a:xfrm rot="5400000">
+                <a:off x="965175" y="1107265"/>
+                <a:ext cx="642942" cy="1588"/>
+              </a:xfrm>
+              <a:prstGeom prst="straightConnector1">
+                <a:avLst/>
+              </a:prstGeom>
+              <a:ln>
+                <a:headEnd type="arrow"/>
+                <a:tailEnd type="arrow"/>
+              </a:ln>
+            </p:spPr>
+            <p:style>
+              <a:lnRef idx="1">
+                <a:schemeClr val="accent1"/>
+              </a:lnRef>
+              <a:fillRef idx="0">
+                <a:schemeClr val="accent1"/>
+              </a:fillRef>
+              <a:effectRef idx="0">
+                <a:schemeClr val="accent1"/>
+              </a:effectRef>
+              <a:fontRef idx="minor">
+                <a:schemeClr val="tx1"/>
+              </a:fontRef>
+            </p:style>
+          </p:cxnSp>
+          <p:sp>
+            <p:nvSpPr>
+              <p:cNvPr id="58" name="TextBox 57"/>
+              <p:cNvSpPr txBox="1"/>
+              <p:nvPr/>
+            </p:nvSpPr>
+            <p:spPr>
+              <a:xfrm>
+                <a:off x="1244706" y="937423"/>
+                <a:ext cx="419349" cy="127996"/>
+              </a:xfrm>
+              <a:prstGeom prst="rect">
+                <a:avLst/>
+              </a:prstGeom>
+              <a:noFill/>
+            </p:spPr>
+            <p:txBody>
+              <a:bodyPr wrap="none" rtlCol="0">
+                <a:spAutoFit/>
+              </a:bodyPr>
+              <a:lstStyle/>
+              <a:p>
+                <a:r>
+                  <a:rPr lang="en-US" altLang="ko-KR" sz="1200" dirty="0" smtClean="0"/>
+                  <a:t>height</a:t>
+                </a:r>
+                <a:endParaRPr lang="ko-KR" altLang="en-US" sz="1200" dirty="0"/>
+              </a:p>
+            </p:txBody>
+          </p:sp>
+        </p:grpSp>
+        <p:sp>
+          <p:nvSpPr>
+            <p:cNvPr id="52" name="TextBox 51"/>
+            <p:cNvSpPr txBox="1"/>
+            <p:nvPr/>
+          </p:nvSpPr>
+          <p:spPr>
+            <a:xfrm>
+              <a:off x="3428992" y="1928802"/>
+              <a:ext cx="513282" cy="276999"/>
+            </a:xfrm>
+            <a:prstGeom prst="rect">
+              <a:avLst/>
+            </a:prstGeom>
+            <a:noFill/>
+          </p:spPr>
+          <p:txBody>
+            <a:bodyPr wrap="none" rtlCol="0">
+              <a:spAutoFit/>
+            </a:bodyPr>
+            <a:lstStyle/>
+            <a:p>
+              <a:r>
+                <a:rPr lang="en-US" altLang="ko-KR" sz="1200" dirty="0" smtClean="0"/>
+                <a:t>(x, y)</a:t>
+              </a:r>
+              <a:endParaRPr lang="ko-KR" altLang="en-US" sz="1200" dirty="0"/>
+            </a:p>
+          </p:txBody>
+        </p:sp>
+        <p:sp>
+          <p:nvSpPr>
+            <p:cNvPr id="53" name="TextBox 52"/>
+            <p:cNvSpPr txBox="1"/>
+            <p:nvPr/>
+          </p:nvSpPr>
+          <p:spPr>
+            <a:xfrm>
+              <a:off x="4357686" y="3437753"/>
+              <a:ext cx="1779654" cy="276999"/>
+            </a:xfrm>
+            <a:prstGeom prst="rect">
+              <a:avLst/>
+            </a:prstGeom>
+            <a:noFill/>
+          </p:spPr>
+          <p:txBody>
+            <a:bodyPr wrap="none" rtlCol="0">
+              <a:spAutoFit/>
+            </a:bodyPr>
+            <a:lstStyle/>
+            <a:p>
+              <a:r>
+                <a:rPr lang="en-US" altLang="ko-KR" sz="1200" dirty="0" smtClean="0"/>
+                <a:t>(x + width, y + height)</a:t>
+              </a:r>
+              <a:endParaRPr lang="ko-KR" altLang="en-US" sz="1200" dirty="0"/>
+            </a:p>
+          </p:txBody>
+        </p:sp>
+      </p:grpSp>
     </p:spTree>
   </p:cSld>
   <p:clrMapOvr>
